--- a/freaky_fridays/e003/Affinity_final.pptx
+++ b/freaky_fridays/e003/Affinity_final.pptx
@@ -10,9 +10,14 @@
     <p:sldId id="269" r:id="rId4"/>
     <p:sldId id="270" r:id="rId5"/>
     <p:sldId id="271" r:id="rId6"/>
-    <p:sldId id="257" r:id="rId7"/>
-    <p:sldId id="258" r:id="rId8"/>
-    <p:sldId id="262" r:id="rId9"/>
+    <p:sldId id="272" r:id="rId7"/>
+    <p:sldId id="273" r:id="rId8"/>
+    <p:sldId id="274" r:id="rId9"/>
+    <p:sldId id="257" r:id="rId10"/>
+    <p:sldId id="258" r:id="rId11"/>
+    <p:sldId id="262" r:id="rId12"/>
+    <p:sldId id="276" r:id="rId13"/>
+    <p:sldId id="275" r:id="rId14"/>
   </p:sldIdLst>
   <p:sldSz cx="12192000" cy="6858000"/>
   <p:notesSz cx="6858000" cy="9144000"/>
@@ -121,6 +126,9 @@
             <p14:sldId id="269"/>
             <p14:sldId id="270"/>
             <p14:sldId id="271"/>
+            <p14:sldId id="272"/>
+            <p14:sldId id="273"/>
+            <p14:sldId id="274"/>
           </p14:sldIdLst>
         </p14:section>
         <p14:section name="Archive" id="{B7290710-0AF1-490B-828B-B33775D088E1}">
@@ -128,6 +136,8 @@
             <p14:sldId id="257"/>
             <p14:sldId id="258"/>
             <p14:sldId id="262"/>
+            <p14:sldId id="276"/>
+            <p14:sldId id="275"/>
           </p14:sldIdLst>
         </p14:section>
       </p14:sectionLst>
@@ -286,7 +296,7 @@
           <a:p>
             <a:fld id="{217E97A0-8D6E-47FF-8FEF-C62C920FA459}" type="datetimeFigureOut">
               <a:rPr lang="en-US" smtClean="0"/>
-              <a:t>12/3/2020</a:t>
+              <a:t>12/17/2020</a:t>
             </a:fld>
             <a:endParaRPr lang="en-US"/>
           </a:p>
@@ -484,7 +494,7 @@
           <a:p>
             <a:fld id="{217E97A0-8D6E-47FF-8FEF-C62C920FA459}" type="datetimeFigureOut">
               <a:rPr lang="en-US" smtClean="0"/>
-              <a:t>12/3/2020</a:t>
+              <a:t>12/17/2020</a:t>
             </a:fld>
             <a:endParaRPr lang="en-US"/>
           </a:p>
@@ -692,7 +702,7 @@
           <a:p>
             <a:fld id="{217E97A0-8D6E-47FF-8FEF-C62C920FA459}" type="datetimeFigureOut">
               <a:rPr lang="en-US" smtClean="0"/>
-              <a:t>12/3/2020</a:t>
+              <a:t>12/17/2020</a:t>
             </a:fld>
             <a:endParaRPr lang="en-US"/>
           </a:p>
@@ -890,7 +900,7 @@
           <a:p>
             <a:fld id="{217E97A0-8D6E-47FF-8FEF-C62C920FA459}" type="datetimeFigureOut">
               <a:rPr lang="en-US" smtClean="0"/>
-              <a:t>12/3/2020</a:t>
+              <a:t>12/17/2020</a:t>
             </a:fld>
             <a:endParaRPr lang="en-US"/>
           </a:p>
@@ -1165,7 +1175,7 @@
           <a:p>
             <a:fld id="{217E97A0-8D6E-47FF-8FEF-C62C920FA459}" type="datetimeFigureOut">
               <a:rPr lang="en-US" smtClean="0"/>
-              <a:t>12/3/2020</a:t>
+              <a:t>12/17/2020</a:t>
             </a:fld>
             <a:endParaRPr lang="en-US"/>
           </a:p>
@@ -1430,7 +1440,7 @@
           <a:p>
             <a:fld id="{217E97A0-8D6E-47FF-8FEF-C62C920FA459}" type="datetimeFigureOut">
               <a:rPr lang="en-US" smtClean="0"/>
-              <a:t>12/3/2020</a:t>
+              <a:t>12/17/2020</a:t>
             </a:fld>
             <a:endParaRPr lang="en-US"/>
           </a:p>
@@ -1842,7 +1852,7 @@
           <a:p>
             <a:fld id="{217E97A0-8D6E-47FF-8FEF-C62C920FA459}" type="datetimeFigureOut">
               <a:rPr lang="en-US" smtClean="0"/>
-              <a:t>12/3/2020</a:t>
+              <a:t>12/17/2020</a:t>
             </a:fld>
             <a:endParaRPr lang="en-US"/>
           </a:p>
@@ -1983,7 +1993,7 @@
           <a:p>
             <a:fld id="{217E97A0-8D6E-47FF-8FEF-C62C920FA459}" type="datetimeFigureOut">
               <a:rPr lang="en-US" smtClean="0"/>
-              <a:t>12/3/2020</a:t>
+              <a:t>12/17/2020</a:t>
             </a:fld>
             <a:endParaRPr lang="en-US"/>
           </a:p>
@@ -2096,7 +2106,7 @@
           <a:p>
             <a:fld id="{217E97A0-8D6E-47FF-8FEF-C62C920FA459}" type="datetimeFigureOut">
               <a:rPr lang="en-US" smtClean="0"/>
-              <a:t>12/3/2020</a:t>
+              <a:t>12/17/2020</a:t>
             </a:fld>
             <a:endParaRPr lang="en-US"/>
           </a:p>
@@ -2407,7 +2417,7 @@
           <a:p>
             <a:fld id="{217E97A0-8D6E-47FF-8FEF-C62C920FA459}" type="datetimeFigureOut">
               <a:rPr lang="en-US" smtClean="0"/>
-              <a:t>12/3/2020</a:t>
+              <a:t>12/17/2020</a:t>
             </a:fld>
             <a:endParaRPr lang="en-US"/>
           </a:p>
@@ -2695,7 +2705,7 @@
           <a:p>
             <a:fld id="{217E97A0-8D6E-47FF-8FEF-C62C920FA459}" type="datetimeFigureOut">
               <a:rPr lang="en-US" smtClean="0"/>
-              <a:t>12/3/2020</a:t>
+              <a:t>12/17/2020</a:t>
             </a:fld>
             <a:endParaRPr lang="en-US"/>
           </a:p>
@@ -2936,7 +2946,7 @@
           <a:p>
             <a:fld id="{217E97A0-8D6E-47FF-8FEF-C62C920FA459}" type="datetimeFigureOut">
               <a:rPr lang="en-US" smtClean="0"/>
-              <a:t>12/3/2020</a:t>
+              <a:t>12/17/2020</a:t>
             </a:fld>
             <a:endParaRPr lang="en-US"/>
           </a:p>
@@ -3925,6 +3935,3481 @@
       </p:transition>
     </mc:Fallback>
   </mc:AlternateContent>
+</p:sld>
+</file>
+
+<file path=ppt/slides/slide10.xml><?xml version="1.0" encoding="utf-8"?>
+<p:sld xmlns:a="http://schemas.openxmlformats.org/drawingml/2006/main" xmlns:r="http://schemas.openxmlformats.org/officeDocument/2006/relationships" xmlns:p="http://schemas.openxmlformats.org/presentationml/2006/main">
+  <p:cSld>
+    <p:spTree>
+      <p:nvGrpSpPr>
+        <p:cNvPr id="1" name=""/>
+        <p:cNvGrpSpPr/>
+        <p:nvPr/>
+      </p:nvGrpSpPr>
+      <p:grpSpPr>
+        <a:xfrm>
+          <a:off x="0" y="0"/>
+          <a:ext cx="0" cy="0"/>
+          <a:chOff x="0" y="0"/>
+          <a:chExt cx="0" cy="0"/>
+        </a:xfrm>
+      </p:grpSpPr>
+      <p:sp>
+        <p:nvSpPr>
+          <p:cNvPr id="8" name="Rectangle: Top Corners Rounded 7">
+            <a:extLst>
+              <a:ext uri="{FF2B5EF4-FFF2-40B4-BE49-F238E27FC236}">
+                <a16:creationId xmlns:a16="http://schemas.microsoft.com/office/drawing/2014/main" id="{ABBFE5DA-7F3C-4A74-A505-0494BB43A11E}"/>
+              </a:ext>
+            </a:extLst>
+          </p:cNvPr>
+          <p:cNvSpPr/>
+          <p:nvPr/>
+        </p:nvSpPr>
+        <p:spPr>
+          <a:xfrm>
+            <a:off x="3925776" y="883224"/>
+            <a:ext cx="4340448" cy="583037"/>
+          </a:xfrm>
+          <a:prstGeom prst="round2SameRect">
+            <a:avLst/>
+          </a:prstGeom>
+          <a:solidFill>
+            <a:schemeClr val="accent1">
+              <a:lumMod val="50000"/>
+            </a:schemeClr>
+          </a:solidFill>
+        </p:spPr>
+        <p:style>
+          <a:lnRef idx="2">
+            <a:schemeClr val="accent6">
+              <a:shade val="50000"/>
+            </a:schemeClr>
+          </a:lnRef>
+          <a:fillRef idx="1">
+            <a:schemeClr val="accent6"/>
+          </a:fillRef>
+          <a:effectRef idx="0">
+            <a:schemeClr val="accent6"/>
+          </a:effectRef>
+          <a:fontRef idx="minor">
+            <a:schemeClr val="lt1"/>
+          </a:fontRef>
+        </p:style>
+        <p:txBody>
+          <a:bodyPr rtlCol="0" anchor="ctr"/>
+          <a:lstStyle/>
+          <a:p>
+            <a:pPr algn="ctr"/>
+            <a:r>
+              <a:rPr lang="en-US" sz="3600" b="1" dirty="0">
+                <a:solidFill>
+                  <a:schemeClr val="bg1"/>
+                </a:solidFill>
+              </a:rPr>
+              <a:t>POD</a:t>
+            </a:r>
+          </a:p>
+        </p:txBody>
+      </p:sp>
+      <p:sp>
+        <p:nvSpPr>
+          <p:cNvPr id="12" name="Rectangle 11">
+            <a:extLst>
+              <a:ext uri="{FF2B5EF4-FFF2-40B4-BE49-F238E27FC236}">
+                <a16:creationId xmlns:a16="http://schemas.microsoft.com/office/drawing/2014/main" id="{FA4FF112-B096-46AE-87D8-63AD94B39A25}"/>
+              </a:ext>
+            </a:extLst>
+          </p:cNvPr>
+          <p:cNvSpPr/>
+          <p:nvPr/>
+        </p:nvSpPr>
+        <p:spPr>
+          <a:xfrm>
+            <a:off x="3925776" y="1454426"/>
+            <a:ext cx="4340448" cy="4222806"/>
+          </a:xfrm>
+          <a:prstGeom prst="rect">
+            <a:avLst/>
+          </a:prstGeom>
+          <a:solidFill>
+            <a:srgbClr val="00B0F0"/>
+          </a:solidFill>
+        </p:spPr>
+        <p:style>
+          <a:lnRef idx="2">
+            <a:schemeClr val="accent6">
+              <a:shade val="50000"/>
+            </a:schemeClr>
+          </a:lnRef>
+          <a:fillRef idx="1">
+            <a:schemeClr val="accent6"/>
+          </a:fillRef>
+          <a:effectRef idx="0">
+            <a:schemeClr val="accent6"/>
+          </a:effectRef>
+          <a:fontRef idx="minor">
+            <a:schemeClr val="lt1"/>
+          </a:fontRef>
+        </p:style>
+        <p:txBody>
+          <a:bodyPr rtlCol="0" anchor="ctr"/>
+          <a:lstStyle/>
+          <a:p>
+            <a:pPr algn="ctr"/>
+            <a:endParaRPr lang="en-US" sz="1400" dirty="0">
+              <a:solidFill>
+                <a:schemeClr val="bg1"/>
+              </a:solidFill>
+            </a:endParaRPr>
+          </a:p>
+        </p:txBody>
+      </p:sp>
+      <p:sp>
+        <p:nvSpPr>
+          <p:cNvPr id="13" name="Rectangle: Diagonal Corners Snipped 12">
+            <a:extLst>
+              <a:ext uri="{FF2B5EF4-FFF2-40B4-BE49-F238E27FC236}">
+                <a16:creationId xmlns:a16="http://schemas.microsoft.com/office/drawing/2014/main" id="{B331BFEF-7990-4362-A973-44EC5C4353BB}"/>
+              </a:ext>
+            </a:extLst>
+          </p:cNvPr>
+          <p:cNvSpPr/>
+          <p:nvPr/>
+        </p:nvSpPr>
+        <p:spPr>
+          <a:xfrm>
+            <a:off x="5967213" y="1718807"/>
+            <a:ext cx="2263471" cy="2050111"/>
+          </a:xfrm>
+          <a:prstGeom prst="snip2DiagRect">
+            <a:avLst/>
+          </a:prstGeom>
+        </p:spPr>
+        <p:style>
+          <a:lnRef idx="2">
+            <a:schemeClr val="accent1">
+              <a:shade val="50000"/>
+            </a:schemeClr>
+          </a:lnRef>
+          <a:fillRef idx="1">
+            <a:schemeClr val="accent1"/>
+          </a:fillRef>
+          <a:effectRef idx="0">
+            <a:schemeClr val="accent1"/>
+          </a:effectRef>
+          <a:fontRef idx="minor">
+            <a:schemeClr val="lt1"/>
+          </a:fontRef>
+        </p:style>
+        <p:txBody>
+          <a:bodyPr rtlCol="0" anchor="ctr"/>
+          <a:lstStyle/>
+          <a:p>
+            <a:pPr algn="ctr"/>
+            <a:endParaRPr lang="en-US"/>
+          </a:p>
+        </p:txBody>
+      </p:sp>
+      <p:sp>
+        <p:nvSpPr>
+          <p:cNvPr id="14" name="Rectangle: Diagonal Corners Snipped 13">
+            <a:extLst>
+              <a:ext uri="{FF2B5EF4-FFF2-40B4-BE49-F238E27FC236}">
+                <a16:creationId xmlns:a16="http://schemas.microsoft.com/office/drawing/2014/main" id="{4D758210-DF13-49D5-93CB-31DB0E6BDF25}"/>
+              </a:ext>
+            </a:extLst>
+          </p:cNvPr>
+          <p:cNvSpPr/>
+          <p:nvPr/>
+        </p:nvSpPr>
+        <p:spPr>
+          <a:xfrm>
+            <a:off x="3992880" y="3578087"/>
+            <a:ext cx="2263471" cy="2050111"/>
+          </a:xfrm>
+          <a:prstGeom prst="snip2DiagRect">
+            <a:avLst/>
+          </a:prstGeom>
+        </p:spPr>
+        <p:style>
+          <a:lnRef idx="2">
+            <a:schemeClr val="accent1">
+              <a:shade val="50000"/>
+            </a:schemeClr>
+          </a:lnRef>
+          <a:fillRef idx="1">
+            <a:schemeClr val="accent1"/>
+          </a:fillRef>
+          <a:effectRef idx="0">
+            <a:schemeClr val="accent1"/>
+          </a:effectRef>
+          <a:fontRef idx="minor">
+            <a:schemeClr val="lt1"/>
+          </a:fontRef>
+        </p:style>
+        <p:txBody>
+          <a:bodyPr rtlCol="0" anchor="ctr"/>
+          <a:lstStyle/>
+          <a:p>
+            <a:pPr algn="ctr"/>
+            <a:endParaRPr lang="en-US"/>
+          </a:p>
+        </p:txBody>
+      </p:sp>
+      <p:sp>
+        <p:nvSpPr>
+          <p:cNvPr id="3" name="Rectangle: Top Corners One Rounded and One Snipped 2">
+            <a:extLst>
+              <a:ext uri="{FF2B5EF4-FFF2-40B4-BE49-F238E27FC236}">
+                <a16:creationId xmlns:a16="http://schemas.microsoft.com/office/drawing/2014/main" id="{1BB7BB81-4952-4952-AE3C-88207C93558A}"/>
+              </a:ext>
+            </a:extLst>
+          </p:cNvPr>
+          <p:cNvSpPr/>
+          <p:nvPr/>
+        </p:nvSpPr>
+        <p:spPr>
+          <a:xfrm>
+            <a:off x="3992880" y="3335241"/>
+            <a:ext cx="1938793" cy="230588"/>
+          </a:xfrm>
+          <a:prstGeom prst="snipRoundRect">
+            <a:avLst/>
+          </a:prstGeom>
+        </p:spPr>
+        <p:style>
+          <a:lnRef idx="2">
+            <a:schemeClr val="accent1">
+              <a:shade val="50000"/>
+            </a:schemeClr>
+          </a:lnRef>
+          <a:fillRef idx="1">
+            <a:schemeClr val="accent1"/>
+          </a:fillRef>
+          <a:effectRef idx="0">
+            <a:schemeClr val="accent1"/>
+          </a:effectRef>
+          <a:fontRef idx="minor">
+            <a:schemeClr val="lt1"/>
+          </a:fontRef>
+        </p:style>
+        <p:txBody>
+          <a:bodyPr rtlCol="0" anchor="ctr"/>
+          <a:lstStyle/>
+          <a:p>
+            <a:pPr algn="ctr"/>
+            <a:r>
+              <a:rPr lang="en-US" dirty="0"/>
+              <a:t>CONTAINER 1</a:t>
+            </a:r>
+          </a:p>
+        </p:txBody>
+      </p:sp>
+      <p:sp>
+        <p:nvSpPr>
+          <p:cNvPr id="15" name="Rectangle: Top Corners One Rounded and One Snipped 14">
+            <a:extLst>
+              <a:ext uri="{FF2B5EF4-FFF2-40B4-BE49-F238E27FC236}">
+                <a16:creationId xmlns:a16="http://schemas.microsoft.com/office/drawing/2014/main" id="{D36B4E1F-B730-4C1D-815D-0745660D9322}"/>
+              </a:ext>
+            </a:extLst>
+          </p:cNvPr>
+          <p:cNvSpPr/>
+          <p:nvPr/>
+        </p:nvSpPr>
+        <p:spPr>
+          <a:xfrm>
+            <a:off x="5967213" y="1477240"/>
+            <a:ext cx="1938793" cy="230588"/>
+          </a:xfrm>
+          <a:prstGeom prst="snipRoundRect">
+            <a:avLst/>
+          </a:prstGeom>
+        </p:spPr>
+        <p:style>
+          <a:lnRef idx="2">
+            <a:schemeClr val="accent1">
+              <a:shade val="50000"/>
+            </a:schemeClr>
+          </a:lnRef>
+          <a:fillRef idx="1">
+            <a:schemeClr val="accent1"/>
+          </a:fillRef>
+          <a:effectRef idx="0">
+            <a:schemeClr val="accent1"/>
+          </a:effectRef>
+          <a:fontRef idx="minor">
+            <a:schemeClr val="lt1"/>
+          </a:fontRef>
+        </p:style>
+        <p:txBody>
+          <a:bodyPr rtlCol="0" anchor="ctr"/>
+          <a:lstStyle/>
+          <a:p>
+            <a:pPr algn="ctr"/>
+            <a:r>
+              <a:rPr lang="en-US" dirty="0"/>
+              <a:t>CONTAINER 2</a:t>
+            </a:r>
+          </a:p>
+        </p:txBody>
+      </p:sp>
+      <p:pic>
+        <p:nvPicPr>
+          <p:cNvPr id="5" name="Graphic 4" descr="Box">
+            <a:extLst>
+              <a:ext uri="{FF2B5EF4-FFF2-40B4-BE49-F238E27FC236}">
+                <a16:creationId xmlns:a16="http://schemas.microsoft.com/office/drawing/2014/main" id="{87D4E5C8-3E7D-4C7D-9470-627004EA5D7F}"/>
+              </a:ext>
+            </a:extLst>
+          </p:cNvPr>
+          <p:cNvPicPr>
+            <a:picLocks noChangeAspect="1"/>
+          </p:cNvPicPr>
+          <p:nvPr/>
+        </p:nvPicPr>
+        <p:blipFill>
+          <a:blip r:embed="rId2">
+            <a:extLst>
+              <a:ext uri="{28A0092B-C50C-407E-A947-70E740481C1C}">
+                <a14:useLocalDpi xmlns:a14="http://schemas.microsoft.com/office/drawing/2010/main" val="0"/>
+              </a:ext>
+              <a:ext uri="{96DAC541-7B7A-43D3-8B79-37D633B846F1}">
+                <asvg:svgBlip xmlns:asvg="http://schemas.microsoft.com/office/drawing/2016/SVG/main" xmlns="" r:embed="rId3"/>
+              </a:ext>
+            </a:extLst>
+          </a:blip>
+          <a:stretch>
+            <a:fillRect/>
+          </a:stretch>
+        </p:blipFill>
+        <p:spPr>
+          <a:xfrm>
+            <a:off x="4489295" y="1678040"/>
+            <a:ext cx="914400" cy="914400"/>
+          </a:xfrm>
+          <a:prstGeom prst="rect">
+            <a:avLst/>
+          </a:prstGeom>
+        </p:spPr>
+      </p:pic>
+      <p:sp>
+        <p:nvSpPr>
+          <p:cNvPr id="17" name="TextBox 16">
+            <a:extLst>
+              <a:ext uri="{FF2B5EF4-FFF2-40B4-BE49-F238E27FC236}">
+                <a16:creationId xmlns:a16="http://schemas.microsoft.com/office/drawing/2014/main" id="{C2354000-1F02-43BC-8605-7A6892079997}"/>
+              </a:ext>
+            </a:extLst>
+          </p:cNvPr>
+          <p:cNvSpPr txBox="1"/>
+          <p:nvPr/>
+        </p:nvSpPr>
+        <p:spPr>
+          <a:xfrm>
+            <a:off x="3339548" y="135172"/>
+            <a:ext cx="5518205" cy="523220"/>
+          </a:xfrm>
+          <a:prstGeom prst="rect">
+            <a:avLst/>
+          </a:prstGeom>
+          <a:solidFill>
+            <a:srgbClr val="92D050"/>
+          </a:solidFill>
+        </p:spPr>
+        <p:txBody>
+          <a:bodyPr wrap="square" rtlCol="0">
+            <a:spAutoFit/>
+          </a:bodyPr>
+          <a:lstStyle/>
+          <a:p>
+            <a:pPr algn="ctr"/>
+            <a:r>
+              <a:rPr lang="en-US" sz="2800" b="1" dirty="0">
+                <a:solidFill>
+                  <a:schemeClr val="accent5">
+                    <a:lumMod val="75000"/>
+                  </a:schemeClr>
+                </a:solidFill>
+                <a:latin typeface="Dungeon" panose="040D0607070702040804" pitchFamily="82" charset="0"/>
+              </a:rPr>
+              <a:t>Volumes</a:t>
+            </a:r>
+            <a:r>
+              <a:rPr lang="en-US" sz="2800" b="1" dirty="0">
+                <a:latin typeface="Dungeon" panose="040D0607070702040804" pitchFamily="82" charset="0"/>
+              </a:rPr>
+              <a:t> | empty-</a:t>
+            </a:r>
+            <a:r>
+              <a:rPr lang="en-US" sz="2800" b="1" dirty="0" err="1">
+                <a:latin typeface="Dungeon" panose="040D0607070702040804" pitchFamily="82" charset="0"/>
+              </a:rPr>
+              <a:t>dir</a:t>
+            </a:r>
+            <a:endParaRPr lang="en-US" sz="2800" b="1" dirty="0">
+              <a:latin typeface="Dungeon" panose="040D0607070702040804" pitchFamily="82" charset="0"/>
+            </a:endParaRPr>
+          </a:p>
+        </p:txBody>
+      </p:sp>
+      <p:sp>
+        <p:nvSpPr>
+          <p:cNvPr id="18" name="Arrow: Curved Left 17">
+            <a:extLst>
+              <a:ext uri="{FF2B5EF4-FFF2-40B4-BE49-F238E27FC236}">
+                <a16:creationId xmlns:a16="http://schemas.microsoft.com/office/drawing/2014/main" id="{0EE9AD67-7E38-4DC5-AD5F-74EF50B0F567}"/>
+              </a:ext>
+            </a:extLst>
+          </p:cNvPr>
+          <p:cNvSpPr/>
+          <p:nvPr/>
+        </p:nvSpPr>
+        <p:spPr>
+          <a:xfrm rot="4032918">
+            <a:off x="5496195" y="1830824"/>
+            <a:ext cx="1033082" cy="1500523"/>
+          </a:xfrm>
+          <a:prstGeom prst="curvedLeftArrow">
+            <a:avLst/>
+          </a:prstGeom>
+          <a:solidFill>
+            <a:schemeClr val="accent6">
+              <a:lumMod val="60000"/>
+              <a:lumOff val="40000"/>
+            </a:schemeClr>
+          </a:solidFill>
+        </p:spPr>
+        <p:style>
+          <a:lnRef idx="2">
+            <a:schemeClr val="accent1">
+              <a:shade val="50000"/>
+            </a:schemeClr>
+          </a:lnRef>
+          <a:fillRef idx="1">
+            <a:schemeClr val="accent1"/>
+          </a:fillRef>
+          <a:effectRef idx="0">
+            <a:schemeClr val="accent1"/>
+          </a:effectRef>
+          <a:fontRef idx="minor">
+            <a:schemeClr val="lt1"/>
+          </a:fontRef>
+        </p:style>
+        <p:txBody>
+          <a:bodyPr rtlCol="0" anchor="ctr"/>
+          <a:lstStyle/>
+          <a:p>
+            <a:pPr algn="ctr"/>
+            <a:endParaRPr lang="en-US">
+              <a:solidFill>
+                <a:schemeClr val="tx1"/>
+              </a:solidFill>
+            </a:endParaRPr>
+          </a:p>
+        </p:txBody>
+      </p:sp>
+      <p:sp>
+        <p:nvSpPr>
+          <p:cNvPr id="16" name="Arrow: Curved Left 15">
+            <a:extLst>
+              <a:ext uri="{FF2B5EF4-FFF2-40B4-BE49-F238E27FC236}">
+                <a16:creationId xmlns:a16="http://schemas.microsoft.com/office/drawing/2014/main" id="{A5903B2D-97E4-40C6-B32F-B9301F152520}"/>
+              </a:ext>
+            </a:extLst>
+          </p:cNvPr>
+          <p:cNvSpPr/>
+          <p:nvPr/>
+        </p:nvSpPr>
+        <p:spPr>
+          <a:xfrm rot="10412755">
+            <a:off x="3691036" y="2342309"/>
+            <a:ext cx="1033082" cy="1500523"/>
+          </a:xfrm>
+          <a:prstGeom prst="curvedLeftArrow">
+            <a:avLst/>
+          </a:prstGeom>
+          <a:solidFill>
+            <a:schemeClr val="accent6">
+              <a:lumMod val="60000"/>
+              <a:lumOff val="40000"/>
+            </a:schemeClr>
+          </a:solidFill>
+        </p:spPr>
+        <p:style>
+          <a:lnRef idx="2">
+            <a:schemeClr val="accent1">
+              <a:shade val="50000"/>
+            </a:schemeClr>
+          </a:lnRef>
+          <a:fillRef idx="1">
+            <a:schemeClr val="accent1"/>
+          </a:fillRef>
+          <a:effectRef idx="0">
+            <a:schemeClr val="accent1"/>
+          </a:effectRef>
+          <a:fontRef idx="minor">
+            <a:schemeClr val="lt1"/>
+          </a:fontRef>
+        </p:style>
+        <p:txBody>
+          <a:bodyPr rtlCol="0" anchor="ctr"/>
+          <a:lstStyle/>
+          <a:p>
+            <a:pPr algn="ctr"/>
+            <a:endParaRPr lang="en-US">
+              <a:solidFill>
+                <a:schemeClr val="tx1"/>
+              </a:solidFill>
+            </a:endParaRPr>
+          </a:p>
+        </p:txBody>
+      </p:sp>
+    </p:spTree>
+    <p:extLst>
+      <p:ext uri="{BB962C8B-B14F-4D97-AF65-F5344CB8AC3E}">
+        <p14:creationId xmlns:p14="http://schemas.microsoft.com/office/powerpoint/2010/main" val="3298357459"/>
+      </p:ext>
+    </p:extLst>
+  </p:cSld>
+  <p:clrMapOvr>
+    <a:masterClrMapping/>
+  </p:clrMapOvr>
+  <mc:AlternateContent xmlns:mc="http://schemas.openxmlformats.org/markup-compatibility/2006" xmlns:p159="http://schemas.microsoft.com/office/powerpoint/2015/09/main">
+    <mc:Choice Requires="p159">
+      <p:transition xmlns:p14="http://schemas.microsoft.com/office/powerpoint/2010/main" spd="slow" p14:dur="2000">
+        <p159:morph option="byObject"/>
+      </p:transition>
+    </mc:Choice>
+    <mc:Fallback xmlns="">
+      <p:transition spd="slow">
+        <p:fade/>
+      </p:transition>
+    </mc:Fallback>
+  </mc:AlternateContent>
+  <p:timing>
+    <p:tnLst>
+      <p:par>
+        <p:cTn id="1" dur="indefinite" restart="never" nodeType="tmRoot">
+          <p:childTnLst>
+            <p:seq concurrent="1" nextAc="seek">
+              <p:cTn id="2" dur="indefinite" nodeType="mainSeq">
+                <p:childTnLst>
+                  <p:par>
+                    <p:cTn id="3" fill="hold">
+                      <p:stCondLst>
+                        <p:cond delay="indefinite"/>
+                        <p:cond evt="onBegin" delay="0">
+                          <p:tn val="2"/>
+                        </p:cond>
+                      </p:stCondLst>
+                      <p:childTnLst>
+                        <p:par>
+                          <p:cTn id="4" fill="hold">
+                            <p:stCondLst>
+                              <p:cond delay="0"/>
+                            </p:stCondLst>
+                            <p:childTnLst>
+                              <p:par>
+                                <p:cTn id="5" presetID="42" presetClass="entr" presetSubtype="0" fill="hold" grpId="0" nodeType="afterEffect">
+                                  <p:stCondLst>
+                                    <p:cond delay="0"/>
+                                  </p:stCondLst>
+                                  <p:childTnLst>
+                                    <p:set>
+                                      <p:cBhvr>
+                                        <p:cTn id="6" dur="1" fill="hold">
+                                          <p:stCondLst>
+                                            <p:cond delay="0"/>
+                                          </p:stCondLst>
+                                        </p:cTn>
+                                        <p:tgtEl>
+                                          <p:spTgt spid="8"/>
+                                        </p:tgtEl>
+                                        <p:attrNameLst>
+                                          <p:attrName>style.visibility</p:attrName>
+                                        </p:attrNameLst>
+                                      </p:cBhvr>
+                                      <p:to>
+                                        <p:strVal val="visible"/>
+                                      </p:to>
+                                    </p:set>
+                                    <p:animEffect transition="in" filter="fade">
+                                      <p:cBhvr>
+                                        <p:cTn id="7" dur="1000"/>
+                                        <p:tgtEl>
+                                          <p:spTgt spid="8"/>
+                                        </p:tgtEl>
+                                      </p:cBhvr>
+                                    </p:animEffect>
+                                    <p:anim calcmode="lin" valueType="num">
+                                      <p:cBhvr>
+                                        <p:cTn id="8" dur="1000" fill="hold"/>
+                                        <p:tgtEl>
+                                          <p:spTgt spid="8"/>
+                                        </p:tgtEl>
+                                        <p:attrNameLst>
+                                          <p:attrName>ppt_x</p:attrName>
+                                        </p:attrNameLst>
+                                      </p:cBhvr>
+                                      <p:tavLst>
+                                        <p:tav tm="0">
+                                          <p:val>
+                                            <p:strVal val="#ppt_x"/>
+                                          </p:val>
+                                        </p:tav>
+                                        <p:tav tm="100000">
+                                          <p:val>
+                                            <p:strVal val="#ppt_x"/>
+                                          </p:val>
+                                        </p:tav>
+                                      </p:tavLst>
+                                    </p:anim>
+                                    <p:anim calcmode="lin" valueType="num">
+                                      <p:cBhvr>
+                                        <p:cTn id="9" dur="1000" fill="hold"/>
+                                        <p:tgtEl>
+                                          <p:spTgt spid="8"/>
+                                        </p:tgtEl>
+                                        <p:attrNameLst>
+                                          <p:attrName>ppt_y</p:attrName>
+                                        </p:attrNameLst>
+                                      </p:cBhvr>
+                                      <p:tavLst>
+                                        <p:tav tm="0">
+                                          <p:val>
+                                            <p:strVal val="#ppt_y+.1"/>
+                                          </p:val>
+                                        </p:tav>
+                                        <p:tav tm="100000">
+                                          <p:val>
+                                            <p:strVal val="#ppt_y"/>
+                                          </p:val>
+                                        </p:tav>
+                                      </p:tavLst>
+                                    </p:anim>
+                                  </p:childTnLst>
+                                </p:cTn>
+                              </p:par>
+                            </p:childTnLst>
+                          </p:cTn>
+                        </p:par>
+                        <p:par>
+                          <p:cTn id="10" fill="hold">
+                            <p:stCondLst>
+                              <p:cond delay="1000"/>
+                            </p:stCondLst>
+                            <p:childTnLst>
+                              <p:par>
+                                <p:cTn id="11" presetID="42" presetClass="entr" presetSubtype="0" fill="hold" grpId="0" nodeType="afterEffect">
+                                  <p:stCondLst>
+                                    <p:cond delay="0"/>
+                                  </p:stCondLst>
+                                  <p:childTnLst>
+                                    <p:set>
+                                      <p:cBhvr>
+                                        <p:cTn id="12" dur="1" fill="hold">
+                                          <p:stCondLst>
+                                            <p:cond delay="0"/>
+                                          </p:stCondLst>
+                                        </p:cTn>
+                                        <p:tgtEl>
+                                          <p:spTgt spid="12"/>
+                                        </p:tgtEl>
+                                        <p:attrNameLst>
+                                          <p:attrName>style.visibility</p:attrName>
+                                        </p:attrNameLst>
+                                      </p:cBhvr>
+                                      <p:to>
+                                        <p:strVal val="visible"/>
+                                      </p:to>
+                                    </p:set>
+                                    <p:animEffect transition="in" filter="fade">
+                                      <p:cBhvr>
+                                        <p:cTn id="13" dur="1000"/>
+                                        <p:tgtEl>
+                                          <p:spTgt spid="12"/>
+                                        </p:tgtEl>
+                                      </p:cBhvr>
+                                    </p:animEffect>
+                                    <p:anim calcmode="lin" valueType="num">
+                                      <p:cBhvr>
+                                        <p:cTn id="14" dur="1000" fill="hold"/>
+                                        <p:tgtEl>
+                                          <p:spTgt spid="12"/>
+                                        </p:tgtEl>
+                                        <p:attrNameLst>
+                                          <p:attrName>ppt_x</p:attrName>
+                                        </p:attrNameLst>
+                                      </p:cBhvr>
+                                      <p:tavLst>
+                                        <p:tav tm="0">
+                                          <p:val>
+                                            <p:strVal val="#ppt_x"/>
+                                          </p:val>
+                                        </p:tav>
+                                        <p:tav tm="100000">
+                                          <p:val>
+                                            <p:strVal val="#ppt_x"/>
+                                          </p:val>
+                                        </p:tav>
+                                      </p:tavLst>
+                                    </p:anim>
+                                    <p:anim calcmode="lin" valueType="num">
+                                      <p:cBhvr>
+                                        <p:cTn id="15" dur="1000" fill="hold"/>
+                                        <p:tgtEl>
+                                          <p:spTgt spid="12"/>
+                                        </p:tgtEl>
+                                        <p:attrNameLst>
+                                          <p:attrName>ppt_y</p:attrName>
+                                        </p:attrNameLst>
+                                      </p:cBhvr>
+                                      <p:tavLst>
+                                        <p:tav tm="0">
+                                          <p:val>
+                                            <p:strVal val="#ppt_y+.1"/>
+                                          </p:val>
+                                        </p:tav>
+                                        <p:tav tm="100000">
+                                          <p:val>
+                                            <p:strVal val="#ppt_y"/>
+                                          </p:val>
+                                        </p:tav>
+                                      </p:tavLst>
+                                    </p:anim>
+                                  </p:childTnLst>
+                                </p:cTn>
+                              </p:par>
+                            </p:childTnLst>
+                          </p:cTn>
+                        </p:par>
+                        <p:par>
+                          <p:cTn id="16" fill="hold">
+                            <p:stCondLst>
+                              <p:cond delay="2000"/>
+                            </p:stCondLst>
+                            <p:childTnLst>
+                              <p:par>
+                                <p:cTn id="17" presetID="2" presetClass="entr" presetSubtype="12" fill="hold" grpId="0" nodeType="afterEffect">
+                                  <p:stCondLst>
+                                    <p:cond delay="0"/>
+                                  </p:stCondLst>
+                                  <p:childTnLst>
+                                    <p:set>
+                                      <p:cBhvr>
+                                        <p:cTn id="18" dur="1" fill="hold">
+                                          <p:stCondLst>
+                                            <p:cond delay="0"/>
+                                          </p:stCondLst>
+                                        </p:cTn>
+                                        <p:tgtEl>
+                                          <p:spTgt spid="14"/>
+                                        </p:tgtEl>
+                                        <p:attrNameLst>
+                                          <p:attrName>style.visibility</p:attrName>
+                                        </p:attrNameLst>
+                                      </p:cBhvr>
+                                      <p:to>
+                                        <p:strVal val="visible"/>
+                                      </p:to>
+                                    </p:set>
+                                    <p:anim calcmode="lin" valueType="num">
+                                      <p:cBhvr additive="base">
+                                        <p:cTn id="19" dur="500" fill="hold"/>
+                                        <p:tgtEl>
+                                          <p:spTgt spid="14"/>
+                                        </p:tgtEl>
+                                        <p:attrNameLst>
+                                          <p:attrName>ppt_x</p:attrName>
+                                        </p:attrNameLst>
+                                      </p:cBhvr>
+                                      <p:tavLst>
+                                        <p:tav tm="0">
+                                          <p:val>
+                                            <p:strVal val="0-#ppt_w/2"/>
+                                          </p:val>
+                                        </p:tav>
+                                        <p:tav tm="100000">
+                                          <p:val>
+                                            <p:strVal val="#ppt_x"/>
+                                          </p:val>
+                                        </p:tav>
+                                      </p:tavLst>
+                                    </p:anim>
+                                    <p:anim calcmode="lin" valueType="num">
+                                      <p:cBhvr additive="base">
+                                        <p:cTn id="20" dur="500" fill="hold"/>
+                                        <p:tgtEl>
+                                          <p:spTgt spid="14"/>
+                                        </p:tgtEl>
+                                        <p:attrNameLst>
+                                          <p:attrName>ppt_y</p:attrName>
+                                        </p:attrNameLst>
+                                      </p:cBhvr>
+                                      <p:tavLst>
+                                        <p:tav tm="0">
+                                          <p:val>
+                                            <p:strVal val="1+#ppt_h/2"/>
+                                          </p:val>
+                                        </p:tav>
+                                        <p:tav tm="100000">
+                                          <p:val>
+                                            <p:strVal val="#ppt_y"/>
+                                          </p:val>
+                                        </p:tav>
+                                      </p:tavLst>
+                                    </p:anim>
+                                  </p:childTnLst>
+                                </p:cTn>
+                              </p:par>
+                            </p:childTnLst>
+                          </p:cTn>
+                        </p:par>
+                        <p:par>
+                          <p:cTn id="21" fill="hold">
+                            <p:stCondLst>
+                              <p:cond delay="2500"/>
+                            </p:stCondLst>
+                            <p:childTnLst>
+                              <p:par>
+                                <p:cTn id="22" presetID="2" presetClass="entr" presetSubtype="12" fill="hold" grpId="0" nodeType="afterEffect">
+                                  <p:stCondLst>
+                                    <p:cond delay="0"/>
+                                  </p:stCondLst>
+                                  <p:childTnLst>
+                                    <p:set>
+                                      <p:cBhvr>
+                                        <p:cTn id="23" dur="1" fill="hold">
+                                          <p:stCondLst>
+                                            <p:cond delay="0"/>
+                                          </p:stCondLst>
+                                        </p:cTn>
+                                        <p:tgtEl>
+                                          <p:spTgt spid="3"/>
+                                        </p:tgtEl>
+                                        <p:attrNameLst>
+                                          <p:attrName>style.visibility</p:attrName>
+                                        </p:attrNameLst>
+                                      </p:cBhvr>
+                                      <p:to>
+                                        <p:strVal val="visible"/>
+                                      </p:to>
+                                    </p:set>
+                                    <p:anim calcmode="lin" valueType="num">
+                                      <p:cBhvr additive="base">
+                                        <p:cTn id="24" dur="500" fill="hold"/>
+                                        <p:tgtEl>
+                                          <p:spTgt spid="3"/>
+                                        </p:tgtEl>
+                                        <p:attrNameLst>
+                                          <p:attrName>ppt_x</p:attrName>
+                                        </p:attrNameLst>
+                                      </p:cBhvr>
+                                      <p:tavLst>
+                                        <p:tav tm="0">
+                                          <p:val>
+                                            <p:strVal val="0-#ppt_w/2"/>
+                                          </p:val>
+                                        </p:tav>
+                                        <p:tav tm="100000">
+                                          <p:val>
+                                            <p:strVal val="#ppt_x"/>
+                                          </p:val>
+                                        </p:tav>
+                                      </p:tavLst>
+                                    </p:anim>
+                                    <p:anim calcmode="lin" valueType="num">
+                                      <p:cBhvr additive="base">
+                                        <p:cTn id="25" dur="500" fill="hold"/>
+                                        <p:tgtEl>
+                                          <p:spTgt spid="3"/>
+                                        </p:tgtEl>
+                                        <p:attrNameLst>
+                                          <p:attrName>ppt_y</p:attrName>
+                                        </p:attrNameLst>
+                                      </p:cBhvr>
+                                      <p:tavLst>
+                                        <p:tav tm="0">
+                                          <p:val>
+                                            <p:strVal val="1+#ppt_h/2"/>
+                                          </p:val>
+                                        </p:tav>
+                                        <p:tav tm="100000">
+                                          <p:val>
+                                            <p:strVal val="#ppt_y"/>
+                                          </p:val>
+                                        </p:tav>
+                                      </p:tavLst>
+                                    </p:anim>
+                                  </p:childTnLst>
+                                </p:cTn>
+                              </p:par>
+                            </p:childTnLst>
+                          </p:cTn>
+                        </p:par>
+                        <p:par>
+                          <p:cTn id="26" fill="hold">
+                            <p:stCondLst>
+                              <p:cond delay="3000"/>
+                            </p:stCondLst>
+                            <p:childTnLst>
+                              <p:par>
+                                <p:cTn id="27" presetID="2" presetClass="entr" presetSubtype="3" fill="hold" grpId="0" nodeType="afterEffect">
+                                  <p:stCondLst>
+                                    <p:cond delay="0"/>
+                                  </p:stCondLst>
+                                  <p:childTnLst>
+                                    <p:set>
+                                      <p:cBhvr>
+                                        <p:cTn id="28" dur="1" fill="hold">
+                                          <p:stCondLst>
+                                            <p:cond delay="0"/>
+                                          </p:stCondLst>
+                                        </p:cTn>
+                                        <p:tgtEl>
+                                          <p:spTgt spid="13"/>
+                                        </p:tgtEl>
+                                        <p:attrNameLst>
+                                          <p:attrName>style.visibility</p:attrName>
+                                        </p:attrNameLst>
+                                      </p:cBhvr>
+                                      <p:to>
+                                        <p:strVal val="visible"/>
+                                      </p:to>
+                                    </p:set>
+                                    <p:anim calcmode="lin" valueType="num">
+                                      <p:cBhvr additive="base">
+                                        <p:cTn id="29" dur="500" fill="hold"/>
+                                        <p:tgtEl>
+                                          <p:spTgt spid="13"/>
+                                        </p:tgtEl>
+                                        <p:attrNameLst>
+                                          <p:attrName>ppt_x</p:attrName>
+                                        </p:attrNameLst>
+                                      </p:cBhvr>
+                                      <p:tavLst>
+                                        <p:tav tm="0">
+                                          <p:val>
+                                            <p:strVal val="1+#ppt_w/2"/>
+                                          </p:val>
+                                        </p:tav>
+                                        <p:tav tm="100000">
+                                          <p:val>
+                                            <p:strVal val="#ppt_x"/>
+                                          </p:val>
+                                        </p:tav>
+                                      </p:tavLst>
+                                    </p:anim>
+                                    <p:anim calcmode="lin" valueType="num">
+                                      <p:cBhvr additive="base">
+                                        <p:cTn id="30" dur="500" fill="hold"/>
+                                        <p:tgtEl>
+                                          <p:spTgt spid="13"/>
+                                        </p:tgtEl>
+                                        <p:attrNameLst>
+                                          <p:attrName>ppt_y</p:attrName>
+                                        </p:attrNameLst>
+                                      </p:cBhvr>
+                                      <p:tavLst>
+                                        <p:tav tm="0">
+                                          <p:val>
+                                            <p:strVal val="0-#ppt_h/2"/>
+                                          </p:val>
+                                        </p:tav>
+                                        <p:tav tm="100000">
+                                          <p:val>
+                                            <p:strVal val="#ppt_y"/>
+                                          </p:val>
+                                        </p:tav>
+                                      </p:tavLst>
+                                    </p:anim>
+                                  </p:childTnLst>
+                                </p:cTn>
+                              </p:par>
+                            </p:childTnLst>
+                          </p:cTn>
+                        </p:par>
+                        <p:par>
+                          <p:cTn id="31" fill="hold">
+                            <p:stCondLst>
+                              <p:cond delay="3500"/>
+                            </p:stCondLst>
+                            <p:childTnLst>
+                              <p:par>
+                                <p:cTn id="32" presetID="2" presetClass="entr" presetSubtype="3" fill="hold" grpId="0" nodeType="afterEffect">
+                                  <p:stCondLst>
+                                    <p:cond delay="0"/>
+                                  </p:stCondLst>
+                                  <p:childTnLst>
+                                    <p:set>
+                                      <p:cBhvr>
+                                        <p:cTn id="33" dur="1" fill="hold">
+                                          <p:stCondLst>
+                                            <p:cond delay="0"/>
+                                          </p:stCondLst>
+                                        </p:cTn>
+                                        <p:tgtEl>
+                                          <p:spTgt spid="15"/>
+                                        </p:tgtEl>
+                                        <p:attrNameLst>
+                                          <p:attrName>style.visibility</p:attrName>
+                                        </p:attrNameLst>
+                                      </p:cBhvr>
+                                      <p:to>
+                                        <p:strVal val="visible"/>
+                                      </p:to>
+                                    </p:set>
+                                    <p:anim calcmode="lin" valueType="num">
+                                      <p:cBhvr additive="base">
+                                        <p:cTn id="34" dur="500" fill="hold"/>
+                                        <p:tgtEl>
+                                          <p:spTgt spid="15"/>
+                                        </p:tgtEl>
+                                        <p:attrNameLst>
+                                          <p:attrName>ppt_x</p:attrName>
+                                        </p:attrNameLst>
+                                      </p:cBhvr>
+                                      <p:tavLst>
+                                        <p:tav tm="0">
+                                          <p:val>
+                                            <p:strVal val="1+#ppt_w/2"/>
+                                          </p:val>
+                                        </p:tav>
+                                        <p:tav tm="100000">
+                                          <p:val>
+                                            <p:strVal val="#ppt_x"/>
+                                          </p:val>
+                                        </p:tav>
+                                      </p:tavLst>
+                                    </p:anim>
+                                    <p:anim calcmode="lin" valueType="num">
+                                      <p:cBhvr additive="base">
+                                        <p:cTn id="35" dur="500" fill="hold"/>
+                                        <p:tgtEl>
+                                          <p:spTgt spid="15"/>
+                                        </p:tgtEl>
+                                        <p:attrNameLst>
+                                          <p:attrName>ppt_y</p:attrName>
+                                        </p:attrNameLst>
+                                      </p:cBhvr>
+                                      <p:tavLst>
+                                        <p:tav tm="0">
+                                          <p:val>
+                                            <p:strVal val="0-#ppt_h/2"/>
+                                          </p:val>
+                                        </p:tav>
+                                        <p:tav tm="100000">
+                                          <p:val>
+                                            <p:strVal val="#ppt_y"/>
+                                          </p:val>
+                                        </p:tav>
+                                      </p:tavLst>
+                                    </p:anim>
+                                  </p:childTnLst>
+                                </p:cTn>
+                              </p:par>
+                            </p:childTnLst>
+                          </p:cTn>
+                        </p:par>
+                      </p:childTnLst>
+                    </p:cTn>
+                  </p:par>
+                  <p:par>
+                    <p:cTn id="36" fill="hold">
+                      <p:stCondLst>
+                        <p:cond delay="indefinite"/>
+                      </p:stCondLst>
+                      <p:childTnLst>
+                        <p:par>
+                          <p:cTn id="37" fill="hold">
+                            <p:stCondLst>
+                              <p:cond delay="0"/>
+                            </p:stCondLst>
+                            <p:childTnLst>
+                              <p:par>
+                                <p:cTn id="38" presetID="31" presetClass="entr" presetSubtype="0" fill="hold" nodeType="clickEffect">
+                                  <p:stCondLst>
+                                    <p:cond delay="0"/>
+                                  </p:stCondLst>
+                                  <p:childTnLst>
+                                    <p:set>
+                                      <p:cBhvr>
+                                        <p:cTn id="39" dur="1" fill="hold">
+                                          <p:stCondLst>
+                                            <p:cond delay="0"/>
+                                          </p:stCondLst>
+                                        </p:cTn>
+                                        <p:tgtEl>
+                                          <p:spTgt spid="5"/>
+                                        </p:tgtEl>
+                                        <p:attrNameLst>
+                                          <p:attrName>style.visibility</p:attrName>
+                                        </p:attrNameLst>
+                                      </p:cBhvr>
+                                      <p:to>
+                                        <p:strVal val="visible"/>
+                                      </p:to>
+                                    </p:set>
+                                    <p:anim calcmode="lin" valueType="num">
+                                      <p:cBhvr>
+                                        <p:cTn id="40" dur="1000" fill="hold"/>
+                                        <p:tgtEl>
+                                          <p:spTgt spid="5"/>
+                                        </p:tgtEl>
+                                        <p:attrNameLst>
+                                          <p:attrName>ppt_w</p:attrName>
+                                        </p:attrNameLst>
+                                      </p:cBhvr>
+                                      <p:tavLst>
+                                        <p:tav tm="0">
+                                          <p:val>
+                                            <p:fltVal val="0"/>
+                                          </p:val>
+                                        </p:tav>
+                                        <p:tav tm="100000">
+                                          <p:val>
+                                            <p:strVal val="#ppt_w"/>
+                                          </p:val>
+                                        </p:tav>
+                                      </p:tavLst>
+                                    </p:anim>
+                                    <p:anim calcmode="lin" valueType="num">
+                                      <p:cBhvr>
+                                        <p:cTn id="41" dur="1000" fill="hold"/>
+                                        <p:tgtEl>
+                                          <p:spTgt spid="5"/>
+                                        </p:tgtEl>
+                                        <p:attrNameLst>
+                                          <p:attrName>ppt_h</p:attrName>
+                                        </p:attrNameLst>
+                                      </p:cBhvr>
+                                      <p:tavLst>
+                                        <p:tav tm="0">
+                                          <p:val>
+                                            <p:fltVal val="0"/>
+                                          </p:val>
+                                        </p:tav>
+                                        <p:tav tm="100000">
+                                          <p:val>
+                                            <p:strVal val="#ppt_h"/>
+                                          </p:val>
+                                        </p:tav>
+                                      </p:tavLst>
+                                    </p:anim>
+                                    <p:anim calcmode="lin" valueType="num">
+                                      <p:cBhvr>
+                                        <p:cTn id="42" dur="1000" fill="hold"/>
+                                        <p:tgtEl>
+                                          <p:spTgt spid="5"/>
+                                        </p:tgtEl>
+                                        <p:attrNameLst>
+                                          <p:attrName>style.rotation</p:attrName>
+                                        </p:attrNameLst>
+                                      </p:cBhvr>
+                                      <p:tavLst>
+                                        <p:tav tm="0">
+                                          <p:val>
+                                            <p:fltVal val="90"/>
+                                          </p:val>
+                                        </p:tav>
+                                        <p:tav tm="100000">
+                                          <p:val>
+                                            <p:fltVal val="0"/>
+                                          </p:val>
+                                        </p:tav>
+                                      </p:tavLst>
+                                    </p:anim>
+                                    <p:animEffect transition="in" filter="fade">
+                                      <p:cBhvr>
+                                        <p:cTn id="43" dur="1000"/>
+                                        <p:tgtEl>
+                                          <p:spTgt spid="5"/>
+                                        </p:tgtEl>
+                                      </p:cBhvr>
+                                    </p:animEffect>
+                                  </p:childTnLst>
+                                </p:cTn>
+                              </p:par>
+                            </p:childTnLst>
+                          </p:cTn>
+                        </p:par>
+                      </p:childTnLst>
+                    </p:cTn>
+                  </p:par>
+                  <p:par>
+                    <p:cTn id="44" fill="hold">
+                      <p:stCondLst>
+                        <p:cond delay="indefinite"/>
+                      </p:stCondLst>
+                      <p:childTnLst>
+                        <p:par>
+                          <p:cTn id="45" fill="hold">
+                            <p:stCondLst>
+                              <p:cond delay="0"/>
+                            </p:stCondLst>
+                            <p:childTnLst>
+                              <p:par>
+                                <p:cTn id="46" presetID="1" presetClass="entr" presetSubtype="0" fill="hold" grpId="0" nodeType="clickEffect">
+                                  <p:stCondLst>
+                                    <p:cond delay="0"/>
+                                  </p:stCondLst>
+                                  <p:childTnLst>
+                                    <p:set>
+                                      <p:cBhvr>
+                                        <p:cTn id="47" dur="1" fill="hold">
+                                          <p:stCondLst>
+                                            <p:cond delay="0"/>
+                                          </p:stCondLst>
+                                        </p:cTn>
+                                        <p:tgtEl>
+                                          <p:spTgt spid="18"/>
+                                        </p:tgtEl>
+                                        <p:attrNameLst>
+                                          <p:attrName>style.visibility</p:attrName>
+                                        </p:attrNameLst>
+                                      </p:cBhvr>
+                                      <p:to>
+                                        <p:strVal val="visible"/>
+                                      </p:to>
+                                    </p:set>
+                                  </p:childTnLst>
+                                </p:cTn>
+                              </p:par>
+                            </p:childTnLst>
+                          </p:cTn>
+                        </p:par>
+                      </p:childTnLst>
+                    </p:cTn>
+                  </p:par>
+                  <p:par>
+                    <p:cTn id="48" fill="hold">
+                      <p:stCondLst>
+                        <p:cond delay="indefinite"/>
+                      </p:stCondLst>
+                      <p:childTnLst>
+                        <p:par>
+                          <p:cTn id="49" fill="hold">
+                            <p:stCondLst>
+                              <p:cond delay="0"/>
+                            </p:stCondLst>
+                            <p:childTnLst>
+                              <p:par>
+                                <p:cTn id="50" presetID="27" presetClass="emph" presetSubtype="0" fill="remove" grpId="1" nodeType="clickEffect">
+                                  <p:stCondLst>
+                                    <p:cond delay="0"/>
+                                  </p:stCondLst>
+                                  <p:childTnLst>
+                                    <p:animClr clrSpc="rgb" dir="cw">
+                                      <p:cBhvr override="childStyle">
+                                        <p:cTn id="51" dur="250" autoRev="1" fill="remove"/>
+                                        <p:tgtEl>
+                                          <p:spTgt spid="12"/>
+                                        </p:tgtEl>
+                                        <p:attrNameLst>
+                                          <p:attrName>style.color</p:attrName>
+                                        </p:attrNameLst>
+                                      </p:cBhvr>
+                                      <p:to>
+                                        <a:srgbClr val="FF0000"/>
+                                      </p:to>
+                                    </p:animClr>
+                                    <p:animClr clrSpc="rgb" dir="cw">
+                                      <p:cBhvr>
+                                        <p:cTn id="52" dur="250" autoRev="1" fill="remove"/>
+                                        <p:tgtEl>
+                                          <p:spTgt spid="12"/>
+                                        </p:tgtEl>
+                                        <p:attrNameLst>
+                                          <p:attrName>fillcolor</p:attrName>
+                                        </p:attrNameLst>
+                                      </p:cBhvr>
+                                      <p:to>
+                                        <a:srgbClr val="FF0000"/>
+                                      </p:to>
+                                    </p:animClr>
+                                    <p:set>
+                                      <p:cBhvr>
+                                        <p:cTn id="53" dur="250" autoRev="1" fill="remove"/>
+                                        <p:tgtEl>
+                                          <p:spTgt spid="12"/>
+                                        </p:tgtEl>
+                                        <p:attrNameLst>
+                                          <p:attrName>fill.type</p:attrName>
+                                        </p:attrNameLst>
+                                      </p:cBhvr>
+                                      <p:to>
+                                        <p:strVal val="solid"/>
+                                      </p:to>
+                                    </p:set>
+                                    <p:set>
+                                      <p:cBhvr>
+                                        <p:cTn id="54" dur="250" autoRev="1" fill="remove"/>
+                                        <p:tgtEl>
+                                          <p:spTgt spid="12"/>
+                                        </p:tgtEl>
+                                        <p:attrNameLst>
+                                          <p:attrName>fill.on</p:attrName>
+                                        </p:attrNameLst>
+                                      </p:cBhvr>
+                                      <p:to>
+                                        <p:strVal val="true"/>
+                                      </p:to>
+                                    </p:set>
+                                  </p:childTnLst>
+                                </p:cTn>
+                              </p:par>
+                            </p:childTnLst>
+                          </p:cTn>
+                        </p:par>
+                        <p:par>
+                          <p:cTn id="55" fill="hold">
+                            <p:stCondLst>
+                              <p:cond delay="500"/>
+                            </p:stCondLst>
+                            <p:childTnLst>
+                              <p:par>
+                                <p:cTn id="56" presetID="27" presetClass="emph" presetSubtype="0" fill="remove" nodeType="afterEffect">
+                                  <p:stCondLst>
+                                    <p:cond delay="0"/>
+                                  </p:stCondLst>
+                                  <p:childTnLst>
+                                    <p:animClr clrSpc="rgb" dir="cw">
+                                      <p:cBhvr override="childStyle">
+                                        <p:cTn id="57" dur="250" autoRev="1" fill="remove"/>
+                                        <p:tgtEl>
+                                          <p:spTgt spid="5"/>
+                                        </p:tgtEl>
+                                        <p:attrNameLst>
+                                          <p:attrName>style.color</p:attrName>
+                                        </p:attrNameLst>
+                                      </p:cBhvr>
+                                      <p:to>
+                                        <a:srgbClr val="FF0000"/>
+                                      </p:to>
+                                    </p:animClr>
+                                    <p:animClr clrSpc="rgb" dir="cw">
+                                      <p:cBhvr>
+                                        <p:cTn id="58" dur="250" autoRev="1" fill="remove"/>
+                                        <p:tgtEl>
+                                          <p:spTgt spid="5"/>
+                                        </p:tgtEl>
+                                        <p:attrNameLst>
+                                          <p:attrName>fillcolor</p:attrName>
+                                        </p:attrNameLst>
+                                      </p:cBhvr>
+                                      <p:to>
+                                        <a:srgbClr val="FF0000"/>
+                                      </p:to>
+                                    </p:animClr>
+                                    <p:set>
+                                      <p:cBhvr>
+                                        <p:cTn id="59" dur="250" autoRev="1" fill="remove"/>
+                                        <p:tgtEl>
+                                          <p:spTgt spid="5"/>
+                                        </p:tgtEl>
+                                        <p:attrNameLst>
+                                          <p:attrName>fill.type</p:attrName>
+                                        </p:attrNameLst>
+                                      </p:cBhvr>
+                                      <p:to>
+                                        <p:strVal val="solid"/>
+                                      </p:to>
+                                    </p:set>
+                                    <p:set>
+                                      <p:cBhvr>
+                                        <p:cTn id="60" dur="250" autoRev="1" fill="remove"/>
+                                        <p:tgtEl>
+                                          <p:spTgt spid="5"/>
+                                        </p:tgtEl>
+                                        <p:attrNameLst>
+                                          <p:attrName>fill.on</p:attrName>
+                                        </p:attrNameLst>
+                                      </p:cBhvr>
+                                      <p:to>
+                                        <p:strVal val="true"/>
+                                      </p:to>
+                                    </p:set>
+                                  </p:childTnLst>
+                                </p:cTn>
+                              </p:par>
+                            </p:childTnLst>
+                          </p:cTn>
+                        </p:par>
+                      </p:childTnLst>
+                    </p:cTn>
+                  </p:par>
+                  <p:par>
+                    <p:cTn id="61" fill="hold">
+                      <p:stCondLst>
+                        <p:cond delay="indefinite"/>
+                      </p:stCondLst>
+                      <p:childTnLst>
+                        <p:par>
+                          <p:cTn id="62" fill="hold">
+                            <p:stCondLst>
+                              <p:cond delay="0"/>
+                            </p:stCondLst>
+                            <p:childTnLst>
+                              <p:par>
+                                <p:cTn id="63" presetID="1" presetClass="entr" presetSubtype="0" fill="hold" grpId="0" nodeType="clickEffect">
+                                  <p:stCondLst>
+                                    <p:cond delay="0"/>
+                                  </p:stCondLst>
+                                  <p:childTnLst>
+                                    <p:set>
+                                      <p:cBhvr>
+                                        <p:cTn id="64" dur="1" fill="hold">
+                                          <p:stCondLst>
+                                            <p:cond delay="0"/>
+                                          </p:stCondLst>
+                                        </p:cTn>
+                                        <p:tgtEl>
+                                          <p:spTgt spid="16"/>
+                                        </p:tgtEl>
+                                        <p:attrNameLst>
+                                          <p:attrName>style.visibility</p:attrName>
+                                        </p:attrNameLst>
+                                      </p:cBhvr>
+                                      <p:to>
+                                        <p:strVal val="visible"/>
+                                      </p:to>
+                                    </p:set>
+                                  </p:childTnLst>
+                                </p:cTn>
+                              </p:par>
+                            </p:childTnLst>
+                          </p:cTn>
+                        </p:par>
+                      </p:childTnLst>
+                    </p:cTn>
+                  </p:par>
+                </p:childTnLst>
+              </p:cTn>
+              <p:prevCondLst>
+                <p:cond evt="onPrev" delay="0">
+                  <p:tgtEl>
+                    <p:sldTgt/>
+                  </p:tgtEl>
+                </p:cond>
+              </p:prevCondLst>
+              <p:nextCondLst>
+                <p:cond evt="onNext" delay="0">
+                  <p:tgtEl>
+                    <p:sldTgt/>
+                  </p:tgtEl>
+                </p:cond>
+              </p:nextCondLst>
+            </p:seq>
+          </p:childTnLst>
+        </p:cTn>
+      </p:par>
+    </p:tnLst>
+    <p:bldLst>
+      <p:bldP spid="8" grpId="0" animBg="1"/>
+      <p:bldP spid="12" grpId="0" animBg="1"/>
+      <p:bldP spid="12" grpId="1" animBg="1"/>
+      <p:bldP spid="13" grpId="0" animBg="1"/>
+      <p:bldP spid="14" grpId="0" animBg="1"/>
+      <p:bldP spid="3" grpId="0" animBg="1"/>
+      <p:bldP spid="15" grpId="0" animBg="1"/>
+      <p:bldP spid="18" grpId="0" animBg="1"/>
+      <p:bldP spid="16" grpId="0" animBg="1"/>
+    </p:bldLst>
+  </p:timing>
+</p:sld>
+</file>
+
+<file path=ppt/slides/slide11.xml><?xml version="1.0" encoding="utf-8"?>
+<p:sld xmlns:a="http://schemas.openxmlformats.org/drawingml/2006/main" xmlns:r="http://schemas.openxmlformats.org/officeDocument/2006/relationships" xmlns:p="http://schemas.openxmlformats.org/presentationml/2006/main">
+  <p:cSld>
+    <p:spTree>
+      <p:nvGrpSpPr>
+        <p:cNvPr id="1" name=""/>
+        <p:cNvGrpSpPr/>
+        <p:nvPr/>
+      </p:nvGrpSpPr>
+      <p:grpSpPr>
+        <a:xfrm>
+          <a:off x="0" y="0"/>
+          <a:ext cx="0" cy="0"/>
+          <a:chOff x="0" y="0"/>
+          <a:chExt cx="0" cy="0"/>
+        </a:xfrm>
+      </p:grpSpPr>
+      <p:sp>
+        <p:nvSpPr>
+          <p:cNvPr id="2" name="Rectangle: Diagonal Corners Rounded 1">
+            <a:extLst>
+              <a:ext uri="{FF2B5EF4-FFF2-40B4-BE49-F238E27FC236}">
+                <a16:creationId xmlns:a16="http://schemas.microsoft.com/office/drawing/2014/main" id="{8ACE7D91-BCB6-4657-B829-8C177DC02530}"/>
+              </a:ext>
+            </a:extLst>
+          </p:cNvPr>
+          <p:cNvSpPr/>
+          <p:nvPr/>
+        </p:nvSpPr>
+        <p:spPr>
+          <a:xfrm>
+            <a:off x="1709530" y="658392"/>
+            <a:ext cx="7148223" cy="5829872"/>
+          </a:xfrm>
+          <a:prstGeom prst="round2DiagRect">
+            <a:avLst/>
+          </a:prstGeom>
+        </p:spPr>
+        <p:style>
+          <a:lnRef idx="0">
+            <a:schemeClr val="accent3"/>
+          </a:lnRef>
+          <a:fillRef idx="3">
+            <a:schemeClr val="accent3"/>
+          </a:fillRef>
+          <a:effectRef idx="3">
+            <a:schemeClr val="accent3"/>
+          </a:effectRef>
+          <a:fontRef idx="minor">
+            <a:schemeClr val="lt1"/>
+          </a:fontRef>
+        </p:style>
+        <p:txBody>
+          <a:bodyPr rtlCol="0" anchor="ctr"/>
+          <a:lstStyle/>
+          <a:p>
+            <a:pPr algn="ctr"/>
+            <a:endParaRPr lang="en-US"/>
+          </a:p>
+        </p:txBody>
+      </p:sp>
+      <p:sp>
+        <p:nvSpPr>
+          <p:cNvPr id="8" name="Rectangle: Top Corners Rounded 7">
+            <a:extLst>
+              <a:ext uri="{FF2B5EF4-FFF2-40B4-BE49-F238E27FC236}">
+                <a16:creationId xmlns:a16="http://schemas.microsoft.com/office/drawing/2014/main" id="{ABBFE5DA-7F3C-4A74-A505-0494BB43A11E}"/>
+              </a:ext>
+            </a:extLst>
+          </p:cNvPr>
+          <p:cNvSpPr/>
+          <p:nvPr/>
+        </p:nvSpPr>
+        <p:spPr>
+          <a:xfrm>
+            <a:off x="3925776" y="883224"/>
+            <a:ext cx="4340448" cy="583037"/>
+          </a:xfrm>
+          <a:prstGeom prst="round2SameRect">
+            <a:avLst/>
+          </a:prstGeom>
+          <a:solidFill>
+            <a:schemeClr val="accent1">
+              <a:lumMod val="50000"/>
+            </a:schemeClr>
+          </a:solidFill>
+        </p:spPr>
+        <p:style>
+          <a:lnRef idx="2">
+            <a:schemeClr val="accent6">
+              <a:shade val="50000"/>
+            </a:schemeClr>
+          </a:lnRef>
+          <a:fillRef idx="1">
+            <a:schemeClr val="accent6"/>
+          </a:fillRef>
+          <a:effectRef idx="0">
+            <a:schemeClr val="accent6"/>
+          </a:effectRef>
+          <a:fontRef idx="minor">
+            <a:schemeClr val="lt1"/>
+          </a:fontRef>
+        </p:style>
+        <p:txBody>
+          <a:bodyPr rtlCol="0" anchor="ctr"/>
+          <a:lstStyle/>
+          <a:p>
+            <a:pPr algn="ctr"/>
+            <a:r>
+              <a:rPr lang="en-US" sz="3600" b="1" dirty="0">
+                <a:solidFill>
+                  <a:schemeClr val="bg1"/>
+                </a:solidFill>
+              </a:rPr>
+              <a:t>POD</a:t>
+            </a:r>
+          </a:p>
+        </p:txBody>
+      </p:sp>
+      <p:sp>
+        <p:nvSpPr>
+          <p:cNvPr id="12" name="Rectangle 11">
+            <a:extLst>
+              <a:ext uri="{FF2B5EF4-FFF2-40B4-BE49-F238E27FC236}">
+                <a16:creationId xmlns:a16="http://schemas.microsoft.com/office/drawing/2014/main" id="{FA4FF112-B096-46AE-87D8-63AD94B39A25}"/>
+              </a:ext>
+            </a:extLst>
+          </p:cNvPr>
+          <p:cNvSpPr/>
+          <p:nvPr/>
+        </p:nvSpPr>
+        <p:spPr>
+          <a:xfrm>
+            <a:off x="3925776" y="1454426"/>
+            <a:ext cx="4340448" cy="4222806"/>
+          </a:xfrm>
+          <a:prstGeom prst="rect">
+            <a:avLst/>
+          </a:prstGeom>
+          <a:solidFill>
+            <a:srgbClr val="00B0F0"/>
+          </a:solidFill>
+        </p:spPr>
+        <p:style>
+          <a:lnRef idx="2">
+            <a:schemeClr val="accent6">
+              <a:shade val="50000"/>
+            </a:schemeClr>
+          </a:lnRef>
+          <a:fillRef idx="1">
+            <a:schemeClr val="accent6"/>
+          </a:fillRef>
+          <a:effectRef idx="0">
+            <a:schemeClr val="accent6"/>
+          </a:effectRef>
+          <a:fontRef idx="minor">
+            <a:schemeClr val="lt1"/>
+          </a:fontRef>
+        </p:style>
+        <p:txBody>
+          <a:bodyPr rtlCol="0" anchor="ctr"/>
+          <a:lstStyle/>
+          <a:p>
+            <a:pPr algn="ctr"/>
+            <a:endParaRPr lang="en-US" sz="1400" dirty="0">
+              <a:solidFill>
+                <a:schemeClr val="bg1"/>
+              </a:solidFill>
+            </a:endParaRPr>
+          </a:p>
+        </p:txBody>
+      </p:sp>
+      <p:sp>
+        <p:nvSpPr>
+          <p:cNvPr id="13" name="Rectangle: Diagonal Corners Snipped 12">
+            <a:extLst>
+              <a:ext uri="{FF2B5EF4-FFF2-40B4-BE49-F238E27FC236}">
+                <a16:creationId xmlns:a16="http://schemas.microsoft.com/office/drawing/2014/main" id="{B331BFEF-7990-4362-A973-44EC5C4353BB}"/>
+              </a:ext>
+            </a:extLst>
+          </p:cNvPr>
+          <p:cNvSpPr/>
+          <p:nvPr/>
+        </p:nvSpPr>
+        <p:spPr>
+          <a:xfrm>
+            <a:off x="5967213" y="1718807"/>
+            <a:ext cx="2263471" cy="2050111"/>
+          </a:xfrm>
+          <a:prstGeom prst="snip2DiagRect">
+            <a:avLst/>
+          </a:prstGeom>
+        </p:spPr>
+        <p:style>
+          <a:lnRef idx="2">
+            <a:schemeClr val="accent1">
+              <a:shade val="50000"/>
+            </a:schemeClr>
+          </a:lnRef>
+          <a:fillRef idx="1">
+            <a:schemeClr val="accent1"/>
+          </a:fillRef>
+          <a:effectRef idx="0">
+            <a:schemeClr val="accent1"/>
+          </a:effectRef>
+          <a:fontRef idx="minor">
+            <a:schemeClr val="lt1"/>
+          </a:fontRef>
+        </p:style>
+        <p:txBody>
+          <a:bodyPr rtlCol="0" anchor="ctr"/>
+          <a:lstStyle/>
+          <a:p>
+            <a:pPr algn="ctr"/>
+            <a:endParaRPr lang="en-US"/>
+          </a:p>
+        </p:txBody>
+      </p:sp>
+      <p:sp>
+        <p:nvSpPr>
+          <p:cNvPr id="14" name="Rectangle: Diagonal Corners Snipped 13">
+            <a:extLst>
+              <a:ext uri="{FF2B5EF4-FFF2-40B4-BE49-F238E27FC236}">
+                <a16:creationId xmlns:a16="http://schemas.microsoft.com/office/drawing/2014/main" id="{4D758210-DF13-49D5-93CB-31DB0E6BDF25}"/>
+              </a:ext>
+            </a:extLst>
+          </p:cNvPr>
+          <p:cNvSpPr/>
+          <p:nvPr/>
+        </p:nvSpPr>
+        <p:spPr>
+          <a:xfrm>
+            <a:off x="3992880" y="3578087"/>
+            <a:ext cx="2263471" cy="2050111"/>
+          </a:xfrm>
+          <a:prstGeom prst="snip2DiagRect">
+            <a:avLst/>
+          </a:prstGeom>
+        </p:spPr>
+        <p:style>
+          <a:lnRef idx="2">
+            <a:schemeClr val="accent1">
+              <a:shade val="50000"/>
+            </a:schemeClr>
+          </a:lnRef>
+          <a:fillRef idx="1">
+            <a:schemeClr val="accent1"/>
+          </a:fillRef>
+          <a:effectRef idx="0">
+            <a:schemeClr val="accent1"/>
+          </a:effectRef>
+          <a:fontRef idx="minor">
+            <a:schemeClr val="lt1"/>
+          </a:fontRef>
+        </p:style>
+        <p:txBody>
+          <a:bodyPr rtlCol="0" anchor="ctr"/>
+          <a:lstStyle/>
+          <a:p>
+            <a:pPr algn="ctr"/>
+            <a:endParaRPr lang="en-US"/>
+          </a:p>
+        </p:txBody>
+      </p:sp>
+      <p:sp>
+        <p:nvSpPr>
+          <p:cNvPr id="3" name="Rectangle: Top Corners One Rounded and One Snipped 2">
+            <a:extLst>
+              <a:ext uri="{FF2B5EF4-FFF2-40B4-BE49-F238E27FC236}">
+                <a16:creationId xmlns:a16="http://schemas.microsoft.com/office/drawing/2014/main" id="{1BB7BB81-4952-4952-AE3C-88207C93558A}"/>
+              </a:ext>
+            </a:extLst>
+          </p:cNvPr>
+          <p:cNvSpPr/>
+          <p:nvPr/>
+        </p:nvSpPr>
+        <p:spPr>
+          <a:xfrm>
+            <a:off x="3992880" y="3335241"/>
+            <a:ext cx="1938793" cy="230588"/>
+          </a:xfrm>
+          <a:prstGeom prst="snipRoundRect">
+            <a:avLst/>
+          </a:prstGeom>
+        </p:spPr>
+        <p:style>
+          <a:lnRef idx="2">
+            <a:schemeClr val="accent1">
+              <a:shade val="50000"/>
+            </a:schemeClr>
+          </a:lnRef>
+          <a:fillRef idx="1">
+            <a:schemeClr val="accent1"/>
+          </a:fillRef>
+          <a:effectRef idx="0">
+            <a:schemeClr val="accent1"/>
+          </a:effectRef>
+          <a:fontRef idx="minor">
+            <a:schemeClr val="lt1"/>
+          </a:fontRef>
+        </p:style>
+        <p:txBody>
+          <a:bodyPr rtlCol="0" anchor="ctr"/>
+          <a:lstStyle/>
+          <a:p>
+            <a:pPr algn="ctr"/>
+            <a:r>
+              <a:rPr lang="en-US" dirty="0"/>
+              <a:t>CONTAINER 1</a:t>
+            </a:r>
+          </a:p>
+        </p:txBody>
+      </p:sp>
+      <p:sp>
+        <p:nvSpPr>
+          <p:cNvPr id="15" name="Rectangle: Top Corners One Rounded and One Snipped 14">
+            <a:extLst>
+              <a:ext uri="{FF2B5EF4-FFF2-40B4-BE49-F238E27FC236}">
+                <a16:creationId xmlns:a16="http://schemas.microsoft.com/office/drawing/2014/main" id="{D36B4E1F-B730-4C1D-815D-0745660D9322}"/>
+              </a:ext>
+            </a:extLst>
+          </p:cNvPr>
+          <p:cNvSpPr/>
+          <p:nvPr/>
+        </p:nvSpPr>
+        <p:spPr>
+          <a:xfrm>
+            <a:off x="5967213" y="1477240"/>
+            <a:ext cx="1938793" cy="230588"/>
+          </a:xfrm>
+          <a:prstGeom prst="snipRoundRect">
+            <a:avLst/>
+          </a:prstGeom>
+        </p:spPr>
+        <p:style>
+          <a:lnRef idx="2">
+            <a:schemeClr val="accent1">
+              <a:shade val="50000"/>
+            </a:schemeClr>
+          </a:lnRef>
+          <a:fillRef idx="1">
+            <a:schemeClr val="accent1"/>
+          </a:fillRef>
+          <a:effectRef idx="0">
+            <a:schemeClr val="accent1"/>
+          </a:effectRef>
+          <a:fontRef idx="minor">
+            <a:schemeClr val="lt1"/>
+          </a:fontRef>
+        </p:style>
+        <p:txBody>
+          <a:bodyPr rtlCol="0" anchor="ctr"/>
+          <a:lstStyle/>
+          <a:p>
+            <a:pPr algn="ctr"/>
+            <a:r>
+              <a:rPr lang="en-US" dirty="0"/>
+              <a:t>CONTAINER 2</a:t>
+            </a:r>
+          </a:p>
+        </p:txBody>
+      </p:sp>
+      <p:pic>
+        <p:nvPicPr>
+          <p:cNvPr id="5" name="Graphic 4" descr="Box">
+            <a:extLst>
+              <a:ext uri="{FF2B5EF4-FFF2-40B4-BE49-F238E27FC236}">
+                <a16:creationId xmlns:a16="http://schemas.microsoft.com/office/drawing/2014/main" id="{87D4E5C8-3E7D-4C7D-9470-627004EA5D7F}"/>
+              </a:ext>
+            </a:extLst>
+          </p:cNvPr>
+          <p:cNvPicPr>
+            <a:picLocks noChangeAspect="1"/>
+          </p:cNvPicPr>
+          <p:nvPr/>
+        </p:nvPicPr>
+        <p:blipFill>
+          <a:blip r:embed="rId2">
+            <a:extLst>
+              <a:ext uri="{28A0092B-C50C-407E-A947-70E740481C1C}">
+                <a14:useLocalDpi xmlns:a14="http://schemas.microsoft.com/office/drawing/2010/main" val="0"/>
+              </a:ext>
+              <a:ext uri="{96DAC541-7B7A-43D3-8B79-37D633B846F1}">
+                <asvg:svgBlip xmlns:asvg="http://schemas.microsoft.com/office/drawing/2016/SVG/main" xmlns="" r:embed="rId3"/>
+              </a:ext>
+            </a:extLst>
+          </a:blip>
+          <a:stretch>
+            <a:fillRect/>
+          </a:stretch>
+        </p:blipFill>
+        <p:spPr>
+          <a:xfrm>
+            <a:off x="4489295" y="1678040"/>
+            <a:ext cx="914400" cy="914400"/>
+          </a:xfrm>
+          <a:prstGeom prst="rect">
+            <a:avLst/>
+          </a:prstGeom>
+        </p:spPr>
+      </p:pic>
+      <p:sp>
+        <p:nvSpPr>
+          <p:cNvPr id="17" name="TextBox 16">
+            <a:extLst>
+              <a:ext uri="{FF2B5EF4-FFF2-40B4-BE49-F238E27FC236}">
+                <a16:creationId xmlns:a16="http://schemas.microsoft.com/office/drawing/2014/main" id="{C2354000-1F02-43BC-8605-7A6892079997}"/>
+              </a:ext>
+            </a:extLst>
+          </p:cNvPr>
+          <p:cNvSpPr txBox="1"/>
+          <p:nvPr/>
+        </p:nvSpPr>
+        <p:spPr>
+          <a:xfrm>
+            <a:off x="3339548" y="135172"/>
+            <a:ext cx="5518205" cy="523220"/>
+          </a:xfrm>
+          <a:prstGeom prst="rect">
+            <a:avLst/>
+          </a:prstGeom>
+          <a:solidFill>
+            <a:srgbClr val="92D050"/>
+          </a:solidFill>
+        </p:spPr>
+        <p:txBody>
+          <a:bodyPr wrap="square" rtlCol="0">
+            <a:spAutoFit/>
+          </a:bodyPr>
+          <a:lstStyle/>
+          <a:p>
+            <a:pPr algn="ctr"/>
+            <a:r>
+              <a:rPr lang="en-US" sz="2800" b="1" dirty="0">
+                <a:solidFill>
+                  <a:schemeClr val="accent5">
+                    <a:lumMod val="75000"/>
+                  </a:schemeClr>
+                </a:solidFill>
+                <a:latin typeface="Dungeon" panose="040D0607070702040804" pitchFamily="82" charset="0"/>
+              </a:rPr>
+              <a:t>Volumes</a:t>
+            </a:r>
+            <a:r>
+              <a:rPr lang="en-US" sz="2800" b="1" dirty="0">
+                <a:latin typeface="Dungeon" panose="040D0607070702040804" pitchFamily="82" charset="0"/>
+              </a:rPr>
+              <a:t> | local</a:t>
+            </a:r>
+          </a:p>
+        </p:txBody>
+      </p:sp>
+      <p:sp>
+        <p:nvSpPr>
+          <p:cNvPr id="18" name="Arrow: Curved Left 17">
+            <a:extLst>
+              <a:ext uri="{FF2B5EF4-FFF2-40B4-BE49-F238E27FC236}">
+                <a16:creationId xmlns:a16="http://schemas.microsoft.com/office/drawing/2014/main" id="{0EE9AD67-7E38-4DC5-AD5F-74EF50B0F567}"/>
+              </a:ext>
+            </a:extLst>
+          </p:cNvPr>
+          <p:cNvSpPr/>
+          <p:nvPr/>
+        </p:nvSpPr>
+        <p:spPr>
+          <a:xfrm rot="4032918">
+            <a:off x="5496195" y="1830824"/>
+            <a:ext cx="1033082" cy="1500523"/>
+          </a:xfrm>
+          <a:prstGeom prst="curvedLeftArrow">
+            <a:avLst/>
+          </a:prstGeom>
+          <a:solidFill>
+            <a:schemeClr val="accent6">
+              <a:lumMod val="60000"/>
+              <a:lumOff val="40000"/>
+            </a:schemeClr>
+          </a:solidFill>
+        </p:spPr>
+        <p:style>
+          <a:lnRef idx="2">
+            <a:schemeClr val="accent1">
+              <a:shade val="50000"/>
+            </a:schemeClr>
+          </a:lnRef>
+          <a:fillRef idx="1">
+            <a:schemeClr val="accent1"/>
+          </a:fillRef>
+          <a:effectRef idx="0">
+            <a:schemeClr val="accent1"/>
+          </a:effectRef>
+          <a:fontRef idx="minor">
+            <a:schemeClr val="lt1"/>
+          </a:fontRef>
+        </p:style>
+        <p:txBody>
+          <a:bodyPr rtlCol="0" anchor="ctr"/>
+          <a:lstStyle/>
+          <a:p>
+            <a:pPr algn="ctr"/>
+            <a:endParaRPr lang="en-US">
+              <a:solidFill>
+                <a:schemeClr val="tx1"/>
+              </a:solidFill>
+            </a:endParaRPr>
+          </a:p>
+        </p:txBody>
+      </p:sp>
+      <p:sp>
+        <p:nvSpPr>
+          <p:cNvPr id="16" name="Arrow: Curved Left 15">
+            <a:extLst>
+              <a:ext uri="{FF2B5EF4-FFF2-40B4-BE49-F238E27FC236}">
+                <a16:creationId xmlns:a16="http://schemas.microsoft.com/office/drawing/2014/main" id="{A5903B2D-97E4-40C6-B32F-B9301F152520}"/>
+              </a:ext>
+            </a:extLst>
+          </p:cNvPr>
+          <p:cNvSpPr/>
+          <p:nvPr/>
+        </p:nvSpPr>
+        <p:spPr>
+          <a:xfrm rot="10412755">
+            <a:off x="3691036" y="2342309"/>
+            <a:ext cx="1033082" cy="1500523"/>
+          </a:xfrm>
+          <a:prstGeom prst="curvedLeftArrow">
+            <a:avLst/>
+          </a:prstGeom>
+          <a:solidFill>
+            <a:schemeClr val="accent6">
+              <a:lumMod val="60000"/>
+              <a:lumOff val="40000"/>
+            </a:schemeClr>
+          </a:solidFill>
+        </p:spPr>
+        <p:style>
+          <a:lnRef idx="2">
+            <a:schemeClr val="accent1">
+              <a:shade val="50000"/>
+            </a:schemeClr>
+          </a:lnRef>
+          <a:fillRef idx="1">
+            <a:schemeClr val="accent1"/>
+          </a:fillRef>
+          <a:effectRef idx="0">
+            <a:schemeClr val="accent1"/>
+          </a:effectRef>
+          <a:fontRef idx="minor">
+            <a:schemeClr val="lt1"/>
+          </a:fontRef>
+        </p:style>
+        <p:txBody>
+          <a:bodyPr rtlCol="0" anchor="ctr"/>
+          <a:lstStyle/>
+          <a:p>
+            <a:pPr algn="ctr"/>
+            <a:endParaRPr lang="en-US">
+              <a:solidFill>
+                <a:schemeClr val="tx1"/>
+              </a:solidFill>
+            </a:endParaRPr>
+          </a:p>
+        </p:txBody>
+      </p:sp>
+      <p:sp>
+        <p:nvSpPr>
+          <p:cNvPr id="4" name="TextBox 3">
+            <a:extLst>
+              <a:ext uri="{FF2B5EF4-FFF2-40B4-BE49-F238E27FC236}">
+                <a16:creationId xmlns:a16="http://schemas.microsoft.com/office/drawing/2014/main" id="{AFE9EA88-8FE1-459D-8933-4C09C5A57B18}"/>
+              </a:ext>
+            </a:extLst>
+          </p:cNvPr>
+          <p:cNvSpPr txBox="1"/>
+          <p:nvPr/>
+        </p:nvSpPr>
+        <p:spPr>
+          <a:xfrm>
+            <a:off x="900240" y="1892411"/>
+            <a:ext cx="1015663" cy="2710732"/>
+          </a:xfrm>
+          <a:prstGeom prst="rect">
+            <a:avLst/>
+          </a:prstGeom>
+          <a:noFill/>
+        </p:spPr>
+        <p:txBody>
+          <a:bodyPr vert="vert270" wrap="square" rtlCol="0">
+            <a:spAutoFit/>
+          </a:bodyPr>
+          <a:lstStyle/>
+          <a:p>
+            <a:r>
+              <a:rPr lang="en-US" sz="5400" dirty="0">
+                <a:latin typeface="Dungeon" panose="040D0607070702040804" pitchFamily="82" charset="0"/>
+              </a:rPr>
+              <a:t>Node</a:t>
+            </a:r>
+          </a:p>
+        </p:txBody>
+      </p:sp>
+      <p:sp>
+        <p:nvSpPr>
+          <p:cNvPr id="6" name="Arrow: Striped Right 5">
+            <a:extLst>
+              <a:ext uri="{FF2B5EF4-FFF2-40B4-BE49-F238E27FC236}">
+                <a16:creationId xmlns:a16="http://schemas.microsoft.com/office/drawing/2014/main" id="{F482BFC0-3B85-4DEC-9A02-4DD4C5BA5B65}"/>
+              </a:ext>
+            </a:extLst>
+          </p:cNvPr>
+          <p:cNvSpPr/>
+          <p:nvPr/>
+        </p:nvSpPr>
+        <p:spPr>
+          <a:xfrm>
+            <a:off x="2953468" y="1962847"/>
+            <a:ext cx="1647786" cy="253041"/>
+          </a:xfrm>
+          <a:prstGeom prst="stripedRightArrow">
+            <a:avLst/>
+          </a:prstGeom>
+        </p:spPr>
+        <p:style>
+          <a:lnRef idx="2">
+            <a:schemeClr val="accent1">
+              <a:shade val="50000"/>
+            </a:schemeClr>
+          </a:lnRef>
+          <a:fillRef idx="1">
+            <a:schemeClr val="accent1"/>
+          </a:fillRef>
+          <a:effectRef idx="0">
+            <a:schemeClr val="accent1"/>
+          </a:effectRef>
+          <a:fontRef idx="minor">
+            <a:schemeClr val="lt1"/>
+          </a:fontRef>
+        </p:style>
+        <p:txBody>
+          <a:bodyPr rtlCol="0" anchor="ctr"/>
+          <a:lstStyle/>
+          <a:p>
+            <a:pPr algn="ctr"/>
+            <a:endParaRPr lang="en-US"/>
+          </a:p>
+        </p:txBody>
+      </p:sp>
+      <p:grpSp>
+        <p:nvGrpSpPr>
+          <p:cNvPr id="7" name="Graphic 18" descr="Box">
+            <a:extLst>
+              <a:ext uri="{FF2B5EF4-FFF2-40B4-BE49-F238E27FC236}">
+                <a16:creationId xmlns:a16="http://schemas.microsoft.com/office/drawing/2014/main" id="{F9CE0DDA-9A76-411F-8C99-7EECE4F1CF47}"/>
+              </a:ext>
+            </a:extLst>
+          </p:cNvPr>
+          <p:cNvGrpSpPr/>
+          <p:nvPr/>
+        </p:nvGrpSpPr>
+        <p:grpSpPr>
+          <a:xfrm>
+            <a:off x="2259561" y="1718807"/>
+            <a:ext cx="628650" cy="750570"/>
+            <a:chOff x="2841067" y="1748600"/>
+            <a:chExt cx="628650" cy="750570"/>
+          </a:xfrm>
+          <a:solidFill>
+            <a:srgbClr val="C00000"/>
+          </a:solidFill>
+        </p:grpSpPr>
+        <p:sp>
+          <p:nvSpPr>
+            <p:cNvPr id="9" name="Freeform: Shape 8">
+              <a:extLst>
+                <a:ext uri="{FF2B5EF4-FFF2-40B4-BE49-F238E27FC236}">
+                  <a16:creationId xmlns:a16="http://schemas.microsoft.com/office/drawing/2014/main" id="{D4D171A7-D107-4E41-AFA2-30EFBAD80995}"/>
+                </a:ext>
+              </a:extLst>
+            </p:cNvPr>
+            <p:cNvSpPr/>
+            <p:nvPr/>
+          </p:nvSpPr>
+          <p:spPr>
+            <a:xfrm>
+              <a:off x="2841067" y="1852422"/>
+              <a:ext cx="457200" cy="277177"/>
+            </a:xfrm>
+            <a:custGeom>
+              <a:avLst/>
+              <a:gdLst>
+                <a:gd name="connsiteX0" fmla="*/ 142875 w 457200"/>
+                <a:gd name="connsiteY0" fmla="*/ 0 h 277177"/>
+                <a:gd name="connsiteX1" fmla="*/ 0 w 457200"/>
+                <a:gd name="connsiteY1" fmla="*/ 86678 h 277177"/>
+                <a:gd name="connsiteX2" fmla="*/ 314325 w 457200"/>
+                <a:gd name="connsiteY2" fmla="*/ 277178 h 277177"/>
+                <a:gd name="connsiteX3" fmla="*/ 457200 w 457200"/>
+                <a:gd name="connsiteY3" fmla="*/ 190500 h 277177"/>
+              </a:gdLst>
+              <a:ahLst/>
+              <a:cxnLst>
+                <a:cxn ang="0">
+                  <a:pos x="connsiteX0" y="connsiteY0"/>
+                </a:cxn>
+                <a:cxn ang="0">
+                  <a:pos x="connsiteX1" y="connsiteY1"/>
+                </a:cxn>
+                <a:cxn ang="0">
+                  <a:pos x="connsiteX2" y="connsiteY2"/>
+                </a:cxn>
+                <a:cxn ang="0">
+                  <a:pos x="connsiteX3" y="connsiteY3"/>
+                </a:cxn>
+              </a:cxnLst>
+              <a:rect l="l" t="t" r="r" b="b"/>
+              <a:pathLst>
+                <a:path w="457200" h="277177">
+                  <a:moveTo>
+                    <a:pt x="142875" y="0"/>
+                  </a:moveTo>
+                  <a:lnTo>
+                    <a:pt x="0" y="86678"/>
+                  </a:lnTo>
+                  <a:lnTo>
+                    <a:pt x="314325" y="277178"/>
+                  </a:lnTo>
+                  <a:lnTo>
+                    <a:pt x="457200" y="190500"/>
+                  </a:lnTo>
+                  <a:close/>
+                </a:path>
+              </a:pathLst>
+            </a:custGeom>
+            <a:grpFill/>
+            <a:ln w="9525" cap="flat">
+              <a:noFill/>
+              <a:prstDash val="solid"/>
+              <a:miter/>
+            </a:ln>
+          </p:spPr>
+          <p:txBody>
+            <a:bodyPr rtlCol="0" anchor="ctr"/>
+            <a:lstStyle/>
+            <a:p>
+              <a:endParaRPr lang="en-US"/>
+            </a:p>
+          </p:txBody>
+        </p:sp>
+        <p:sp>
+          <p:nvSpPr>
+            <p:cNvPr id="10" name="Freeform: Shape 9">
+              <a:extLst>
+                <a:ext uri="{FF2B5EF4-FFF2-40B4-BE49-F238E27FC236}">
+                  <a16:creationId xmlns:a16="http://schemas.microsoft.com/office/drawing/2014/main" id="{263CE1FA-FEAF-4E5F-AE89-E697D9921792}"/>
+                </a:ext>
+              </a:extLst>
+            </p:cNvPr>
+            <p:cNvSpPr/>
+            <p:nvPr/>
+          </p:nvSpPr>
+          <p:spPr>
+            <a:xfrm>
+              <a:off x="3020136" y="1748600"/>
+              <a:ext cx="449580" cy="272415"/>
+            </a:xfrm>
+            <a:custGeom>
+              <a:avLst/>
+              <a:gdLst>
+                <a:gd name="connsiteX0" fmla="*/ 449580 w 449580"/>
+                <a:gd name="connsiteY0" fmla="*/ 190500 h 272415"/>
+                <a:gd name="connsiteX1" fmla="*/ 135255 w 449580"/>
+                <a:gd name="connsiteY1" fmla="*/ 0 h 272415"/>
+                <a:gd name="connsiteX2" fmla="*/ 0 w 449580"/>
+                <a:gd name="connsiteY2" fmla="*/ 81915 h 272415"/>
+                <a:gd name="connsiteX3" fmla="*/ 314325 w 449580"/>
+                <a:gd name="connsiteY3" fmla="*/ 272415 h 272415"/>
+              </a:gdLst>
+              <a:ahLst/>
+              <a:cxnLst>
+                <a:cxn ang="0">
+                  <a:pos x="connsiteX0" y="connsiteY0"/>
+                </a:cxn>
+                <a:cxn ang="0">
+                  <a:pos x="connsiteX1" y="connsiteY1"/>
+                </a:cxn>
+                <a:cxn ang="0">
+                  <a:pos x="connsiteX2" y="connsiteY2"/>
+                </a:cxn>
+                <a:cxn ang="0">
+                  <a:pos x="connsiteX3" y="connsiteY3"/>
+                </a:cxn>
+              </a:cxnLst>
+              <a:rect l="l" t="t" r="r" b="b"/>
+              <a:pathLst>
+                <a:path w="449580" h="272415">
+                  <a:moveTo>
+                    <a:pt x="449580" y="190500"/>
+                  </a:moveTo>
+                  <a:lnTo>
+                    <a:pt x="135255" y="0"/>
+                  </a:lnTo>
+                  <a:lnTo>
+                    <a:pt x="0" y="81915"/>
+                  </a:lnTo>
+                  <a:lnTo>
+                    <a:pt x="314325" y="272415"/>
+                  </a:lnTo>
+                  <a:close/>
+                </a:path>
+              </a:pathLst>
+            </a:custGeom>
+            <a:grpFill/>
+            <a:ln w="9525" cap="flat">
+              <a:noFill/>
+              <a:prstDash val="solid"/>
+              <a:miter/>
+            </a:ln>
+          </p:spPr>
+          <p:txBody>
+            <a:bodyPr rtlCol="0" anchor="ctr"/>
+            <a:lstStyle/>
+            <a:p>
+              <a:endParaRPr lang="en-US"/>
+            </a:p>
+          </p:txBody>
+        </p:sp>
+        <p:sp>
+          <p:nvSpPr>
+            <p:cNvPr id="11" name="Freeform: Shape 10">
+              <a:extLst>
+                <a:ext uri="{FF2B5EF4-FFF2-40B4-BE49-F238E27FC236}">
+                  <a16:creationId xmlns:a16="http://schemas.microsoft.com/office/drawing/2014/main" id="{42AD52C2-8CFE-4E6A-AD96-C093AC0AF71D}"/>
+                </a:ext>
+              </a:extLst>
+            </p:cNvPr>
+            <p:cNvSpPr/>
+            <p:nvPr/>
+          </p:nvSpPr>
+          <p:spPr>
+            <a:xfrm>
+              <a:off x="2841067" y="1983867"/>
+              <a:ext cx="295275" cy="515302"/>
+            </a:xfrm>
+            <a:custGeom>
+              <a:avLst/>
+              <a:gdLst>
+                <a:gd name="connsiteX0" fmla="*/ 0 w 295275"/>
+                <a:gd name="connsiteY0" fmla="*/ 31432 h 515302"/>
+                <a:gd name="connsiteX1" fmla="*/ 0 w 295275"/>
+                <a:gd name="connsiteY1" fmla="*/ 336233 h 515302"/>
+                <a:gd name="connsiteX2" fmla="*/ 295275 w 295275"/>
+                <a:gd name="connsiteY2" fmla="*/ 515303 h 515302"/>
+                <a:gd name="connsiteX3" fmla="*/ 295275 w 295275"/>
+                <a:gd name="connsiteY3" fmla="*/ 179070 h 515302"/>
+                <a:gd name="connsiteX4" fmla="*/ 0 w 295275"/>
+                <a:gd name="connsiteY4" fmla="*/ 0 h 515302"/>
+              </a:gdLst>
+              <a:ahLst/>
+              <a:cxnLst>
+                <a:cxn ang="0">
+                  <a:pos x="connsiteX0" y="connsiteY0"/>
+                </a:cxn>
+                <a:cxn ang="0">
+                  <a:pos x="connsiteX1" y="connsiteY1"/>
+                </a:cxn>
+                <a:cxn ang="0">
+                  <a:pos x="connsiteX2" y="connsiteY2"/>
+                </a:cxn>
+                <a:cxn ang="0">
+                  <a:pos x="connsiteX3" y="connsiteY3"/>
+                </a:cxn>
+                <a:cxn ang="0">
+                  <a:pos x="connsiteX4" y="connsiteY4"/>
+                </a:cxn>
+              </a:cxnLst>
+              <a:rect l="l" t="t" r="r" b="b"/>
+              <a:pathLst>
+                <a:path w="295275" h="515302">
+                  <a:moveTo>
+                    <a:pt x="0" y="31432"/>
+                  </a:moveTo>
+                  <a:lnTo>
+                    <a:pt x="0" y="336233"/>
+                  </a:lnTo>
+                  <a:lnTo>
+                    <a:pt x="295275" y="515303"/>
+                  </a:lnTo>
+                  <a:lnTo>
+                    <a:pt x="295275" y="179070"/>
+                  </a:lnTo>
+                  <a:lnTo>
+                    <a:pt x="0" y="0"/>
+                  </a:lnTo>
+                  <a:close/>
+                </a:path>
+              </a:pathLst>
+            </a:custGeom>
+            <a:grpFill/>
+            <a:ln w="9525" cap="flat">
+              <a:noFill/>
+              <a:prstDash val="solid"/>
+              <a:miter/>
+            </a:ln>
+          </p:spPr>
+          <p:txBody>
+            <a:bodyPr rtlCol="0" anchor="ctr"/>
+            <a:lstStyle/>
+            <a:p>
+              <a:endParaRPr lang="en-US"/>
+            </a:p>
+          </p:txBody>
+        </p:sp>
+        <p:sp>
+          <p:nvSpPr>
+            <p:cNvPr id="20" name="Freeform: Shape 19">
+              <a:extLst>
+                <a:ext uri="{FF2B5EF4-FFF2-40B4-BE49-F238E27FC236}">
+                  <a16:creationId xmlns:a16="http://schemas.microsoft.com/office/drawing/2014/main" id="{AEC795D2-05E4-4803-99F7-8F1244762F13}"/>
+                </a:ext>
+              </a:extLst>
+            </p:cNvPr>
+            <p:cNvSpPr/>
+            <p:nvPr/>
+          </p:nvSpPr>
+          <p:spPr>
+            <a:xfrm>
+              <a:off x="3174442" y="1983867"/>
+              <a:ext cx="295275" cy="515302"/>
+            </a:xfrm>
+            <a:custGeom>
+              <a:avLst/>
+              <a:gdLst>
+                <a:gd name="connsiteX0" fmla="*/ 104775 w 295275"/>
+                <a:gd name="connsiteY0" fmla="*/ 231458 h 515302"/>
+                <a:gd name="connsiteX1" fmla="*/ 38100 w 295275"/>
+                <a:gd name="connsiteY1" fmla="*/ 269558 h 515302"/>
+                <a:gd name="connsiteX2" fmla="*/ 38100 w 295275"/>
+                <a:gd name="connsiteY2" fmla="*/ 202883 h 515302"/>
+                <a:gd name="connsiteX3" fmla="*/ 104775 w 295275"/>
+                <a:gd name="connsiteY3" fmla="*/ 164783 h 515302"/>
+                <a:gd name="connsiteX4" fmla="*/ 104775 w 295275"/>
+                <a:gd name="connsiteY4" fmla="*/ 231458 h 515302"/>
+                <a:gd name="connsiteX5" fmla="*/ 0 w 295275"/>
+                <a:gd name="connsiteY5" fmla="*/ 179070 h 515302"/>
+                <a:gd name="connsiteX6" fmla="*/ 0 w 295275"/>
+                <a:gd name="connsiteY6" fmla="*/ 515303 h 515302"/>
+                <a:gd name="connsiteX7" fmla="*/ 295275 w 295275"/>
+                <a:gd name="connsiteY7" fmla="*/ 336233 h 515302"/>
+                <a:gd name="connsiteX8" fmla="*/ 295275 w 295275"/>
+                <a:gd name="connsiteY8" fmla="*/ 0 h 515302"/>
+                <a:gd name="connsiteX9" fmla="*/ 0 w 295275"/>
+                <a:gd name="connsiteY9" fmla="*/ 179070 h 515302"/>
+              </a:gdLst>
+              <a:ahLst/>
+              <a:cxnLst>
+                <a:cxn ang="0">
+                  <a:pos x="connsiteX0" y="connsiteY0"/>
+                </a:cxn>
+                <a:cxn ang="0">
+                  <a:pos x="connsiteX1" y="connsiteY1"/>
+                </a:cxn>
+                <a:cxn ang="0">
+                  <a:pos x="connsiteX2" y="connsiteY2"/>
+                </a:cxn>
+                <a:cxn ang="0">
+                  <a:pos x="connsiteX3" y="connsiteY3"/>
+                </a:cxn>
+                <a:cxn ang="0">
+                  <a:pos x="connsiteX4" y="connsiteY4"/>
+                </a:cxn>
+                <a:cxn ang="0">
+                  <a:pos x="connsiteX5" y="connsiteY5"/>
+                </a:cxn>
+                <a:cxn ang="0">
+                  <a:pos x="connsiteX6" y="connsiteY6"/>
+                </a:cxn>
+                <a:cxn ang="0">
+                  <a:pos x="connsiteX7" y="connsiteY7"/>
+                </a:cxn>
+                <a:cxn ang="0">
+                  <a:pos x="connsiteX8" y="connsiteY8"/>
+                </a:cxn>
+                <a:cxn ang="0">
+                  <a:pos x="connsiteX9" y="connsiteY9"/>
+                </a:cxn>
+              </a:cxnLst>
+              <a:rect l="l" t="t" r="r" b="b"/>
+              <a:pathLst>
+                <a:path w="295275" h="515302">
+                  <a:moveTo>
+                    <a:pt x="104775" y="231458"/>
+                  </a:moveTo>
+                  <a:lnTo>
+                    <a:pt x="38100" y="269558"/>
+                  </a:lnTo>
+                  <a:lnTo>
+                    <a:pt x="38100" y="202883"/>
+                  </a:lnTo>
+                  <a:lnTo>
+                    <a:pt x="104775" y="164783"/>
+                  </a:lnTo>
+                  <a:lnTo>
+                    <a:pt x="104775" y="231458"/>
+                  </a:lnTo>
+                  <a:close/>
+                  <a:moveTo>
+                    <a:pt x="0" y="179070"/>
+                  </a:moveTo>
+                  <a:lnTo>
+                    <a:pt x="0" y="515303"/>
+                  </a:lnTo>
+                  <a:lnTo>
+                    <a:pt x="295275" y="336233"/>
+                  </a:lnTo>
+                  <a:lnTo>
+                    <a:pt x="295275" y="0"/>
+                  </a:lnTo>
+                  <a:lnTo>
+                    <a:pt x="0" y="179070"/>
+                  </a:lnTo>
+                  <a:close/>
+                </a:path>
+              </a:pathLst>
+            </a:custGeom>
+            <a:grpFill/>
+            <a:ln w="9525" cap="flat">
+              <a:noFill/>
+              <a:prstDash val="solid"/>
+              <a:miter/>
+            </a:ln>
+          </p:spPr>
+          <p:txBody>
+            <a:bodyPr rtlCol="0" anchor="ctr"/>
+            <a:lstStyle/>
+            <a:p>
+              <a:endParaRPr lang="en-US"/>
+            </a:p>
+          </p:txBody>
+        </p:sp>
+      </p:grpSp>
+      <p:sp>
+        <p:nvSpPr>
+          <p:cNvPr id="23" name="TextBox 22">
+            <a:extLst>
+              <a:ext uri="{FF2B5EF4-FFF2-40B4-BE49-F238E27FC236}">
+                <a16:creationId xmlns:a16="http://schemas.microsoft.com/office/drawing/2014/main" id="{72AB0CA2-16F0-4317-B84E-CD5E3CA25FEF}"/>
+              </a:ext>
+            </a:extLst>
+          </p:cNvPr>
+          <p:cNvSpPr txBox="1"/>
+          <p:nvPr/>
+        </p:nvSpPr>
+        <p:spPr>
+          <a:xfrm rot="18632507" flipH="1">
+            <a:off x="1851302" y="2062511"/>
+            <a:ext cx="2842432" cy="954107"/>
+          </a:xfrm>
+          <a:prstGeom prst="rect">
+            <a:avLst/>
+          </a:prstGeom>
+          <a:noFill/>
+        </p:spPr>
+        <p:txBody>
+          <a:bodyPr wrap="square" rtlCol="0">
+            <a:spAutoFit/>
+          </a:bodyPr>
+          <a:lstStyle/>
+          <a:p>
+            <a:r>
+              <a:rPr lang="en-US" sz="2800" b="1" dirty="0">
+                <a:solidFill>
+                  <a:schemeClr val="accent4">
+                    <a:lumMod val="20000"/>
+                    <a:lumOff val="80000"/>
+                  </a:schemeClr>
+                </a:solidFill>
+                <a:highlight>
+                  <a:srgbClr val="808080"/>
+                </a:highlight>
+                <a:latin typeface="Dungeon" panose="040D0607070702040804" pitchFamily="82" charset="0"/>
+              </a:rPr>
+              <a:t>Persistent Volumes(PVs)</a:t>
+            </a:r>
+          </a:p>
+        </p:txBody>
+      </p:sp>
+    </p:spTree>
+    <p:extLst>
+      <p:ext uri="{BB962C8B-B14F-4D97-AF65-F5344CB8AC3E}">
+        <p14:creationId xmlns:p14="http://schemas.microsoft.com/office/powerpoint/2010/main" val="2290543761"/>
+      </p:ext>
+    </p:extLst>
+  </p:cSld>
+  <p:clrMapOvr>
+    <a:masterClrMapping/>
+  </p:clrMapOvr>
+  <mc:AlternateContent xmlns:mc="http://schemas.openxmlformats.org/markup-compatibility/2006" xmlns:p159="http://schemas.microsoft.com/office/powerpoint/2015/09/main">
+    <mc:Choice Requires="p159">
+      <p:transition xmlns:p14="http://schemas.microsoft.com/office/powerpoint/2010/main" spd="slow" p14:dur="2000">
+        <p159:morph option="byObject"/>
+      </p:transition>
+    </mc:Choice>
+    <mc:Fallback xmlns="">
+      <p:transition spd="slow">
+        <p:fade/>
+      </p:transition>
+    </mc:Fallback>
+  </mc:AlternateContent>
+  <p:timing>
+    <p:tnLst>
+      <p:par>
+        <p:cTn id="1" dur="indefinite" restart="never" nodeType="tmRoot">
+          <p:childTnLst>
+            <p:seq concurrent="1" nextAc="seek">
+              <p:cTn id="2" dur="indefinite" nodeType="mainSeq">
+                <p:childTnLst>
+                  <p:par>
+                    <p:cTn id="3" fill="hold">
+                      <p:stCondLst>
+                        <p:cond delay="indefinite"/>
+                        <p:cond evt="onBegin" delay="0">
+                          <p:tn val="2"/>
+                        </p:cond>
+                      </p:stCondLst>
+                      <p:childTnLst>
+                        <p:par>
+                          <p:cTn id="4" fill="hold">
+                            <p:stCondLst>
+                              <p:cond delay="0"/>
+                            </p:stCondLst>
+                            <p:childTnLst>
+                              <p:par>
+                                <p:cTn id="5" presetID="42" presetClass="entr" presetSubtype="0" fill="hold" grpId="0" nodeType="afterEffect">
+                                  <p:stCondLst>
+                                    <p:cond delay="0"/>
+                                  </p:stCondLst>
+                                  <p:childTnLst>
+                                    <p:set>
+                                      <p:cBhvr>
+                                        <p:cTn id="6" dur="1" fill="hold">
+                                          <p:stCondLst>
+                                            <p:cond delay="0"/>
+                                          </p:stCondLst>
+                                        </p:cTn>
+                                        <p:tgtEl>
+                                          <p:spTgt spid="8"/>
+                                        </p:tgtEl>
+                                        <p:attrNameLst>
+                                          <p:attrName>style.visibility</p:attrName>
+                                        </p:attrNameLst>
+                                      </p:cBhvr>
+                                      <p:to>
+                                        <p:strVal val="visible"/>
+                                      </p:to>
+                                    </p:set>
+                                    <p:animEffect transition="in" filter="fade">
+                                      <p:cBhvr>
+                                        <p:cTn id="7" dur="1000"/>
+                                        <p:tgtEl>
+                                          <p:spTgt spid="8"/>
+                                        </p:tgtEl>
+                                      </p:cBhvr>
+                                    </p:animEffect>
+                                    <p:anim calcmode="lin" valueType="num">
+                                      <p:cBhvr>
+                                        <p:cTn id="8" dur="1000" fill="hold"/>
+                                        <p:tgtEl>
+                                          <p:spTgt spid="8"/>
+                                        </p:tgtEl>
+                                        <p:attrNameLst>
+                                          <p:attrName>ppt_x</p:attrName>
+                                        </p:attrNameLst>
+                                      </p:cBhvr>
+                                      <p:tavLst>
+                                        <p:tav tm="0">
+                                          <p:val>
+                                            <p:strVal val="#ppt_x"/>
+                                          </p:val>
+                                        </p:tav>
+                                        <p:tav tm="100000">
+                                          <p:val>
+                                            <p:strVal val="#ppt_x"/>
+                                          </p:val>
+                                        </p:tav>
+                                      </p:tavLst>
+                                    </p:anim>
+                                    <p:anim calcmode="lin" valueType="num">
+                                      <p:cBhvr>
+                                        <p:cTn id="9" dur="1000" fill="hold"/>
+                                        <p:tgtEl>
+                                          <p:spTgt spid="8"/>
+                                        </p:tgtEl>
+                                        <p:attrNameLst>
+                                          <p:attrName>ppt_y</p:attrName>
+                                        </p:attrNameLst>
+                                      </p:cBhvr>
+                                      <p:tavLst>
+                                        <p:tav tm="0">
+                                          <p:val>
+                                            <p:strVal val="#ppt_y+.1"/>
+                                          </p:val>
+                                        </p:tav>
+                                        <p:tav tm="100000">
+                                          <p:val>
+                                            <p:strVal val="#ppt_y"/>
+                                          </p:val>
+                                        </p:tav>
+                                      </p:tavLst>
+                                    </p:anim>
+                                  </p:childTnLst>
+                                </p:cTn>
+                              </p:par>
+                            </p:childTnLst>
+                          </p:cTn>
+                        </p:par>
+                        <p:par>
+                          <p:cTn id="10" fill="hold">
+                            <p:stCondLst>
+                              <p:cond delay="1000"/>
+                            </p:stCondLst>
+                            <p:childTnLst>
+                              <p:par>
+                                <p:cTn id="11" presetID="42" presetClass="entr" presetSubtype="0" fill="hold" grpId="0" nodeType="afterEffect">
+                                  <p:stCondLst>
+                                    <p:cond delay="0"/>
+                                  </p:stCondLst>
+                                  <p:childTnLst>
+                                    <p:set>
+                                      <p:cBhvr>
+                                        <p:cTn id="12" dur="1" fill="hold">
+                                          <p:stCondLst>
+                                            <p:cond delay="0"/>
+                                          </p:stCondLst>
+                                        </p:cTn>
+                                        <p:tgtEl>
+                                          <p:spTgt spid="12"/>
+                                        </p:tgtEl>
+                                        <p:attrNameLst>
+                                          <p:attrName>style.visibility</p:attrName>
+                                        </p:attrNameLst>
+                                      </p:cBhvr>
+                                      <p:to>
+                                        <p:strVal val="visible"/>
+                                      </p:to>
+                                    </p:set>
+                                    <p:animEffect transition="in" filter="fade">
+                                      <p:cBhvr>
+                                        <p:cTn id="13" dur="1000"/>
+                                        <p:tgtEl>
+                                          <p:spTgt spid="12"/>
+                                        </p:tgtEl>
+                                      </p:cBhvr>
+                                    </p:animEffect>
+                                    <p:anim calcmode="lin" valueType="num">
+                                      <p:cBhvr>
+                                        <p:cTn id="14" dur="1000" fill="hold"/>
+                                        <p:tgtEl>
+                                          <p:spTgt spid="12"/>
+                                        </p:tgtEl>
+                                        <p:attrNameLst>
+                                          <p:attrName>ppt_x</p:attrName>
+                                        </p:attrNameLst>
+                                      </p:cBhvr>
+                                      <p:tavLst>
+                                        <p:tav tm="0">
+                                          <p:val>
+                                            <p:strVal val="#ppt_x"/>
+                                          </p:val>
+                                        </p:tav>
+                                        <p:tav tm="100000">
+                                          <p:val>
+                                            <p:strVal val="#ppt_x"/>
+                                          </p:val>
+                                        </p:tav>
+                                      </p:tavLst>
+                                    </p:anim>
+                                    <p:anim calcmode="lin" valueType="num">
+                                      <p:cBhvr>
+                                        <p:cTn id="15" dur="1000" fill="hold"/>
+                                        <p:tgtEl>
+                                          <p:spTgt spid="12"/>
+                                        </p:tgtEl>
+                                        <p:attrNameLst>
+                                          <p:attrName>ppt_y</p:attrName>
+                                        </p:attrNameLst>
+                                      </p:cBhvr>
+                                      <p:tavLst>
+                                        <p:tav tm="0">
+                                          <p:val>
+                                            <p:strVal val="#ppt_y+.1"/>
+                                          </p:val>
+                                        </p:tav>
+                                        <p:tav tm="100000">
+                                          <p:val>
+                                            <p:strVal val="#ppt_y"/>
+                                          </p:val>
+                                        </p:tav>
+                                      </p:tavLst>
+                                    </p:anim>
+                                  </p:childTnLst>
+                                </p:cTn>
+                              </p:par>
+                            </p:childTnLst>
+                          </p:cTn>
+                        </p:par>
+                        <p:par>
+                          <p:cTn id="16" fill="hold">
+                            <p:stCondLst>
+                              <p:cond delay="2000"/>
+                            </p:stCondLst>
+                            <p:childTnLst>
+                              <p:par>
+                                <p:cTn id="17" presetID="2" presetClass="entr" presetSubtype="12" fill="hold" grpId="0" nodeType="afterEffect">
+                                  <p:stCondLst>
+                                    <p:cond delay="0"/>
+                                  </p:stCondLst>
+                                  <p:childTnLst>
+                                    <p:set>
+                                      <p:cBhvr>
+                                        <p:cTn id="18" dur="1" fill="hold">
+                                          <p:stCondLst>
+                                            <p:cond delay="0"/>
+                                          </p:stCondLst>
+                                        </p:cTn>
+                                        <p:tgtEl>
+                                          <p:spTgt spid="14"/>
+                                        </p:tgtEl>
+                                        <p:attrNameLst>
+                                          <p:attrName>style.visibility</p:attrName>
+                                        </p:attrNameLst>
+                                      </p:cBhvr>
+                                      <p:to>
+                                        <p:strVal val="visible"/>
+                                      </p:to>
+                                    </p:set>
+                                    <p:anim calcmode="lin" valueType="num">
+                                      <p:cBhvr additive="base">
+                                        <p:cTn id="19" dur="500" fill="hold"/>
+                                        <p:tgtEl>
+                                          <p:spTgt spid="14"/>
+                                        </p:tgtEl>
+                                        <p:attrNameLst>
+                                          <p:attrName>ppt_x</p:attrName>
+                                        </p:attrNameLst>
+                                      </p:cBhvr>
+                                      <p:tavLst>
+                                        <p:tav tm="0">
+                                          <p:val>
+                                            <p:strVal val="0-#ppt_w/2"/>
+                                          </p:val>
+                                        </p:tav>
+                                        <p:tav tm="100000">
+                                          <p:val>
+                                            <p:strVal val="#ppt_x"/>
+                                          </p:val>
+                                        </p:tav>
+                                      </p:tavLst>
+                                    </p:anim>
+                                    <p:anim calcmode="lin" valueType="num">
+                                      <p:cBhvr additive="base">
+                                        <p:cTn id="20" dur="500" fill="hold"/>
+                                        <p:tgtEl>
+                                          <p:spTgt spid="14"/>
+                                        </p:tgtEl>
+                                        <p:attrNameLst>
+                                          <p:attrName>ppt_y</p:attrName>
+                                        </p:attrNameLst>
+                                      </p:cBhvr>
+                                      <p:tavLst>
+                                        <p:tav tm="0">
+                                          <p:val>
+                                            <p:strVal val="1+#ppt_h/2"/>
+                                          </p:val>
+                                        </p:tav>
+                                        <p:tav tm="100000">
+                                          <p:val>
+                                            <p:strVal val="#ppt_y"/>
+                                          </p:val>
+                                        </p:tav>
+                                      </p:tavLst>
+                                    </p:anim>
+                                  </p:childTnLst>
+                                </p:cTn>
+                              </p:par>
+                            </p:childTnLst>
+                          </p:cTn>
+                        </p:par>
+                        <p:par>
+                          <p:cTn id="21" fill="hold">
+                            <p:stCondLst>
+                              <p:cond delay="2500"/>
+                            </p:stCondLst>
+                            <p:childTnLst>
+                              <p:par>
+                                <p:cTn id="22" presetID="2" presetClass="entr" presetSubtype="12" fill="hold" grpId="0" nodeType="afterEffect">
+                                  <p:stCondLst>
+                                    <p:cond delay="0"/>
+                                  </p:stCondLst>
+                                  <p:childTnLst>
+                                    <p:set>
+                                      <p:cBhvr>
+                                        <p:cTn id="23" dur="1" fill="hold">
+                                          <p:stCondLst>
+                                            <p:cond delay="0"/>
+                                          </p:stCondLst>
+                                        </p:cTn>
+                                        <p:tgtEl>
+                                          <p:spTgt spid="3"/>
+                                        </p:tgtEl>
+                                        <p:attrNameLst>
+                                          <p:attrName>style.visibility</p:attrName>
+                                        </p:attrNameLst>
+                                      </p:cBhvr>
+                                      <p:to>
+                                        <p:strVal val="visible"/>
+                                      </p:to>
+                                    </p:set>
+                                    <p:anim calcmode="lin" valueType="num">
+                                      <p:cBhvr additive="base">
+                                        <p:cTn id="24" dur="500" fill="hold"/>
+                                        <p:tgtEl>
+                                          <p:spTgt spid="3"/>
+                                        </p:tgtEl>
+                                        <p:attrNameLst>
+                                          <p:attrName>ppt_x</p:attrName>
+                                        </p:attrNameLst>
+                                      </p:cBhvr>
+                                      <p:tavLst>
+                                        <p:tav tm="0">
+                                          <p:val>
+                                            <p:strVal val="0-#ppt_w/2"/>
+                                          </p:val>
+                                        </p:tav>
+                                        <p:tav tm="100000">
+                                          <p:val>
+                                            <p:strVal val="#ppt_x"/>
+                                          </p:val>
+                                        </p:tav>
+                                      </p:tavLst>
+                                    </p:anim>
+                                    <p:anim calcmode="lin" valueType="num">
+                                      <p:cBhvr additive="base">
+                                        <p:cTn id="25" dur="500" fill="hold"/>
+                                        <p:tgtEl>
+                                          <p:spTgt spid="3"/>
+                                        </p:tgtEl>
+                                        <p:attrNameLst>
+                                          <p:attrName>ppt_y</p:attrName>
+                                        </p:attrNameLst>
+                                      </p:cBhvr>
+                                      <p:tavLst>
+                                        <p:tav tm="0">
+                                          <p:val>
+                                            <p:strVal val="1+#ppt_h/2"/>
+                                          </p:val>
+                                        </p:tav>
+                                        <p:tav tm="100000">
+                                          <p:val>
+                                            <p:strVal val="#ppt_y"/>
+                                          </p:val>
+                                        </p:tav>
+                                      </p:tavLst>
+                                    </p:anim>
+                                  </p:childTnLst>
+                                </p:cTn>
+                              </p:par>
+                            </p:childTnLst>
+                          </p:cTn>
+                        </p:par>
+                        <p:par>
+                          <p:cTn id="26" fill="hold">
+                            <p:stCondLst>
+                              <p:cond delay="3000"/>
+                            </p:stCondLst>
+                            <p:childTnLst>
+                              <p:par>
+                                <p:cTn id="27" presetID="2" presetClass="entr" presetSubtype="3" fill="hold" grpId="0" nodeType="afterEffect">
+                                  <p:stCondLst>
+                                    <p:cond delay="0"/>
+                                  </p:stCondLst>
+                                  <p:childTnLst>
+                                    <p:set>
+                                      <p:cBhvr>
+                                        <p:cTn id="28" dur="1" fill="hold">
+                                          <p:stCondLst>
+                                            <p:cond delay="0"/>
+                                          </p:stCondLst>
+                                        </p:cTn>
+                                        <p:tgtEl>
+                                          <p:spTgt spid="13"/>
+                                        </p:tgtEl>
+                                        <p:attrNameLst>
+                                          <p:attrName>style.visibility</p:attrName>
+                                        </p:attrNameLst>
+                                      </p:cBhvr>
+                                      <p:to>
+                                        <p:strVal val="visible"/>
+                                      </p:to>
+                                    </p:set>
+                                    <p:anim calcmode="lin" valueType="num">
+                                      <p:cBhvr additive="base">
+                                        <p:cTn id="29" dur="500" fill="hold"/>
+                                        <p:tgtEl>
+                                          <p:spTgt spid="13"/>
+                                        </p:tgtEl>
+                                        <p:attrNameLst>
+                                          <p:attrName>ppt_x</p:attrName>
+                                        </p:attrNameLst>
+                                      </p:cBhvr>
+                                      <p:tavLst>
+                                        <p:tav tm="0">
+                                          <p:val>
+                                            <p:strVal val="1+#ppt_w/2"/>
+                                          </p:val>
+                                        </p:tav>
+                                        <p:tav tm="100000">
+                                          <p:val>
+                                            <p:strVal val="#ppt_x"/>
+                                          </p:val>
+                                        </p:tav>
+                                      </p:tavLst>
+                                    </p:anim>
+                                    <p:anim calcmode="lin" valueType="num">
+                                      <p:cBhvr additive="base">
+                                        <p:cTn id="30" dur="500" fill="hold"/>
+                                        <p:tgtEl>
+                                          <p:spTgt spid="13"/>
+                                        </p:tgtEl>
+                                        <p:attrNameLst>
+                                          <p:attrName>ppt_y</p:attrName>
+                                        </p:attrNameLst>
+                                      </p:cBhvr>
+                                      <p:tavLst>
+                                        <p:tav tm="0">
+                                          <p:val>
+                                            <p:strVal val="0-#ppt_h/2"/>
+                                          </p:val>
+                                        </p:tav>
+                                        <p:tav tm="100000">
+                                          <p:val>
+                                            <p:strVal val="#ppt_y"/>
+                                          </p:val>
+                                        </p:tav>
+                                      </p:tavLst>
+                                    </p:anim>
+                                  </p:childTnLst>
+                                </p:cTn>
+                              </p:par>
+                            </p:childTnLst>
+                          </p:cTn>
+                        </p:par>
+                        <p:par>
+                          <p:cTn id="31" fill="hold">
+                            <p:stCondLst>
+                              <p:cond delay="3500"/>
+                            </p:stCondLst>
+                            <p:childTnLst>
+                              <p:par>
+                                <p:cTn id="32" presetID="2" presetClass="entr" presetSubtype="3" fill="hold" grpId="0" nodeType="afterEffect">
+                                  <p:stCondLst>
+                                    <p:cond delay="0"/>
+                                  </p:stCondLst>
+                                  <p:childTnLst>
+                                    <p:set>
+                                      <p:cBhvr>
+                                        <p:cTn id="33" dur="1" fill="hold">
+                                          <p:stCondLst>
+                                            <p:cond delay="0"/>
+                                          </p:stCondLst>
+                                        </p:cTn>
+                                        <p:tgtEl>
+                                          <p:spTgt spid="15"/>
+                                        </p:tgtEl>
+                                        <p:attrNameLst>
+                                          <p:attrName>style.visibility</p:attrName>
+                                        </p:attrNameLst>
+                                      </p:cBhvr>
+                                      <p:to>
+                                        <p:strVal val="visible"/>
+                                      </p:to>
+                                    </p:set>
+                                    <p:anim calcmode="lin" valueType="num">
+                                      <p:cBhvr additive="base">
+                                        <p:cTn id="34" dur="500" fill="hold"/>
+                                        <p:tgtEl>
+                                          <p:spTgt spid="15"/>
+                                        </p:tgtEl>
+                                        <p:attrNameLst>
+                                          <p:attrName>ppt_x</p:attrName>
+                                        </p:attrNameLst>
+                                      </p:cBhvr>
+                                      <p:tavLst>
+                                        <p:tav tm="0">
+                                          <p:val>
+                                            <p:strVal val="1+#ppt_w/2"/>
+                                          </p:val>
+                                        </p:tav>
+                                        <p:tav tm="100000">
+                                          <p:val>
+                                            <p:strVal val="#ppt_x"/>
+                                          </p:val>
+                                        </p:tav>
+                                      </p:tavLst>
+                                    </p:anim>
+                                    <p:anim calcmode="lin" valueType="num">
+                                      <p:cBhvr additive="base">
+                                        <p:cTn id="35" dur="500" fill="hold"/>
+                                        <p:tgtEl>
+                                          <p:spTgt spid="15"/>
+                                        </p:tgtEl>
+                                        <p:attrNameLst>
+                                          <p:attrName>ppt_y</p:attrName>
+                                        </p:attrNameLst>
+                                      </p:cBhvr>
+                                      <p:tavLst>
+                                        <p:tav tm="0">
+                                          <p:val>
+                                            <p:strVal val="0-#ppt_h/2"/>
+                                          </p:val>
+                                        </p:tav>
+                                        <p:tav tm="100000">
+                                          <p:val>
+                                            <p:strVal val="#ppt_y"/>
+                                          </p:val>
+                                        </p:tav>
+                                      </p:tavLst>
+                                    </p:anim>
+                                  </p:childTnLst>
+                                </p:cTn>
+                              </p:par>
+                            </p:childTnLst>
+                          </p:cTn>
+                        </p:par>
+                      </p:childTnLst>
+                    </p:cTn>
+                  </p:par>
+                  <p:par>
+                    <p:cTn id="36" fill="hold">
+                      <p:stCondLst>
+                        <p:cond delay="indefinite"/>
+                      </p:stCondLst>
+                      <p:childTnLst>
+                        <p:par>
+                          <p:cTn id="37" fill="hold">
+                            <p:stCondLst>
+                              <p:cond delay="0"/>
+                            </p:stCondLst>
+                            <p:childTnLst>
+                              <p:par>
+                                <p:cTn id="38" presetID="31" presetClass="entr" presetSubtype="0" fill="hold" nodeType="clickEffect">
+                                  <p:stCondLst>
+                                    <p:cond delay="0"/>
+                                  </p:stCondLst>
+                                  <p:childTnLst>
+                                    <p:set>
+                                      <p:cBhvr>
+                                        <p:cTn id="39" dur="1" fill="hold">
+                                          <p:stCondLst>
+                                            <p:cond delay="0"/>
+                                          </p:stCondLst>
+                                        </p:cTn>
+                                        <p:tgtEl>
+                                          <p:spTgt spid="5"/>
+                                        </p:tgtEl>
+                                        <p:attrNameLst>
+                                          <p:attrName>style.visibility</p:attrName>
+                                        </p:attrNameLst>
+                                      </p:cBhvr>
+                                      <p:to>
+                                        <p:strVal val="visible"/>
+                                      </p:to>
+                                    </p:set>
+                                    <p:anim calcmode="lin" valueType="num">
+                                      <p:cBhvr>
+                                        <p:cTn id="40" dur="1000" fill="hold"/>
+                                        <p:tgtEl>
+                                          <p:spTgt spid="5"/>
+                                        </p:tgtEl>
+                                        <p:attrNameLst>
+                                          <p:attrName>ppt_w</p:attrName>
+                                        </p:attrNameLst>
+                                      </p:cBhvr>
+                                      <p:tavLst>
+                                        <p:tav tm="0">
+                                          <p:val>
+                                            <p:fltVal val="0"/>
+                                          </p:val>
+                                        </p:tav>
+                                        <p:tav tm="100000">
+                                          <p:val>
+                                            <p:strVal val="#ppt_w"/>
+                                          </p:val>
+                                        </p:tav>
+                                      </p:tavLst>
+                                    </p:anim>
+                                    <p:anim calcmode="lin" valueType="num">
+                                      <p:cBhvr>
+                                        <p:cTn id="41" dur="1000" fill="hold"/>
+                                        <p:tgtEl>
+                                          <p:spTgt spid="5"/>
+                                        </p:tgtEl>
+                                        <p:attrNameLst>
+                                          <p:attrName>ppt_h</p:attrName>
+                                        </p:attrNameLst>
+                                      </p:cBhvr>
+                                      <p:tavLst>
+                                        <p:tav tm="0">
+                                          <p:val>
+                                            <p:fltVal val="0"/>
+                                          </p:val>
+                                        </p:tav>
+                                        <p:tav tm="100000">
+                                          <p:val>
+                                            <p:strVal val="#ppt_h"/>
+                                          </p:val>
+                                        </p:tav>
+                                      </p:tavLst>
+                                    </p:anim>
+                                    <p:anim calcmode="lin" valueType="num">
+                                      <p:cBhvr>
+                                        <p:cTn id="42" dur="1000" fill="hold"/>
+                                        <p:tgtEl>
+                                          <p:spTgt spid="5"/>
+                                        </p:tgtEl>
+                                        <p:attrNameLst>
+                                          <p:attrName>style.rotation</p:attrName>
+                                        </p:attrNameLst>
+                                      </p:cBhvr>
+                                      <p:tavLst>
+                                        <p:tav tm="0">
+                                          <p:val>
+                                            <p:fltVal val="90"/>
+                                          </p:val>
+                                        </p:tav>
+                                        <p:tav tm="100000">
+                                          <p:val>
+                                            <p:fltVal val="0"/>
+                                          </p:val>
+                                        </p:tav>
+                                      </p:tavLst>
+                                    </p:anim>
+                                    <p:animEffect transition="in" filter="fade">
+                                      <p:cBhvr>
+                                        <p:cTn id="43" dur="1000"/>
+                                        <p:tgtEl>
+                                          <p:spTgt spid="5"/>
+                                        </p:tgtEl>
+                                      </p:cBhvr>
+                                    </p:animEffect>
+                                  </p:childTnLst>
+                                </p:cTn>
+                              </p:par>
+                            </p:childTnLst>
+                          </p:cTn>
+                        </p:par>
+                      </p:childTnLst>
+                    </p:cTn>
+                  </p:par>
+                  <p:par>
+                    <p:cTn id="44" fill="hold">
+                      <p:stCondLst>
+                        <p:cond delay="indefinite"/>
+                      </p:stCondLst>
+                      <p:childTnLst>
+                        <p:par>
+                          <p:cTn id="45" fill="hold">
+                            <p:stCondLst>
+                              <p:cond delay="0"/>
+                            </p:stCondLst>
+                            <p:childTnLst>
+                              <p:par>
+                                <p:cTn id="46" presetID="1" presetClass="entr" presetSubtype="0" fill="hold" grpId="0" nodeType="clickEffect">
+                                  <p:stCondLst>
+                                    <p:cond delay="0"/>
+                                  </p:stCondLst>
+                                  <p:childTnLst>
+                                    <p:set>
+                                      <p:cBhvr>
+                                        <p:cTn id="47" dur="1" fill="hold">
+                                          <p:stCondLst>
+                                            <p:cond delay="0"/>
+                                          </p:stCondLst>
+                                        </p:cTn>
+                                        <p:tgtEl>
+                                          <p:spTgt spid="18"/>
+                                        </p:tgtEl>
+                                        <p:attrNameLst>
+                                          <p:attrName>style.visibility</p:attrName>
+                                        </p:attrNameLst>
+                                      </p:cBhvr>
+                                      <p:to>
+                                        <p:strVal val="visible"/>
+                                      </p:to>
+                                    </p:set>
+                                  </p:childTnLst>
+                                </p:cTn>
+                              </p:par>
+                            </p:childTnLst>
+                          </p:cTn>
+                        </p:par>
+                      </p:childTnLst>
+                    </p:cTn>
+                  </p:par>
+                  <p:par>
+                    <p:cTn id="48" fill="hold">
+                      <p:stCondLst>
+                        <p:cond delay="indefinite"/>
+                      </p:stCondLst>
+                      <p:childTnLst>
+                        <p:par>
+                          <p:cTn id="49" fill="hold">
+                            <p:stCondLst>
+                              <p:cond delay="0"/>
+                            </p:stCondLst>
+                            <p:childTnLst>
+                              <p:par>
+                                <p:cTn id="50" presetID="1" presetClass="entr" presetSubtype="0" fill="hold" grpId="0" nodeType="clickEffect">
+                                  <p:stCondLst>
+                                    <p:cond delay="0"/>
+                                  </p:stCondLst>
+                                  <p:childTnLst>
+                                    <p:set>
+                                      <p:cBhvr>
+                                        <p:cTn id="51" dur="1" fill="hold">
+                                          <p:stCondLst>
+                                            <p:cond delay="0"/>
+                                          </p:stCondLst>
+                                        </p:cTn>
+                                        <p:tgtEl>
+                                          <p:spTgt spid="16"/>
+                                        </p:tgtEl>
+                                        <p:attrNameLst>
+                                          <p:attrName>style.visibility</p:attrName>
+                                        </p:attrNameLst>
+                                      </p:cBhvr>
+                                      <p:to>
+                                        <p:strVal val="visible"/>
+                                      </p:to>
+                                    </p:set>
+                                  </p:childTnLst>
+                                </p:cTn>
+                              </p:par>
+                            </p:childTnLst>
+                          </p:cTn>
+                        </p:par>
+                      </p:childTnLst>
+                    </p:cTn>
+                  </p:par>
+                </p:childTnLst>
+              </p:cTn>
+              <p:prevCondLst>
+                <p:cond evt="onPrev" delay="0">
+                  <p:tgtEl>
+                    <p:sldTgt/>
+                  </p:tgtEl>
+                </p:cond>
+              </p:prevCondLst>
+              <p:nextCondLst>
+                <p:cond evt="onNext" delay="0">
+                  <p:tgtEl>
+                    <p:sldTgt/>
+                  </p:tgtEl>
+                </p:cond>
+              </p:nextCondLst>
+            </p:seq>
+          </p:childTnLst>
+        </p:cTn>
+      </p:par>
+    </p:tnLst>
+    <p:bldLst>
+      <p:bldP spid="8" grpId="0" animBg="1"/>
+      <p:bldP spid="12" grpId="0" animBg="1"/>
+      <p:bldP spid="13" grpId="0" animBg="1"/>
+      <p:bldP spid="14" grpId="0" animBg="1"/>
+      <p:bldP spid="3" grpId="0" animBg="1"/>
+      <p:bldP spid="15" grpId="0" animBg="1"/>
+      <p:bldP spid="18" grpId="0" animBg="1"/>
+      <p:bldP spid="16" grpId="0" animBg="1"/>
+    </p:bldLst>
+  </p:timing>
+</p:sld>
+</file>
+
+<file path=ppt/slides/slide12.xml><?xml version="1.0" encoding="utf-8"?>
+<p:sld xmlns:a="http://schemas.openxmlformats.org/drawingml/2006/main" xmlns:r="http://schemas.openxmlformats.org/officeDocument/2006/relationships" xmlns:p="http://schemas.openxmlformats.org/presentationml/2006/main">
+  <p:cSld>
+    <p:spTree>
+      <p:nvGrpSpPr>
+        <p:cNvPr id="1" name=""/>
+        <p:cNvGrpSpPr/>
+        <p:nvPr/>
+      </p:nvGrpSpPr>
+      <p:grpSpPr>
+        <a:xfrm>
+          <a:off x="0" y="0"/>
+          <a:ext cx="0" cy="0"/>
+          <a:chOff x="0" y="0"/>
+          <a:chExt cx="0" cy="0"/>
+        </a:xfrm>
+      </p:grpSpPr>
+      <p:pic>
+        <p:nvPicPr>
+          <p:cNvPr id="88" name="Picture 87"/>
+          <p:cNvPicPr>
+            <a:picLocks noChangeAspect="1"/>
+          </p:cNvPicPr>
+          <p:nvPr/>
+        </p:nvPicPr>
+        <p:blipFill>
+          <a:blip r:embed="rId2"/>
+          <a:stretch>
+            <a:fillRect/>
+          </a:stretch>
+        </p:blipFill>
+        <p:spPr>
+          <a:xfrm>
+            <a:off x="-12722" y="-286834"/>
+            <a:ext cx="12217443" cy="7431668"/>
+          </a:xfrm>
+          <a:prstGeom prst="rect">
+            <a:avLst/>
+          </a:prstGeom>
+        </p:spPr>
+      </p:pic>
+    </p:spTree>
+    <p:extLst>
+      <p:ext uri="{BB962C8B-B14F-4D97-AF65-F5344CB8AC3E}">
+        <p14:creationId xmlns:p14="http://schemas.microsoft.com/office/powerpoint/2010/main" val="51019777"/>
+      </p:ext>
+    </p:extLst>
+  </p:cSld>
+  <p:clrMapOvr>
+    <a:masterClrMapping/>
+  </p:clrMapOvr>
+</p:sld>
+</file>
+
+<file path=ppt/slides/slide13.xml><?xml version="1.0" encoding="utf-8"?>
+<p:sld xmlns:a="http://schemas.openxmlformats.org/drawingml/2006/main" xmlns:r="http://schemas.openxmlformats.org/officeDocument/2006/relationships" xmlns:p="http://schemas.openxmlformats.org/presentationml/2006/main">
+  <p:cSld>
+    <p:spTree>
+      <p:nvGrpSpPr>
+        <p:cNvPr id="1" name=""/>
+        <p:cNvGrpSpPr/>
+        <p:nvPr/>
+      </p:nvGrpSpPr>
+      <p:grpSpPr>
+        <a:xfrm>
+          <a:off x="0" y="0"/>
+          <a:ext cx="0" cy="0"/>
+          <a:chOff x="0" y="0"/>
+          <a:chExt cx="0" cy="0"/>
+        </a:xfrm>
+      </p:grpSpPr>
+      <p:pic>
+        <p:nvPicPr>
+          <p:cNvPr id="17" name="Picture 16"/>
+          <p:cNvPicPr>
+            <a:picLocks noChangeAspect="1"/>
+          </p:cNvPicPr>
+          <p:nvPr/>
+        </p:nvPicPr>
+        <p:blipFill>
+          <a:blip r:embed="rId2"/>
+          <a:stretch>
+            <a:fillRect/>
+          </a:stretch>
+        </p:blipFill>
+        <p:spPr>
+          <a:xfrm>
+            <a:off x="0" y="-194898"/>
+            <a:ext cx="12266215" cy="6450127"/>
+          </a:xfrm>
+          <a:prstGeom prst="rect">
+            <a:avLst/>
+          </a:prstGeom>
+        </p:spPr>
+      </p:pic>
+    </p:spTree>
+    <p:extLst>
+      <p:ext uri="{BB962C8B-B14F-4D97-AF65-F5344CB8AC3E}">
+        <p14:creationId xmlns:p14="http://schemas.microsoft.com/office/powerpoint/2010/main" val="3101685294"/>
+      </p:ext>
+    </p:extLst>
+  </p:cSld>
+  <p:clrMapOvr>
+    <a:masterClrMapping/>
+  </p:clrMapOvr>
 </p:sld>
 </file>
 
@@ -16551,6 +20036,533 @@
       </p:grpSpPr>
       <p:sp>
         <p:nvSpPr>
+          <p:cNvPr id="2" name="Title 1"/>
+          <p:cNvSpPr>
+            <a:spLocks noGrp="1"/>
+          </p:cNvSpPr>
+          <p:nvPr>
+            <p:ph type="title"/>
+          </p:nvPr>
+        </p:nvSpPr>
+        <p:spPr/>
+        <p:txBody>
+          <a:bodyPr/>
+          <a:lstStyle/>
+          <a:p>
+            <a:r>
+              <a:rPr lang="en-US" dirty="0"/>
+              <a:t>Affinity/</a:t>
+            </a:r>
+            <a:r>
+              <a:rPr lang="en-US" dirty="0" err="1"/>
+              <a:t>AntiAffinity</a:t>
+            </a:r>
+            <a:r>
+              <a:rPr lang="en-US" dirty="0"/>
+              <a:t> variants</a:t>
+            </a:r>
+          </a:p>
+        </p:txBody>
+      </p:sp>
+      <p:sp>
+        <p:nvSpPr>
+          <p:cNvPr id="3" name="Content Placeholder 2"/>
+          <p:cNvSpPr>
+            <a:spLocks noGrp="1"/>
+          </p:cNvSpPr>
+          <p:nvPr>
+            <p:ph idx="1"/>
+          </p:nvPr>
+        </p:nvSpPr>
+        <p:spPr/>
+        <p:txBody>
+          <a:bodyPr/>
+          <a:lstStyle/>
+          <a:p>
+            <a:r>
+              <a:rPr lang="en-US" dirty="0" err="1"/>
+              <a:t>preferredDuringSchedulingIgnoredDuringExecution</a:t>
+            </a:r>
+            <a:endParaRPr lang="en-US" dirty="0"/>
+          </a:p>
+          <a:p>
+            <a:r>
+              <a:rPr lang="en-US" dirty="0" err="1"/>
+              <a:t>requiredDuringSchedulingIgnoredDuringExecution</a:t>
+            </a:r>
+            <a:endParaRPr lang="en-US" dirty="0"/>
+          </a:p>
+          <a:p>
+            <a:r>
+              <a:rPr lang="en-US" dirty="0" err="1"/>
+              <a:t>requiredDuringScheduling</a:t>
+            </a:r>
+            <a:r>
+              <a:rPr lang="en-US" b="1" dirty="0" err="1"/>
+              <a:t>RequiredDuringExecution</a:t>
+            </a:r>
+            <a:r>
+              <a:rPr lang="en-US" dirty="0"/>
+              <a:t> – Future plans</a:t>
+            </a:r>
+          </a:p>
+          <a:p>
+            <a:r>
+              <a:rPr lang="en-US" dirty="0" err="1"/>
+              <a:t>preferredDuringScheduling</a:t>
+            </a:r>
+            <a:r>
+              <a:rPr lang="en-US" b="1" dirty="0" err="1"/>
+              <a:t>RequiredDuringExecution</a:t>
+            </a:r>
+            <a:r>
+              <a:rPr lang="en-US" b="1" dirty="0"/>
+              <a:t> </a:t>
+            </a:r>
+            <a:r>
+              <a:rPr lang="en-US" dirty="0"/>
+              <a:t>– Not in Kubernetes documentation</a:t>
+            </a:r>
+          </a:p>
+          <a:p>
+            <a:endParaRPr lang="en-US" dirty="0"/>
+          </a:p>
+        </p:txBody>
+      </p:sp>
+    </p:spTree>
+    <p:extLst>
+      <p:ext uri="{BB962C8B-B14F-4D97-AF65-F5344CB8AC3E}">
+        <p14:creationId xmlns:p14="http://schemas.microsoft.com/office/powerpoint/2010/main" val="68020620"/>
+      </p:ext>
+    </p:extLst>
+  </p:cSld>
+  <p:clrMapOvr>
+    <a:masterClrMapping/>
+  </p:clrMapOvr>
+</p:sld>
+</file>
+
+<file path=ppt/slides/slide7.xml><?xml version="1.0" encoding="utf-8"?>
+<p:sld xmlns:a="http://schemas.openxmlformats.org/drawingml/2006/main" xmlns:r="http://schemas.openxmlformats.org/officeDocument/2006/relationships" xmlns:p="http://schemas.openxmlformats.org/presentationml/2006/main">
+  <p:cSld>
+    <p:spTree>
+      <p:nvGrpSpPr>
+        <p:cNvPr id="1" name=""/>
+        <p:cNvGrpSpPr/>
+        <p:nvPr/>
+      </p:nvGrpSpPr>
+      <p:grpSpPr>
+        <a:xfrm>
+          <a:off x="0" y="0"/>
+          <a:ext cx="0" cy="0"/>
+          <a:chOff x="0" y="0"/>
+          <a:chExt cx="0" cy="0"/>
+        </a:xfrm>
+      </p:grpSpPr>
+      <p:sp>
+        <p:nvSpPr>
+          <p:cNvPr id="2" name="Title 1"/>
+          <p:cNvSpPr>
+            <a:spLocks noGrp="1"/>
+          </p:cNvSpPr>
+          <p:nvPr>
+            <p:ph type="title"/>
+          </p:nvPr>
+        </p:nvSpPr>
+        <p:spPr/>
+        <p:txBody>
+          <a:bodyPr/>
+          <a:lstStyle/>
+          <a:p>
+            <a:r>
+              <a:rPr lang="en-US" dirty="0"/>
+              <a:t>Pod Affinity/</a:t>
+            </a:r>
+            <a:r>
+              <a:rPr lang="en-US" dirty="0" err="1"/>
+              <a:t>AntiAffinity</a:t>
+            </a:r>
+            <a:r>
+              <a:rPr lang="en-US" dirty="0"/>
+              <a:t> Operators</a:t>
+            </a:r>
+          </a:p>
+        </p:txBody>
+      </p:sp>
+      <p:sp>
+        <p:nvSpPr>
+          <p:cNvPr id="3" name="Content Placeholder 2"/>
+          <p:cNvSpPr>
+            <a:spLocks noGrp="1"/>
+          </p:cNvSpPr>
+          <p:nvPr>
+            <p:ph idx="1"/>
+          </p:nvPr>
+        </p:nvSpPr>
+        <p:spPr/>
+        <p:txBody>
+          <a:bodyPr/>
+          <a:lstStyle/>
+          <a:p>
+            <a:r>
+              <a:rPr lang="en-US" altLang="en-US" b="1" dirty="0">
+                <a:solidFill>
+                  <a:srgbClr val="222222"/>
+                </a:solidFill>
+                <a:latin typeface="SFMono-Regular"/>
+              </a:rPr>
+              <a:t>In</a:t>
+            </a:r>
+            <a:r>
+              <a:rPr lang="en-US" altLang="en-US" dirty="0">
+                <a:solidFill>
+                  <a:srgbClr val="222222"/>
+                </a:solidFill>
+                <a:latin typeface="SFMono-Regular"/>
+              </a:rPr>
+              <a:t> – Our example “class </a:t>
+            </a:r>
+            <a:r>
+              <a:rPr lang="en-US" altLang="en-US" b="1" dirty="0">
+                <a:solidFill>
+                  <a:srgbClr val="222222"/>
+                </a:solidFill>
+                <a:latin typeface="SFMono-Regular"/>
+              </a:rPr>
+              <a:t>In</a:t>
+            </a:r>
+            <a:r>
+              <a:rPr lang="en-US" altLang="en-US" dirty="0">
+                <a:solidFill>
+                  <a:srgbClr val="222222"/>
+                </a:solidFill>
+                <a:latin typeface="SFMono-Regular"/>
+              </a:rPr>
+              <a:t> economy”</a:t>
+            </a:r>
+          </a:p>
+          <a:p>
+            <a:r>
+              <a:rPr lang="en-US" altLang="en-US" b="1" dirty="0" err="1">
+                <a:solidFill>
+                  <a:srgbClr val="222222"/>
+                </a:solidFill>
+                <a:latin typeface="SFMono-Regular"/>
+              </a:rPr>
+              <a:t>NotIn</a:t>
+            </a:r>
+            <a:endParaRPr lang="en-US" altLang="en-US" b="1" dirty="0">
+              <a:solidFill>
+                <a:srgbClr val="222222"/>
+              </a:solidFill>
+              <a:latin typeface="SFMono-Regular"/>
+            </a:endParaRPr>
+          </a:p>
+          <a:p>
+            <a:r>
+              <a:rPr lang="en-US" altLang="en-US" b="1" dirty="0">
+                <a:solidFill>
+                  <a:srgbClr val="222222"/>
+                </a:solidFill>
+                <a:latin typeface="SFMono-Regular"/>
+              </a:rPr>
+              <a:t>Exists</a:t>
+            </a:r>
+          </a:p>
+          <a:p>
+            <a:r>
+              <a:rPr lang="en-US" altLang="en-US" b="1" dirty="0" err="1">
+                <a:solidFill>
+                  <a:srgbClr val="222222"/>
+                </a:solidFill>
+                <a:latin typeface="SFMono-Regular"/>
+              </a:rPr>
+              <a:t>DoesNotExist</a:t>
+            </a:r>
+            <a:r>
+              <a:rPr lang="en-US" altLang="en-US" b="1" dirty="0"/>
+              <a:t> </a:t>
+            </a:r>
+            <a:endParaRPr lang="en-US" altLang="en-US" b="1" dirty="0">
+              <a:latin typeface="Arial" panose="020B0604020202020204" pitchFamily="34" charset="0"/>
+            </a:endParaRPr>
+          </a:p>
+          <a:p>
+            <a:pPr marL="0" indent="0">
+              <a:buNone/>
+            </a:pPr>
+            <a:endParaRPr lang="en-US" dirty="0"/>
+          </a:p>
+        </p:txBody>
+      </p:sp>
+    </p:spTree>
+    <p:extLst>
+      <p:ext uri="{BB962C8B-B14F-4D97-AF65-F5344CB8AC3E}">
+        <p14:creationId xmlns:p14="http://schemas.microsoft.com/office/powerpoint/2010/main" val="927722335"/>
+      </p:ext>
+    </p:extLst>
+  </p:cSld>
+  <p:clrMapOvr>
+    <a:masterClrMapping/>
+  </p:clrMapOvr>
+</p:sld>
+</file>
+
+<file path=ppt/slides/slide8.xml><?xml version="1.0" encoding="utf-8"?>
+<p:sld xmlns:a="http://schemas.openxmlformats.org/drawingml/2006/main" xmlns:r="http://schemas.openxmlformats.org/officeDocument/2006/relationships" xmlns:p="http://schemas.openxmlformats.org/presentationml/2006/main">
+  <p:cSld>
+    <p:spTree>
+      <p:nvGrpSpPr>
+        <p:cNvPr id="1" name=""/>
+        <p:cNvGrpSpPr/>
+        <p:nvPr/>
+      </p:nvGrpSpPr>
+      <p:grpSpPr>
+        <a:xfrm>
+          <a:off x="0" y="0"/>
+          <a:ext cx="0" cy="0"/>
+          <a:chOff x="0" y="0"/>
+          <a:chExt cx="0" cy="0"/>
+        </a:xfrm>
+      </p:grpSpPr>
+      <p:sp>
+        <p:nvSpPr>
+          <p:cNvPr id="2" name="Title 1"/>
+          <p:cNvSpPr>
+            <a:spLocks noGrp="1"/>
+          </p:cNvSpPr>
+          <p:nvPr>
+            <p:ph type="title"/>
+          </p:nvPr>
+        </p:nvSpPr>
+        <p:spPr/>
+        <p:txBody>
+          <a:bodyPr/>
+          <a:lstStyle/>
+          <a:p>
+            <a:r>
+              <a:rPr lang="en-US" sz="3600" dirty="0"/>
+              <a:t>Topology Key – Our example -&gt;</a:t>
+            </a:r>
+            <a:r>
+              <a:rPr lang="en-US" dirty="0"/>
+              <a:t> </a:t>
+            </a:r>
+            <a:r>
+              <a:rPr lang="en-US" sz="2800" b="1" dirty="0"/>
+              <a:t>kubernetes.io/hostname</a:t>
+            </a:r>
+            <a:endParaRPr lang="en-US" b="1" dirty="0"/>
+          </a:p>
+        </p:txBody>
+      </p:sp>
+      <p:sp>
+        <p:nvSpPr>
+          <p:cNvPr id="3" name="Content Placeholder 2"/>
+          <p:cNvSpPr>
+            <a:spLocks noGrp="1"/>
+          </p:cNvSpPr>
+          <p:nvPr>
+            <p:ph idx="1"/>
+          </p:nvPr>
+        </p:nvSpPr>
+        <p:spPr/>
+        <p:txBody>
+          <a:bodyPr>
+            <a:normAutofit fontScale="85000" lnSpcReduction="20000"/>
+          </a:bodyPr>
+          <a:lstStyle/>
+          <a:p>
+            <a:pPr marL="0" indent="0">
+              <a:buNone/>
+            </a:pPr>
+            <a:r>
+              <a:rPr lang="en-US" dirty="0"/>
+              <a:t>In principle, the </a:t>
+            </a:r>
+            <a:r>
+              <a:rPr lang="en-US" dirty="0" err="1"/>
+              <a:t>topologyKey</a:t>
+            </a:r>
+            <a:r>
+              <a:rPr lang="en-US" dirty="0"/>
+              <a:t> can be any legal label-key. However, for performance and security reasons, there are some constraints on </a:t>
+            </a:r>
+            <a:r>
+              <a:rPr lang="en-US" dirty="0" err="1"/>
+              <a:t>topologyKey</a:t>
+            </a:r>
+            <a:r>
+              <a:rPr lang="en-US" dirty="0"/>
+              <a:t>:</a:t>
+            </a:r>
+          </a:p>
+          <a:p>
+            <a:r>
+              <a:rPr lang="en-US" dirty="0"/>
+              <a:t>For pod affinity, empty </a:t>
+            </a:r>
+            <a:r>
+              <a:rPr lang="en-US" dirty="0" err="1"/>
+              <a:t>topologyKey</a:t>
+            </a:r>
+            <a:r>
+              <a:rPr lang="en-US" dirty="0"/>
+              <a:t> is not allowed in both </a:t>
+            </a:r>
+            <a:r>
+              <a:rPr lang="en-US" dirty="0" err="1"/>
+              <a:t>requiredDuringSchedulingIgnoredDuringExecution</a:t>
+            </a:r>
+            <a:r>
+              <a:rPr lang="en-US" dirty="0"/>
+              <a:t> and </a:t>
+            </a:r>
+            <a:r>
+              <a:rPr lang="en-US" dirty="0" err="1"/>
+              <a:t>preferredDuringSchedulingIgnoredDuringExecution</a:t>
+            </a:r>
+            <a:r>
+              <a:rPr lang="en-US" dirty="0"/>
+              <a:t>.</a:t>
+            </a:r>
+          </a:p>
+          <a:p>
+            <a:r>
+              <a:rPr lang="en-US" dirty="0"/>
+              <a:t>For pod anti-affinity, empty </a:t>
+            </a:r>
+            <a:r>
+              <a:rPr lang="en-US" dirty="0" err="1"/>
+              <a:t>topologyKey</a:t>
+            </a:r>
+            <a:r>
+              <a:rPr lang="en-US" dirty="0"/>
+              <a:t> is also not allowed in both </a:t>
+            </a:r>
+            <a:r>
+              <a:rPr lang="en-US" dirty="0" err="1"/>
+              <a:t>requiredDuringSchedulingIgnoredDuringExecution</a:t>
+            </a:r>
+            <a:r>
+              <a:rPr lang="en-US" dirty="0"/>
+              <a:t> and </a:t>
+            </a:r>
+            <a:r>
+              <a:rPr lang="en-US" dirty="0" err="1"/>
+              <a:t>preferredDuringSchedulingIgnoredDuringExecution</a:t>
+            </a:r>
+            <a:r>
+              <a:rPr lang="en-US" dirty="0"/>
+              <a:t>.</a:t>
+            </a:r>
+          </a:p>
+          <a:p>
+            <a:r>
+              <a:rPr lang="en-US" dirty="0"/>
+              <a:t>For </a:t>
+            </a:r>
+            <a:r>
+              <a:rPr lang="en-US" dirty="0" err="1"/>
+              <a:t>requiredDuringSchedulingIgnoredDuringExecution</a:t>
+            </a:r>
+            <a:r>
+              <a:rPr lang="en-US" dirty="0"/>
+              <a:t> pod anti-affinity, the admission controller </a:t>
+            </a:r>
+            <a:r>
+              <a:rPr lang="en-US" dirty="0" err="1"/>
+              <a:t>LimitPodHardAntiAffinityTopology</a:t>
+            </a:r>
+            <a:r>
+              <a:rPr lang="en-US" dirty="0"/>
+              <a:t> was introduced to limit </a:t>
+            </a:r>
+            <a:r>
+              <a:rPr lang="en-US" dirty="0" err="1"/>
+              <a:t>topologyKey</a:t>
+            </a:r>
+            <a:r>
+              <a:rPr lang="en-US" dirty="0"/>
+              <a:t> to kubernetes.io/hostname. If you want to make it available for custom topologies, you may modify the admission controller, or simply disable it.</a:t>
+            </a:r>
+          </a:p>
+          <a:p>
+            <a:r>
+              <a:rPr lang="en-US" dirty="0"/>
+              <a:t>Except for the above cases, the </a:t>
+            </a:r>
+            <a:r>
+              <a:rPr lang="en-US" dirty="0" err="1"/>
+              <a:t>topologyKey</a:t>
+            </a:r>
+            <a:r>
+              <a:rPr lang="en-US" dirty="0"/>
+              <a:t> can be any legal label-key.</a:t>
+            </a:r>
+          </a:p>
+        </p:txBody>
+      </p:sp>
+      <p:sp>
+        <p:nvSpPr>
+          <p:cNvPr id="6" name="Rectangle 5"/>
+          <p:cNvSpPr/>
+          <p:nvPr/>
+        </p:nvSpPr>
+        <p:spPr>
+          <a:xfrm>
+            <a:off x="838200" y="6311900"/>
+            <a:ext cx="10706100" cy="369332"/>
+          </a:xfrm>
+          <a:prstGeom prst="rect">
+            <a:avLst/>
+          </a:prstGeom>
+        </p:spPr>
+        <p:txBody>
+          <a:bodyPr wrap="square">
+            <a:spAutoFit/>
+          </a:bodyPr>
+          <a:lstStyle/>
+          <a:p>
+            <a:r>
+              <a:rPr lang="en-US" dirty="0"/>
+              <a:t>Ref: https://kubernetes.io/docs/concepts/scheduling-eviction/assign-pod-node/</a:t>
+            </a:r>
+          </a:p>
+        </p:txBody>
+      </p:sp>
+    </p:spTree>
+    <p:extLst>
+      <p:ext uri="{BB962C8B-B14F-4D97-AF65-F5344CB8AC3E}">
+        <p14:creationId xmlns:p14="http://schemas.microsoft.com/office/powerpoint/2010/main" val="369524712"/>
+      </p:ext>
+    </p:extLst>
+  </p:cSld>
+  <p:clrMapOvr>
+    <a:masterClrMapping/>
+  </p:clrMapOvr>
+</p:sld>
+</file>
+
+<file path=ppt/slides/slide9.xml><?xml version="1.0" encoding="utf-8"?>
+<p:sld xmlns:a="http://schemas.openxmlformats.org/drawingml/2006/main" xmlns:r="http://schemas.openxmlformats.org/officeDocument/2006/relationships" xmlns:p="http://schemas.openxmlformats.org/presentationml/2006/main">
+  <p:cSld>
+    <p:spTree>
+      <p:nvGrpSpPr>
+        <p:cNvPr id="1" name=""/>
+        <p:cNvGrpSpPr/>
+        <p:nvPr/>
+      </p:nvGrpSpPr>
+      <p:grpSpPr>
+        <a:xfrm>
+          <a:off x="0" y="0"/>
+          <a:ext cx="0" cy="0"/>
+          <a:chOff x="0" y="0"/>
+          <a:chExt cx="0" cy="0"/>
+        </a:xfrm>
+      </p:grpSpPr>
+      <p:sp>
+        <p:nvSpPr>
           <p:cNvPr id="8" name="Rectangle: Top Corners Rounded 7">
             <a:extLst>
               <a:ext uri="{FF2B5EF4-FFF2-40B4-BE49-F238E27FC236}">
@@ -16871,7 +20883,7 @@
                 <a14:useLocalDpi xmlns:a14="http://schemas.microsoft.com/office/drawing/2010/main" val="0"/>
               </a:ext>
               <a:ext uri="{96DAC541-7B7A-43D3-8B79-37D633B846F1}">
-                <asvg:svgBlip xmlns:asvg="http://schemas.microsoft.com/office/drawing/2016/SVG/main" r:embed="rId3"/>
+                <asvg:svgBlip xmlns:asvg="http://schemas.microsoft.com/office/drawing/2016/SVG/main" xmlns="" r:embed="rId3"/>
               </a:ext>
             </a:extLst>
           </a:blip>
@@ -17006,7 +21018,7 @@
                 <a14:useLocalDpi xmlns:a14="http://schemas.microsoft.com/office/drawing/2010/main" val="0"/>
               </a:ext>
               <a:ext uri="{96DAC541-7B7A-43D3-8B79-37D633B846F1}">
-                <asvg:svgBlip xmlns:asvg="http://schemas.microsoft.com/office/drawing/2016/SVG/main" r:embed="rId5"/>
+                <asvg:svgBlip xmlns:asvg="http://schemas.microsoft.com/office/drawing/2016/SVG/main" xmlns="" r:embed="rId5"/>
               </a:ext>
             </a:extLst>
           </a:blip>
@@ -18136,3373 +22148,6 @@
 </p:sld>
 </file>
 
-<file path=ppt/slides/slide7.xml><?xml version="1.0" encoding="utf-8"?>
-<p:sld xmlns:a="http://schemas.openxmlformats.org/drawingml/2006/main" xmlns:r="http://schemas.openxmlformats.org/officeDocument/2006/relationships" xmlns:p="http://schemas.openxmlformats.org/presentationml/2006/main">
-  <p:cSld>
-    <p:spTree>
-      <p:nvGrpSpPr>
-        <p:cNvPr id="1" name=""/>
-        <p:cNvGrpSpPr/>
-        <p:nvPr/>
-      </p:nvGrpSpPr>
-      <p:grpSpPr>
-        <a:xfrm>
-          <a:off x="0" y="0"/>
-          <a:ext cx="0" cy="0"/>
-          <a:chOff x="0" y="0"/>
-          <a:chExt cx="0" cy="0"/>
-        </a:xfrm>
-      </p:grpSpPr>
-      <p:sp>
-        <p:nvSpPr>
-          <p:cNvPr id="8" name="Rectangle: Top Corners Rounded 7">
-            <a:extLst>
-              <a:ext uri="{FF2B5EF4-FFF2-40B4-BE49-F238E27FC236}">
-                <a16:creationId xmlns:a16="http://schemas.microsoft.com/office/drawing/2014/main" id="{ABBFE5DA-7F3C-4A74-A505-0494BB43A11E}"/>
-              </a:ext>
-            </a:extLst>
-          </p:cNvPr>
-          <p:cNvSpPr/>
-          <p:nvPr/>
-        </p:nvSpPr>
-        <p:spPr>
-          <a:xfrm>
-            <a:off x="3925776" y="883224"/>
-            <a:ext cx="4340448" cy="583037"/>
-          </a:xfrm>
-          <a:prstGeom prst="round2SameRect">
-            <a:avLst/>
-          </a:prstGeom>
-          <a:solidFill>
-            <a:schemeClr val="accent1">
-              <a:lumMod val="50000"/>
-            </a:schemeClr>
-          </a:solidFill>
-        </p:spPr>
-        <p:style>
-          <a:lnRef idx="2">
-            <a:schemeClr val="accent6">
-              <a:shade val="50000"/>
-            </a:schemeClr>
-          </a:lnRef>
-          <a:fillRef idx="1">
-            <a:schemeClr val="accent6"/>
-          </a:fillRef>
-          <a:effectRef idx="0">
-            <a:schemeClr val="accent6"/>
-          </a:effectRef>
-          <a:fontRef idx="minor">
-            <a:schemeClr val="lt1"/>
-          </a:fontRef>
-        </p:style>
-        <p:txBody>
-          <a:bodyPr rtlCol="0" anchor="ctr"/>
-          <a:lstStyle/>
-          <a:p>
-            <a:pPr algn="ctr"/>
-            <a:r>
-              <a:rPr lang="en-US" sz="3600" b="1" dirty="0">
-                <a:solidFill>
-                  <a:schemeClr val="bg1"/>
-                </a:solidFill>
-              </a:rPr>
-              <a:t>POD</a:t>
-            </a:r>
-          </a:p>
-        </p:txBody>
-      </p:sp>
-      <p:sp>
-        <p:nvSpPr>
-          <p:cNvPr id="12" name="Rectangle 11">
-            <a:extLst>
-              <a:ext uri="{FF2B5EF4-FFF2-40B4-BE49-F238E27FC236}">
-                <a16:creationId xmlns:a16="http://schemas.microsoft.com/office/drawing/2014/main" id="{FA4FF112-B096-46AE-87D8-63AD94B39A25}"/>
-              </a:ext>
-            </a:extLst>
-          </p:cNvPr>
-          <p:cNvSpPr/>
-          <p:nvPr/>
-        </p:nvSpPr>
-        <p:spPr>
-          <a:xfrm>
-            <a:off x="3925776" y="1454426"/>
-            <a:ext cx="4340448" cy="4222806"/>
-          </a:xfrm>
-          <a:prstGeom prst="rect">
-            <a:avLst/>
-          </a:prstGeom>
-          <a:solidFill>
-            <a:srgbClr val="00B0F0"/>
-          </a:solidFill>
-        </p:spPr>
-        <p:style>
-          <a:lnRef idx="2">
-            <a:schemeClr val="accent6">
-              <a:shade val="50000"/>
-            </a:schemeClr>
-          </a:lnRef>
-          <a:fillRef idx="1">
-            <a:schemeClr val="accent6"/>
-          </a:fillRef>
-          <a:effectRef idx="0">
-            <a:schemeClr val="accent6"/>
-          </a:effectRef>
-          <a:fontRef idx="minor">
-            <a:schemeClr val="lt1"/>
-          </a:fontRef>
-        </p:style>
-        <p:txBody>
-          <a:bodyPr rtlCol="0" anchor="ctr"/>
-          <a:lstStyle/>
-          <a:p>
-            <a:pPr algn="ctr"/>
-            <a:endParaRPr lang="en-US" sz="1400" dirty="0">
-              <a:solidFill>
-                <a:schemeClr val="bg1"/>
-              </a:solidFill>
-            </a:endParaRPr>
-          </a:p>
-        </p:txBody>
-      </p:sp>
-      <p:sp>
-        <p:nvSpPr>
-          <p:cNvPr id="13" name="Rectangle: Diagonal Corners Snipped 12">
-            <a:extLst>
-              <a:ext uri="{FF2B5EF4-FFF2-40B4-BE49-F238E27FC236}">
-                <a16:creationId xmlns:a16="http://schemas.microsoft.com/office/drawing/2014/main" id="{B331BFEF-7990-4362-A973-44EC5C4353BB}"/>
-              </a:ext>
-            </a:extLst>
-          </p:cNvPr>
-          <p:cNvSpPr/>
-          <p:nvPr/>
-        </p:nvSpPr>
-        <p:spPr>
-          <a:xfrm>
-            <a:off x="5967213" y="1718807"/>
-            <a:ext cx="2263471" cy="2050111"/>
-          </a:xfrm>
-          <a:prstGeom prst="snip2DiagRect">
-            <a:avLst/>
-          </a:prstGeom>
-        </p:spPr>
-        <p:style>
-          <a:lnRef idx="2">
-            <a:schemeClr val="accent1">
-              <a:shade val="50000"/>
-            </a:schemeClr>
-          </a:lnRef>
-          <a:fillRef idx="1">
-            <a:schemeClr val="accent1"/>
-          </a:fillRef>
-          <a:effectRef idx="0">
-            <a:schemeClr val="accent1"/>
-          </a:effectRef>
-          <a:fontRef idx="minor">
-            <a:schemeClr val="lt1"/>
-          </a:fontRef>
-        </p:style>
-        <p:txBody>
-          <a:bodyPr rtlCol="0" anchor="ctr"/>
-          <a:lstStyle/>
-          <a:p>
-            <a:pPr algn="ctr"/>
-            <a:endParaRPr lang="en-US"/>
-          </a:p>
-        </p:txBody>
-      </p:sp>
-      <p:sp>
-        <p:nvSpPr>
-          <p:cNvPr id="14" name="Rectangle: Diagonal Corners Snipped 13">
-            <a:extLst>
-              <a:ext uri="{FF2B5EF4-FFF2-40B4-BE49-F238E27FC236}">
-                <a16:creationId xmlns:a16="http://schemas.microsoft.com/office/drawing/2014/main" id="{4D758210-DF13-49D5-93CB-31DB0E6BDF25}"/>
-              </a:ext>
-            </a:extLst>
-          </p:cNvPr>
-          <p:cNvSpPr/>
-          <p:nvPr/>
-        </p:nvSpPr>
-        <p:spPr>
-          <a:xfrm>
-            <a:off x="3992880" y="3578087"/>
-            <a:ext cx="2263471" cy="2050111"/>
-          </a:xfrm>
-          <a:prstGeom prst="snip2DiagRect">
-            <a:avLst/>
-          </a:prstGeom>
-        </p:spPr>
-        <p:style>
-          <a:lnRef idx="2">
-            <a:schemeClr val="accent1">
-              <a:shade val="50000"/>
-            </a:schemeClr>
-          </a:lnRef>
-          <a:fillRef idx="1">
-            <a:schemeClr val="accent1"/>
-          </a:fillRef>
-          <a:effectRef idx="0">
-            <a:schemeClr val="accent1"/>
-          </a:effectRef>
-          <a:fontRef idx="minor">
-            <a:schemeClr val="lt1"/>
-          </a:fontRef>
-        </p:style>
-        <p:txBody>
-          <a:bodyPr rtlCol="0" anchor="ctr"/>
-          <a:lstStyle/>
-          <a:p>
-            <a:pPr algn="ctr"/>
-            <a:endParaRPr lang="en-US"/>
-          </a:p>
-        </p:txBody>
-      </p:sp>
-      <p:sp>
-        <p:nvSpPr>
-          <p:cNvPr id="3" name="Rectangle: Top Corners One Rounded and One Snipped 2">
-            <a:extLst>
-              <a:ext uri="{FF2B5EF4-FFF2-40B4-BE49-F238E27FC236}">
-                <a16:creationId xmlns:a16="http://schemas.microsoft.com/office/drawing/2014/main" id="{1BB7BB81-4952-4952-AE3C-88207C93558A}"/>
-              </a:ext>
-            </a:extLst>
-          </p:cNvPr>
-          <p:cNvSpPr/>
-          <p:nvPr/>
-        </p:nvSpPr>
-        <p:spPr>
-          <a:xfrm>
-            <a:off x="3992880" y="3335241"/>
-            <a:ext cx="1938793" cy="230588"/>
-          </a:xfrm>
-          <a:prstGeom prst="snipRoundRect">
-            <a:avLst/>
-          </a:prstGeom>
-        </p:spPr>
-        <p:style>
-          <a:lnRef idx="2">
-            <a:schemeClr val="accent1">
-              <a:shade val="50000"/>
-            </a:schemeClr>
-          </a:lnRef>
-          <a:fillRef idx="1">
-            <a:schemeClr val="accent1"/>
-          </a:fillRef>
-          <a:effectRef idx="0">
-            <a:schemeClr val="accent1"/>
-          </a:effectRef>
-          <a:fontRef idx="minor">
-            <a:schemeClr val="lt1"/>
-          </a:fontRef>
-        </p:style>
-        <p:txBody>
-          <a:bodyPr rtlCol="0" anchor="ctr"/>
-          <a:lstStyle/>
-          <a:p>
-            <a:pPr algn="ctr"/>
-            <a:r>
-              <a:rPr lang="en-US" dirty="0"/>
-              <a:t>CONTAINER 1</a:t>
-            </a:r>
-          </a:p>
-        </p:txBody>
-      </p:sp>
-      <p:sp>
-        <p:nvSpPr>
-          <p:cNvPr id="15" name="Rectangle: Top Corners One Rounded and One Snipped 14">
-            <a:extLst>
-              <a:ext uri="{FF2B5EF4-FFF2-40B4-BE49-F238E27FC236}">
-                <a16:creationId xmlns:a16="http://schemas.microsoft.com/office/drawing/2014/main" id="{D36B4E1F-B730-4C1D-815D-0745660D9322}"/>
-              </a:ext>
-            </a:extLst>
-          </p:cNvPr>
-          <p:cNvSpPr/>
-          <p:nvPr/>
-        </p:nvSpPr>
-        <p:spPr>
-          <a:xfrm>
-            <a:off x="5967213" y="1477240"/>
-            <a:ext cx="1938793" cy="230588"/>
-          </a:xfrm>
-          <a:prstGeom prst="snipRoundRect">
-            <a:avLst/>
-          </a:prstGeom>
-        </p:spPr>
-        <p:style>
-          <a:lnRef idx="2">
-            <a:schemeClr val="accent1">
-              <a:shade val="50000"/>
-            </a:schemeClr>
-          </a:lnRef>
-          <a:fillRef idx="1">
-            <a:schemeClr val="accent1"/>
-          </a:fillRef>
-          <a:effectRef idx="0">
-            <a:schemeClr val="accent1"/>
-          </a:effectRef>
-          <a:fontRef idx="minor">
-            <a:schemeClr val="lt1"/>
-          </a:fontRef>
-        </p:style>
-        <p:txBody>
-          <a:bodyPr rtlCol="0" anchor="ctr"/>
-          <a:lstStyle/>
-          <a:p>
-            <a:pPr algn="ctr"/>
-            <a:r>
-              <a:rPr lang="en-US" dirty="0"/>
-              <a:t>CONTAINER 2</a:t>
-            </a:r>
-          </a:p>
-        </p:txBody>
-      </p:sp>
-      <p:pic>
-        <p:nvPicPr>
-          <p:cNvPr id="5" name="Graphic 4" descr="Box">
-            <a:extLst>
-              <a:ext uri="{FF2B5EF4-FFF2-40B4-BE49-F238E27FC236}">
-                <a16:creationId xmlns:a16="http://schemas.microsoft.com/office/drawing/2014/main" id="{87D4E5C8-3E7D-4C7D-9470-627004EA5D7F}"/>
-              </a:ext>
-            </a:extLst>
-          </p:cNvPr>
-          <p:cNvPicPr>
-            <a:picLocks noChangeAspect="1"/>
-          </p:cNvPicPr>
-          <p:nvPr/>
-        </p:nvPicPr>
-        <p:blipFill>
-          <a:blip r:embed="rId2">
-            <a:extLst>
-              <a:ext uri="{28A0092B-C50C-407E-A947-70E740481C1C}">
-                <a14:useLocalDpi xmlns:a14="http://schemas.microsoft.com/office/drawing/2010/main" val="0"/>
-              </a:ext>
-              <a:ext uri="{96DAC541-7B7A-43D3-8B79-37D633B846F1}">
-                <asvg:svgBlip xmlns:asvg="http://schemas.microsoft.com/office/drawing/2016/SVG/main" r:embed="rId3"/>
-              </a:ext>
-            </a:extLst>
-          </a:blip>
-          <a:stretch>
-            <a:fillRect/>
-          </a:stretch>
-        </p:blipFill>
-        <p:spPr>
-          <a:xfrm>
-            <a:off x="4489295" y="1678040"/>
-            <a:ext cx="914400" cy="914400"/>
-          </a:xfrm>
-          <a:prstGeom prst="rect">
-            <a:avLst/>
-          </a:prstGeom>
-        </p:spPr>
-      </p:pic>
-      <p:sp>
-        <p:nvSpPr>
-          <p:cNvPr id="17" name="TextBox 16">
-            <a:extLst>
-              <a:ext uri="{FF2B5EF4-FFF2-40B4-BE49-F238E27FC236}">
-                <a16:creationId xmlns:a16="http://schemas.microsoft.com/office/drawing/2014/main" id="{C2354000-1F02-43BC-8605-7A6892079997}"/>
-              </a:ext>
-            </a:extLst>
-          </p:cNvPr>
-          <p:cNvSpPr txBox="1"/>
-          <p:nvPr/>
-        </p:nvSpPr>
-        <p:spPr>
-          <a:xfrm>
-            <a:off x="3339548" y="135172"/>
-            <a:ext cx="5518205" cy="523220"/>
-          </a:xfrm>
-          <a:prstGeom prst="rect">
-            <a:avLst/>
-          </a:prstGeom>
-          <a:solidFill>
-            <a:srgbClr val="92D050"/>
-          </a:solidFill>
-        </p:spPr>
-        <p:txBody>
-          <a:bodyPr wrap="square" rtlCol="0">
-            <a:spAutoFit/>
-          </a:bodyPr>
-          <a:lstStyle/>
-          <a:p>
-            <a:pPr algn="ctr"/>
-            <a:r>
-              <a:rPr lang="en-US" sz="2800" b="1" dirty="0">
-                <a:solidFill>
-                  <a:schemeClr val="accent5">
-                    <a:lumMod val="75000"/>
-                  </a:schemeClr>
-                </a:solidFill>
-                <a:latin typeface="Dungeon" panose="040D0607070702040804" pitchFamily="82" charset="0"/>
-              </a:rPr>
-              <a:t>Volumes</a:t>
-            </a:r>
-            <a:r>
-              <a:rPr lang="en-US" sz="2800" b="1" dirty="0">
-                <a:latin typeface="Dungeon" panose="040D0607070702040804" pitchFamily="82" charset="0"/>
-              </a:rPr>
-              <a:t> | empty-</a:t>
-            </a:r>
-            <a:r>
-              <a:rPr lang="en-US" sz="2800" b="1" dirty="0" err="1">
-                <a:latin typeface="Dungeon" panose="040D0607070702040804" pitchFamily="82" charset="0"/>
-              </a:rPr>
-              <a:t>dir</a:t>
-            </a:r>
-            <a:endParaRPr lang="en-US" sz="2800" b="1" dirty="0">
-              <a:latin typeface="Dungeon" panose="040D0607070702040804" pitchFamily="82" charset="0"/>
-            </a:endParaRPr>
-          </a:p>
-        </p:txBody>
-      </p:sp>
-      <p:sp>
-        <p:nvSpPr>
-          <p:cNvPr id="18" name="Arrow: Curved Left 17">
-            <a:extLst>
-              <a:ext uri="{FF2B5EF4-FFF2-40B4-BE49-F238E27FC236}">
-                <a16:creationId xmlns:a16="http://schemas.microsoft.com/office/drawing/2014/main" id="{0EE9AD67-7E38-4DC5-AD5F-74EF50B0F567}"/>
-              </a:ext>
-            </a:extLst>
-          </p:cNvPr>
-          <p:cNvSpPr/>
-          <p:nvPr/>
-        </p:nvSpPr>
-        <p:spPr>
-          <a:xfrm rot="4032918">
-            <a:off x="5496195" y="1830824"/>
-            <a:ext cx="1033082" cy="1500523"/>
-          </a:xfrm>
-          <a:prstGeom prst="curvedLeftArrow">
-            <a:avLst/>
-          </a:prstGeom>
-          <a:solidFill>
-            <a:schemeClr val="accent6">
-              <a:lumMod val="60000"/>
-              <a:lumOff val="40000"/>
-            </a:schemeClr>
-          </a:solidFill>
-        </p:spPr>
-        <p:style>
-          <a:lnRef idx="2">
-            <a:schemeClr val="accent1">
-              <a:shade val="50000"/>
-            </a:schemeClr>
-          </a:lnRef>
-          <a:fillRef idx="1">
-            <a:schemeClr val="accent1"/>
-          </a:fillRef>
-          <a:effectRef idx="0">
-            <a:schemeClr val="accent1"/>
-          </a:effectRef>
-          <a:fontRef idx="minor">
-            <a:schemeClr val="lt1"/>
-          </a:fontRef>
-        </p:style>
-        <p:txBody>
-          <a:bodyPr rtlCol="0" anchor="ctr"/>
-          <a:lstStyle/>
-          <a:p>
-            <a:pPr algn="ctr"/>
-            <a:endParaRPr lang="en-US">
-              <a:solidFill>
-                <a:schemeClr val="tx1"/>
-              </a:solidFill>
-            </a:endParaRPr>
-          </a:p>
-        </p:txBody>
-      </p:sp>
-      <p:sp>
-        <p:nvSpPr>
-          <p:cNvPr id="16" name="Arrow: Curved Left 15">
-            <a:extLst>
-              <a:ext uri="{FF2B5EF4-FFF2-40B4-BE49-F238E27FC236}">
-                <a16:creationId xmlns:a16="http://schemas.microsoft.com/office/drawing/2014/main" id="{A5903B2D-97E4-40C6-B32F-B9301F152520}"/>
-              </a:ext>
-            </a:extLst>
-          </p:cNvPr>
-          <p:cNvSpPr/>
-          <p:nvPr/>
-        </p:nvSpPr>
-        <p:spPr>
-          <a:xfrm rot="10412755">
-            <a:off x="3691036" y="2342309"/>
-            <a:ext cx="1033082" cy="1500523"/>
-          </a:xfrm>
-          <a:prstGeom prst="curvedLeftArrow">
-            <a:avLst/>
-          </a:prstGeom>
-          <a:solidFill>
-            <a:schemeClr val="accent6">
-              <a:lumMod val="60000"/>
-              <a:lumOff val="40000"/>
-            </a:schemeClr>
-          </a:solidFill>
-        </p:spPr>
-        <p:style>
-          <a:lnRef idx="2">
-            <a:schemeClr val="accent1">
-              <a:shade val="50000"/>
-            </a:schemeClr>
-          </a:lnRef>
-          <a:fillRef idx="1">
-            <a:schemeClr val="accent1"/>
-          </a:fillRef>
-          <a:effectRef idx="0">
-            <a:schemeClr val="accent1"/>
-          </a:effectRef>
-          <a:fontRef idx="minor">
-            <a:schemeClr val="lt1"/>
-          </a:fontRef>
-        </p:style>
-        <p:txBody>
-          <a:bodyPr rtlCol="0" anchor="ctr"/>
-          <a:lstStyle/>
-          <a:p>
-            <a:pPr algn="ctr"/>
-            <a:endParaRPr lang="en-US">
-              <a:solidFill>
-                <a:schemeClr val="tx1"/>
-              </a:solidFill>
-            </a:endParaRPr>
-          </a:p>
-        </p:txBody>
-      </p:sp>
-    </p:spTree>
-    <p:extLst>
-      <p:ext uri="{BB962C8B-B14F-4D97-AF65-F5344CB8AC3E}">
-        <p14:creationId xmlns:p14="http://schemas.microsoft.com/office/powerpoint/2010/main" val="3298357459"/>
-      </p:ext>
-    </p:extLst>
-  </p:cSld>
-  <p:clrMapOvr>
-    <a:masterClrMapping/>
-  </p:clrMapOvr>
-  <mc:AlternateContent xmlns:mc="http://schemas.openxmlformats.org/markup-compatibility/2006" xmlns:p159="http://schemas.microsoft.com/office/powerpoint/2015/09/main">
-    <mc:Choice Requires="p159">
-      <p:transition xmlns:p14="http://schemas.microsoft.com/office/powerpoint/2010/main" spd="slow" p14:dur="2000">
-        <p159:morph option="byObject"/>
-      </p:transition>
-    </mc:Choice>
-    <mc:Fallback xmlns="">
-      <p:transition spd="slow">
-        <p:fade/>
-      </p:transition>
-    </mc:Fallback>
-  </mc:AlternateContent>
-  <p:timing>
-    <p:tnLst>
-      <p:par>
-        <p:cTn id="1" dur="indefinite" restart="never" nodeType="tmRoot">
-          <p:childTnLst>
-            <p:seq concurrent="1" nextAc="seek">
-              <p:cTn id="2" dur="indefinite" nodeType="mainSeq">
-                <p:childTnLst>
-                  <p:par>
-                    <p:cTn id="3" fill="hold">
-                      <p:stCondLst>
-                        <p:cond delay="indefinite"/>
-                        <p:cond evt="onBegin" delay="0">
-                          <p:tn val="2"/>
-                        </p:cond>
-                      </p:stCondLst>
-                      <p:childTnLst>
-                        <p:par>
-                          <p:cTn id="4" fill="hold">
-                            <p:stCondLst>
-                              <p:cond delay="0"/>
-                            </p:stCondLst>
-                            <p:childTnLst>
-                              <p:par>
-                                <p:cTn id="5" presetID="42" presetClass="entr" presetSubtype="0" fill="hold" grpId="0" nodeType="afterEffect">
-                                  <p:stCondLst>
-                                    <p:cond delay="0"/>
-                                  </p:stCondLst>
-                                  <p:childTnLst>
-                                    <p:set>
-                                      <p:cBhvr>
-                                        <p:cTn id="6" dur="1" fill="hold">
-                                          <p:stCondLst>
-                                            <p:cond delay="0"/>
-                                          </p:stCondLst>
-                                        </p:cTn>
-                                        <p:tgtEl>
-                                          <p:spTgt spid="8"/>
-                                        </p:tgtEl>
-                                        <p:attrNameLst>
-                                          <p:attrName>style.visibility</p:attrName>
-                                        </p:attrNameLst>
-                                      </p:cBhvr>
-                                      <p:to>
-                                        <p:strVal val="visible"/>
-                                      </p:to>
-                                    </p:set>
-                                    <p:animEffect transition="in" filter="fade">
-                                      <p:cBhvr>
-                                        <p:cTn id="7" dur="1000"/>
-                                        <p:tgtEl>
-                                          <p:spTgt spid="8"/>
-                                        </p:tgtEl>
-                                      </p:cBhvr>
-                                    </p:animEffect>
-                                    <p:anim calcmode="lin" valueType="num">
-                                      <p:cBhvr>
-                                        <p:cTn id="8" dur="1000" fill="hold"/>
-                                        <p:tgtEl>
-                                          <p:spTgt spid="8"/>
-                                        </p:tgtEl>
-                                        <p:attrNameLst>
-                                          <p:attrName>ppt_x</p:attrName>
-                                        </p:attrNameLst>
-                                      </p:cBhvr>
-                                      <p:tavLst>
-                                        <p:tav tm="0">
-                                          <p:val>
-                                            <p:strVal val="#ppt_x"/>
-                                          </p:val>
-                                        </p:tav>
-                                        <p:tav tm="100000">
-                                          <p:val>
-                                            <p:strVal val="#ppt_x"/>
-                                          </p:val>
-                                        </p:tav>
-                                      </p:tavLst>
-                                    </p:anim>
-                                    <p:anim calcmode="lin" valueType="num">
-                                      <p:cBhvr>
-                                        <p:cTn id="9" dur="1000" fill="hold"/>
-                                        <p:tgtEl>
-                                          <p:spTgt spid="8"/>
-                                        </p:tgtEl>
-                                        <p:attrNameLst>
-                                          <p:attrName>ppt_y</p:attrName>
-                                        </p:attrNameLst>
-                                      </p:cBhvr>
-                                      <p:tavLst>
-                                        <p:tav tm="0">
-                                          <p:val>
-                                            <p:strVal val="#ppt_y+.1"/>
-                                          </p:val>
-                                        </p:tav>
-                                        <p:tav tm="100000">
-                                          <p:val>
-                                            <p:strVal val="#ppt_y"/>
-                                          </p:val>
-                                        </p:tav>
-                                      </p:tavLst>
-                                    </p:anim>
-                                  </p:childTnLst>
-                                </p:cTn>
-                              </p:par>
-                            </p:childTnLst>
-                          </p:cTn>
-                        </p:par>
-                        <p:par>
-                          <p:cTn id="10" fill="hold">
-                            <p:stCondLst>
-                              <p:cond delay="1000"/>
-                            </p:stCondLst>
-                            <p:childTnLst>
-                              <p:par>
-                                <p:cTn id="11" presetID="42" presetClass="entr" presetSubtype="0" fill="hold" grpId="0" nodeType="afterEffect">
-                                  <p:stCondLst>
-                                    <p:cond delay="0"/>
-                                  </p:stCondLst>
-                                  <p:childTnLst>
-                                    <p:set>
-                                      <p:cBhvr>
-                                        <p:cTn id="12" dur="1" fill="hold">
-                                          <p:stCondLst>
-                                            <p:cond delay="0"/>
-                                          </p:stCondLst>
-                                        </p:cTn>
-                                        <p:tgtEl>
-                                          <p:spTgt spid="12"/>
-                                        </p:tgtEl>
-                                        <p:attrNameLst>
-                                          <p:attrName>style.visibility</p:attrName>
-                                        </p:attrNameLst>
-                                      </p:cBhvr>
-                                      <p:to>
-                                        <p:strVal val="visible"/>
-                                      </p:to>
-                                    </p:set>
-                                    <p:animEffect transition="in" filter="fade">
-                                      <p:cBhvr>
-                                        <p:cTn id="13" dur="1000"/>
-                                        <p:tgtEl>
-                                          <p:spTgt spid="12"/>
-                                        </p:tgtEl>
-                                      </p:cBhvr>
-                                    </p:animEffect>
-                                    <p:anim calcmode="lin" valueType="num">
-                                      <p:cBhvr>
-                                        <p:cTn id="14" dur="1000" fill="hold"/>
-                                        <p:tgtEl>
-                                          <p:spTgt spid="12"/>
-                                        </p:tgtEl>
-                                        <p:attrNameLst>
-                                          <p:attrName>ppt_x</p:attrName>
-                                        </p:attrNameLst>
-                                      </p:cBhvr>
-                                      <p:tavLst>
-                                        <p:tav tm="0">
-                                          <p:val>
-                                            <p:strVal val="#ppt_x"/>
-                                          </p:val>
-                                        </p:tav>
-                                        <p:tav tm="100000">
-                                          <p:val>
-                                            <p:strVal val="#ppt_x"/>
-                                          </p:val>
-                                        </p:tav>
-                                      </p:tavLst>
-                                    </p:anim>
-                                    <p:anim calcmode="lin" valueType="num">
-                                      <p:cBhvr>
-                                        <p:cTn id="15" dur="1000" fill="hold"/>
-                                        <p:tgtEl>
-                                          <p:spTgt spid="12"/>
-                                        </p:tgtEl>
-                                        <p:attrNameLst>
-                                          <p:attrName>ppt_y</p:attrName>
-                                        </p:attrNameLst>
-                                      </p:cBhvr>
-                                      <p:tavLst>
-                                        <p:tav tm="0">
-                                          <p:val>
-                                            <p:strVal val="#ppt_y+.1"/>
-                                          </p:val>
-                                        </p:tav>
-                                        <p:tav tm="100000">
-                                          <p:val>
-                                            <p:strVal val="#ppt_y"/>
-                                          </p:val>
-                                        </p:tav>
-                                      </p:tavLst>
-                                    </p:anim>
-                                  </p:childTnLst>
-                                </p:cTn>
-                              </p:par>
-                            </p:childTnLst>
-                          </p:cTn>
-                        </p:par>
-                        <p:par>
-                          <p:cTn id="16" fill="hold">
-                            <p:stCondLst>
-                              <p:cond delay="2000"/>
-                            </p:stCondLst>
-                            <p:childTnLst>
-                              <p:par>
-                                <p:cTn id="17" presetID="2" presetClass="entr" presetSubtype="12" fill="hold" grpId="0" nodeType="afterEffect">
-                                  <p:stCondLst>
-                                    <p:cond delay="0"/>
-                                  </p:stCondLst>
-                                  <p:childTnLst>
-                                    <p:set>
-                                      <p:cBhvr>
-                                        <p:cTn id="18" dur="1" fill="hold">
-                                          <p:stCondLst>
-                                            <p:cond delay="0"/>
-                                          </p:stCondLst>
-                                        </p:cTn>
-                                        <p:tgtEl>
-                                          <p:spTgt spid="14"/>
-                                        </p:tgtEl>
-                                        <p:attrNameLst>
-                                          <p:attrName>style.visibility</p:attrName>
-                                        </p:attrNameLst>
-                                      </p:cBhvr>
-                                      <p:to>
-                                        <p:strVal val="visible"/>
-                                      </p:to>
-                                    </p:set>
-                                    <p:anim calcmode="lin" valueType="num">
-                                      <p:cBhvr additive="base">
-                                        <p:cTn id="19" dur="500" fill="hold"/>
-                                        <p:tgtEl>
-                                          <p:spTgt spid="14"/>
-                                        </p:tgtEl>
-                                        <p:attrNameLst>
-                                          <p:attrName>ppt_x</p:attrName>
-                                        </p:attrNameLst>
-                                      </p:cBhvr>
-                                      <p:tavLst>
-                                        <p:tav tm="0">
-                                          <p:val>
-                                            <p:strVal val="0-#ppt_w/2"/>
-                                          </p:val>
-                                        </p:tav>
-                                        <p:tav tm="100000">
-                                          <p:val>
-                                            <p:strVal val="#ppt_x"/>
-                                          </p:val>
-                                        </p:tav>
-                                      </p:tavLst>
-                                    </p:anim>
-                                    <p:anim calcmode="lin" valueType="num">
-                                      <p:cBhvr additive="base">
-                                        <p:cTn id="20" dur="500" fill="hold"/>
-                                        <p:tgtEl>
-                                          <p:spTgt spid="14"/>
-                                        </p:tgtEl>
-                                        <p:attrNameLst>
-                                          <p:attrName>ppt_y</p:attrName>
-                                        </p:attrNameLst>
-                                      </p:cBhvr>
-                                      <p:tavLst>
-                                        <p:tav tm="0">
-                                          <p:val>
-                                            <p:strVal val="1+#ppt_h/2"/>
-                                          </p:val>
-                                        </p:tav>
-                                        <p:tav tm="100000">
-                                          <p:val>
-                                            <p:strVal val="#ppt_y"/>
-                                          </p:val>
-                                        </p:tav>
-                                      </p:tavLst>
-                                    </p:anim>
-                                  </p:childTnLst>
-                                </p:cTn>
-                              </p:par>
-                            </p:childTnLst>
-                          </p:cTn>
-                        </p:par>
-                        <p:par>
-                          <p:cTn id="21" fill="hold">
-                            <p:stCondLst>
-                              <p:cond delay="2500"/>
-                            </p:stCondLst>
-                            <p:childTnLst>
-                              <p:par>
-                                <p:cTn id="22" presetID="2" presetClass="entr" presetSubtype="12" fill="hold" grpId="0" nodeType="afterEffect">
-                                  <p:stCondLst>
-                                    <p:cond delay="0"/>
-                                  </p:stCondLst>
-                                  <p:childTnLst>
-                                    <p:set>
-                                      <p:cBhvr>
-                                        <p:cTn id="23" dur="1" fill="hold">
-                                          <p:stCondLst>
-                                            <p:cond delay="0"/>
-                                          </p:stCondLst>
-                                        </p:cTn>
-                                        <p:tgtEl>
-                                          <p:spTgt spid="3"/>
-                                        </p:tgtEl>
-                                        <p:attrNameLst>
-                                          <p:attrName>style.visibility</p:attrName>
-                                        </p:attrNameLst>
-                                      </p:cBhvr>
-                                      <p:to>
-                                        <p:strVal val="visible"/>
-                                      </p:to>
-                                    </p:set>
-                                    <p:anim calcmode="lin" valueType="num">
-                                      <p:cBhvr additive="base">
-                                        <p:cTn id="24" dur="500" fill="hold"/>
-                                        <p:tgtEl>
-                                          <p:spTgt spid="3"/>
-                                        </p:tgtEl>
-                                        <p:attrNameLst>
-                                          <p:attrName>ppt_x</p:attrName>
-                                        </p:attrNameLst>
-                                      </p:cBhvr>
-                                      <p:tavLst>
-                                        <p:tav tm="0">
-                                          <p:val>
-                                            <p:strVal val="0-#ppt_w/2"/>
-                                          </p:val>
-                                        </p:tav>
-                                        <p:tav tm="100000">
-                                          <p:val>
-                                            <p:strVal val="#ppt_x"/>
-                                          </p:val>
-                                        </p:tav>
-                                      </p:tavLst>
-                                    </p:anim>
-                                    <p:anim calcmode="lin" valueType="num">
-                                      <p:cBhvr additive="base">
-                                        <p:cTn id="25" dur="500" fill="hold"/>
-                                        <p:tgtEl>
-                                          <p:spTgt spid="3"/>
-                                        </p:tgtEl>
-                                        <p:attrNameLst>
-                                          <p:attrName>ppt_y</p:attrName>
-                                        </p:attrNameLst>
-                                      </p:cBhvr>
-                                      <p:tavLst>
-                                        <p:tav tm="0">
-                                          <p:val>
-                                            <p:strVal val="1+#ppt_h/2"/>
-                                          </p:val>
-                                        </p:tav>
-                                        <p:tav tm="100000">
-                                          <p:val>
-                                            <p:strVal val="#ppt_y"/>
-                                          </p:val>
-                                        </p:tav>
-                                      </p:tavLst>
-                                    </p:anim>
-                                  </p:childTnLst>
-                                </p:cTn>
-                              </p:par>
-                            </p:childTnLst>
-                          </p:cTn>
-                        </p:par>
-                        <p:par>
-                          <p:cTn id="26" fill="hold">
-                            <p:stCondLst>
-                              <p:cond delay="3000"/>
-                            </p:stCondLst>
-                            <p:childTnLst>
-                              <p:par>
-                                <p:cTn id="27" presetID="2" presetClass="entr" presetSubtype="3" fill="hold" grpId="0" nodeType="afterEffect">
-                                  <p:stCondLst>
-                                    <p:cond delay="0"/>
-                                  </p:stCondLst>
-                                  <p:childTnLst>
-                                    <p:set>
-                                      <p:cBhvr>
-                                        <p:cTn id="28" dur="1" fill="hold">
-                                          <p:stCondLst>
-                                            <p:cond delay="0"/>
-                                          </p:stCondLst>
-                                        </p:cTn>
-                                        <p:tgtEl>
-                                          <p:spTgt spid="13"/>
-                                        </p:tgtEl>
-                                        <p:attrNameLst>
-                                          <p:attrName>style.visibility</p:attrName>
-                                        </p:attrNameLst>
-                                      </p:cBhvr>
-                                      <p:to>
-                                        <p:strVal val="visible"/>
-                                      </p:to>
-                                    </p:set>
-                                    <p:anim calcmode="lin" valueType="num">
-                                      <p:cBhvr additive="base">
-                                        <p:cTn id="29" dur="500" fill="hold"/>
-                                        <p:tgtEl>
-                                          <p:spTgt spid="13"/>
-                                        </p:tgtEl>
-                                        <p:attrNameLst>
-                                          <p:attrName>ppt_x</p:attrName>
-                                        </p:attrNameLst>
-                                      </p:cBhvr>
-                                      <p:tavLst>
-                                        <p:tav tm="0">
-                                          <p:val>
-                                            <p:strVal val="1+#ppt_w/2"/>
-                                          </p:val>
-                                        </p:tav>
-                                        <p:tav tm="100000">
-                                          <p:val>
-                                            <p:strVal val="#ppt_x"/>
-                                          </p:val>
-                                        </p:tav>
-                                      </p:tavLst>
-                                    </p:anim>
-                                    <p:anim calcmode="lin" valueType="num">
-                                      <p:cBhvr additive="base">
-                                        <p:cTn id="30" dur="500" fill="hold"/>
-                                        <p:tgtEl>
-                                          <p:spTgt spid="13"/>
-                                        </p:tgtEl>
-                                        <p:attrNameLst>
-                                          <p:attrName>ppt_y</p:attrName>
-                                        </p:attrNameLst>
-                                      </p:cBhvr>
-                                      <p:tavLst>
-                                        <p:tav tm="0">
-                                          <p:val>
-                                            <p:strVal val="0-#ppt_h/2"/>
-                                          </p:val>
-                                        </p:tav>
-                                        <p:tav tm="100000">
-                                          <p:val>
-                                            <p:strVal val="#ppt_y"/>
-                                          </p:val>
-                                        </p:tav>
-                                      </p:tavLst>
-                                    </p:anim>
-                                  </p:childTnLst>
-                                </p:cTn>
-                              </p:par>
-                            </p:childTnLst>
-                          </p:cTn>
-                        </p:par>
-                        <p:par>
-                          <p:cTn id="31" fill="hold">
-                            <p:stCondLst>
-                              <p:cond delay="3500"/>
-                            </p:stCondLst>
-                            <p:childTnLst>
-                              <p:par>
-                                <p:cTn id="32" presetID="2" presetClass="entr" presetSubtype="3" fill="hold" grpId="0" nodeType="afterEffect">
-                                  <p:stCondLst>
-                                    <p:cond delay="0"/>
-                                  </p:stCondLst>
-                                  <p:childTnLst>
-                                    <p:set>
-                                      <p:cBhvr>
-                                        <p:cTn id="33" dur="1" fill="hold">
-                                          <p:stCondLst>
-                                            <p:cond delay="0"/>
-                                          </p:stCondLst>
-                                        </p:cTn>
-                                        <p:tgtEl>
-                                          <p:spTgt spid="15"/>
-                                        </p:tgtEl>
-                                        <p:attrNameLst>
-                                          <p:attrName>style.visibility</p:attrName>
-                                        </p:attrNameLst>
-                                      </p:cBhvr>
-                                      <p:to>
-                                        <p:strVal val="visible"/>
-                                      </p:to>
-                                    </p:set>
-                                    <p:anim calcmode="lin" valueType="num">
-                                      <p:cBhvr additive="base">
-                                        <p:cTn id="34" dur="500" fill="hold"/>
-                                        <p:tgtEl>
-                                          <p:spTgt spid="15"/>
-                                        </p:tgtEl>
-                                        <p:attrNameLst>
-                                          <p:attrName>ppt_x</p:attrName>
-                                        </p:attrNameLst>
-                                      </p:cBhvr>
-                                      <p:tavLst>
-                                        <p:tav tm="0">
-                                          <p:val>
-                                            <p:strVal val="1+#ppt_w/2"/>
-                                          </p:val>
-                                        </p:tav>
-                                        <p:tav tm="100000">
-                                          <p:val>
-                                            <p:strVal val="#ppt_x"/>
-                                          </p:val>
-                                        </p:tav>
-                                      </p:tavLst>
-                                    </p:anim>
-                                    <p:anim calcmode="lin" valueType="num">
-                                      <p:cBhvr additive="base">
-                                        <p:cTn id="35" dur="500" fill="hold"/>
-                                        <p:tgtEl>
-                                          <p:spTgt spid="15"/>
-                                        </p:tgtEl>
-                                        <p:attrNameLst>
-                                          <p:attrName>ppt_y</p:attrName>
-                                        </p:attrNameLst>
-                                      </p:cBhvr>
-                                      <p:tavLst>
-                                        <p:tav tm="0">
-                                          <p:val>
-                                            <p:strVal val="0-#ppt_h/2"/>
-                                          </p:val>
-                                        </p:tav>
-                                        <p:tav tm="100000">
-                                          <p:val>
-                                            <p:strVal val="#ppt_y"/>
-                                          </p:val>
-                                        </p:tav>
-                                      </p:tavLst>
-                                    </p:anim>
-                                  </p:childTnLst>
-                                </p:cTn>
-                              </p:par>
-                            </p:childTnLst>
-                          </p:cTn>
-                        </p:par>
-                      </p:childTnLst>
-                    </p:cTn>
-                  </p:par>
-                  <p:par>
-                    <p:cTn id="36" fill="hold">
-                      <p:stCondLst>
-                        <p:cond delay="indefinite"/>
-                      </p:stCondLst>
-                      <p:childTnLst>
-                        <p:par>
-                          <p:cTn id="37" fill="hold">
-                            <p:stCondLst>
-                              <p:cond delay="0"/>
-                            </p:stCondLst>
-                            <p:childTnLst>
-                              <p:par>
-                                <p:cTn id="38" presetID="31" presetClass="entr" presetSubtype="0" fill="hold" nodeType="clickEffect">
-                                  <p:stCondLst>
-                                    <p:cond delay="0"/>
-                                  </p:stCondLst>
-                                  <p:childTnLst>
-                                    <p:set>
-                                      <p:cBhvr>
-                                        <p:cTn id="39" dur="1" fill="hold">
-                                          <p:stCondLst>
-                                            <p:cond delay="0"/>
-                                          </p:stCondLst>
-                                        </p:cTn>
-                                        <p:tgtEl>
-                                          <p:spTgt spid="5"/>
-                                        </p:tgtEl>
-                                        <p:attrNameLst>
-                                          <p:attrName>style.visibility</p:attrName>
-                                        </p:attrNameLst>
-                                      </p:cBhvr>
-                                      <p:to>
-                                        <p:strVal val="visible"/>
-                                      </p:to>
-                                    </p:set>
-                                    <p:anim calcmode="lin" valueType="num">
-                                      <p:cBhvr>
-                                        <p:cTn id="40" dur="1000" fill="hold"/>
-                                        <p:tgtEl>
-                                          <p:spTgt spid="5"/>
-                                        </p:tgtEl>
-                                        <p:attrNameLst>
-                                          <p:attrName>ppt_w</p:attrName>
-                                        </p:attrNameLst>
-                                      </p:cBhvr>
-                                      <p:tavLst>
-                                        <p:tav tm="0">
-                                          <p:val>
-                                            <p:fltVal val="0"/>
-                                          </p:val>
-                                        </p:tav>
-                                        <p:tav tm="100000">
-                                          <p:val>
-                                            <p:strVal val="#ppt_w"/>
-                                          </p:val>
-                                        </p:tav>
-                                      </p:tavLst>
-                                    </p:anim>
-                                    <p:anim calcmode="lin" valueType="num">
-                                      <p:cBhvr>
-                                        <p:cTn id="41" dur="1000" fill="hold"/>
-                                        <p:tgtEl>
-                                          <p:spTgt spid="5"/>
-                                        </p:tgtEl>
-                                        <p:attrNameLst>
-                                          <p:attrName>ppt_h</p:attrName>
-                                        </p:attrNameLst>
-                                      </p:cBhvr>
-                                      <p:tavLst>
-                                        <p:tav tm="0">
-                                          <p:val>
-                                            <p:fltVal val="0"/>
-                                          </p:val>
-                                        </p:tav>
-                                        <p:tav tm="100000">
-                                          <p:val>
-                                            <p:strVal val="#ppt_h"/>
-                                          </p:val>
-                                        </p:tav>
-                                      </p:tavLst>
-                                    </p:anim>
-                                    <p:anim calcmode="lin" valueType="num">
-                                      <p:cBhvr>
-                                        <p:cTn id="42" dur="1000" fill="hold"/>
-                                        <p:tgtEl>
-                                          <p:spTgt spid="5"/>
-                                        </p:tgtEl>
-                                        <p:attrNameLst>
-                                          <p:attrName>style.rotation</p:attrName>
-                                        </p:attrNameLst>
-                                      </p:cBhvr>
-                                      <p:tavLst>
-                                        <p:tav tm="0">
-                                          <p:val>
-                                            <p:fltVal val="90"/>
-                                          </p:val>
-                                        </p:tav>
-                                        <p:tav tm="100000">
-                                          <p:val>
-                                            <p:fltVal val="0"/>
-                                          </p:val>
-                                        </p:tav>
-                                      </p:tavLst>
-                                    </p:anim>
-                                    <p:animEffect transition="in" filter="fade">
-                                      <p:cBhvr>
-                                        <p:cTn id="43" dur="1000"/>
-                                        <p:tgtEl>
-                                          <p:spTgt spid="5"/>
-                                        </p:tgtEl>
-                                      </p:cBhvr>
-                                    </p:animEffect>
-                                  </p:childTnLst>
-                                </p:cTn>
-                              </p:par>
-                            </p:childTnLst>
-                          </p:cTn>
-                        </p:par>
-                      </p:childTnLst>
-                    </p:cTn>
-                  </p:par>
-                  <p:par>
-                    <p:cTn id="44" fill="hold">
-                      <p:stCondLst>
-                        <p:cond delay="indefinite"/>
-                      </p:stCondLst>
-                      <p:childTnLst>
-                        <p:par>
-                          <p:cTn id="45" fill="hold">
-                            <p:stCondLst>
-                              <p:cond delay="0"/>
-                            </p:stCondLst>
-                            <p:childTnLst>
-                              <p:par>
-                                <p:cTn id="46" presetID="1" presetClass="entr" presetSubtype="0" fill="hold" grpId="0" nodeType="clickEffect">
-                                  <p:stCondLst>
-                                    <p:cond delay="0"/>
-                                  </p:stCondLst>
-                                  <p:childTnLst>
-                                    <p:set>
-                                      <p:cBhvr>
-                                        <p:cTn id="47" dur="1" fill="hold">
-                                          <p:stCondLst>
-                                            <p:cond delay="0"/>
-                                          </p:stCondLst>
-                                        </p:cTn>
-                                        <p:tgtEl>
-                                          <p:spTgt spid="18"/>
-                                        </p:tgtEl>
-                                        <p:attrNameLst>
-                                          <p:attrName>style.visibility</p:attrName>
-                                        </p:attrNameLst>
-                                      </p:cBhvr>
-                                      <p:to>
-                                        <p:strVal val="visible"/>
-                                      </p:to>
-                                    </p:set>
-                                  </p:childTnLst>
-                                </p:cTn>
-                              </p:par>
-                            </p:childTnLst>
-                          </p:cTn>
-                        </p:par>
-                      </p:childTnLst>
-                    </p:cTn>
-                  </p:par>
-                  <p:par>
-                    <p:cTn id="48" fill="hold">
-                      <p:stCondLst>
-                        <p:cond delay="indefinite"/>
-                      </p:stCondLst>
-                      <p:childTnLst>
-                        <p:par>
-                          <p:cTn id="49" fill="hold">
-                            <p:stCondLst>
-                              <p:cond delay="0"/>
-                            </p:stCondLst>
-                            <p:childTnLst>
-                              <p:par>
-                                <p:cTn id="50" presetID="27" presetClass="emph" presetSubtype="0" fill="remove" grpId="1" nodeType="clickEffect">
-                                  <p:stCondLst>
-                                    <p:cond delay="0"/>
-                                  </p:stCondLst>
-                                  <p:childTnLst>
-                                    <p:animClr clrSpc="rgb" dir="cw">
-                                      <p:cBhvr override="childStyle">
-                                        <p:cTn id="51" dur="250" autoRev="1" fill="remove"/>
-                                        <p:tgtEl>
-                                          <p:spTgt spid="12"/>
-                                        </p:tgtEl>
-                                        <p:attrNameLst>
-                                          <p:attrName>style.color</p:attrName>
-                                        </p:attrNameLst>
-                                      </p:cBhvr>
-                                      <p:to>
-                                        <a:srgbClr val="FF0000"/>
-                                      </p:to>
-                                    </p:animClr>
-                                    <p:animClr clrSpc="rgb" dir="cw">
-                                      <p:cBhvr>
-                                        <p:cTn id="52" dur="250" autoRev="1" fill="remove"/>
-                                        <p:tgtEl>
-                                          <p:spTgt spid="12"/>
-                                        </p:tgtEl>
-                                        <p:attrNameLst>
-                                          <p:attrName>fillcolor</p:attrName>
-                                        </p:attrNameLst>
-                                      </p:cBhvr>
-                                      <p:to>
-                                        <a:srgbClr val="FF0000"/>
-                                      </p:to>
-                                    </p:animClr>
-                                    <p:set>
-                                      <p:cBhvr>
-                                        <p:cTn id="53" dur="250" autoRev="1" fill="remove"/>
-                                        <p:tgtEl>
-                                          <p:spTgt spid="12"/>
-                                        </p:tgtEl>
-                                        <p:attrNameLst>
-                                          <p:attrName>fill.type</p:attrName>
-                                        </p:attrNameLst>
-                                      </p:cBhvr>
-                                      <p:to>
-                                        <p:strVal val="solid"/>
-                                      </p:to>
-                                    </p:set>
-                                    <p:set>
-                                      <p:cBhvr>
-                                        <p:cTn id="54" dur="250" autoRev="1" fill="remove"/>
-                                        <p:tgtEl>
-                                          <p:spTgt spid="12"/>
-                                        </p:tgtEl>
-                                        <p:attrNameLst>
-                                          <p:attrName>fill.on</p:attrName>
-                                        </p:attrNameLst>
-                                      </p:cBhvr>
-                                      <p:to>
-                                        <p:strVal val="true"/>
-                                      </p:to>
-                                    </p:set>
-                                  </p:childTnLst>
-                                </p:cTn>
-                              </p:par>
-                            </p:childTnLst>
-                          </p:cTn>
-                        </p:par>
-                        <p:par>
-                          <p:cTn id="55" fill="hold">
-                            <p:stCondLst>
-                              <p:cond delay="500"/>
-                            </p:stCondLst>
-                            <p:childTnLst>
-                              <p:par>
-                                <p:cTn id="56" presetID="27" presetClass="emph" presetSubtype="0" fill="remove" nodeType="afterEffect">
-                                  <p:stCondLst>
-                                    <p:cond delay="0"/>
-                                  </p:stCondLst>
-                                  <p:childTnLst>
-                                    <p:animClr clrSpc="rgb" dir="cw">
-                                      <p:cBhvr override="childStyle">
-                                        <p:cTn id="57" dur="250" autoRev="1" fill="remove"/>
-                                        <p:tgtEl>
-                                          <p:spTgt spid="5"/>
-                                        </p:tgtEl>
-                                        <p:attrNameLst>
-                                          <p:attrName>style.color</p:attrName>
-                                        </p:attrNameLst>
-                                      </p:cBhvr>
-                                      <p:to>
-                                        <a:srgbClr val="FF0000"/>
-                                      </p:to>
-                                    </p:animClr>
-                                    <p:animClr clrSpc="rgb" dir="cw">
-                                      <p:cBhvr>
-                                        <p:cTn id="58" dur="250" autoRev="1" fill="remove"/>
-                                        <p:tgtEl>
-                                          <p:spTgt spid="5"/>
-                                        </p:tgtEl>
-                                        <p:attrNameLst>
-                                          <p:attrName>fillcolor</p:attrName>
-                                        </p:attrNameLst>
-                                      </p:cBhvr>
-                                      <p:to>
-                                        <a:srgbClr val="FF0000"/>
-                                      </p:to>
-                                    </p:animClr>
-                                    <p:set>
-                                      <p:cBhvr>
-                                        <p:cTn id="59" dur="250" autoRev="1" fill="remove"/>
-                                        <p:tgtEl>
-                                          <p:spTgt spid="5"/>
-                                        </p:tgtEl>
-                                        <p:attrNameLst>
-                                          <p:attrName>fill.type</p:attrName>
-                                        </p:attrNameLst>
-                                      </p:cBhvr>
-                                      <p:to>
-                                        <p:strVal val="solid"/>
-                                      </p:to>
-                                    </p:set>
-                                    <p:set>
-                                      <p:cBhvr>
-                                        <p:cTn id="60" dur="250" autoRev="1" fill="remove"/>
-                                        <p:tgtEl>
-                                          <p:spTgt spid="5"/>
-                                        </p:tgtEl>
-                                        <p:attrNameLst>
-                                          <p:attrName>fill.on</p:attrName>
-                                        </p:attrNameLst>
-                                      </p:cBhvr>
-                                      <p:to>
-                                        <p:strVal val="true"/>
-                                      </p:to>
-                                    </p:set>
-                                  </p:childTnLst>
-                                </p:cTn>
-                              </p:par>
-                            </p:childTnLst>
-                          </p:cTn>
-                        </p:par>
-                      </p:childTnLst>
-                    </p:cTn>
-                  </p:par>
-                  <p:par>
-                    <p:cTn id="61" fill="hold">
-                      <p:stCondLst>
-                        <p:cond delay="indefinite"/>
-                      </p:stCondLst>
-                      <p:childTnLst>
-                        <p:par>
-                          <p:cTn id="62" fill="hold">
-                            <p:stCondLst>
-                              <p:cond delay="0"/>
-                            </p:stCondLst>
-                            <p:childTnLst>
-                              <p:par>
-                                <p:cTn id="63" presetID="1" presetClass="entr" presetSubtype="0" fill="hold" grpId="0" nodeType="clickEffect">
-                                  <p:stCondLst>
-                                    <p:cond delay="0"/>
-                                  </p:stCondLst>
-                                  <p:childTnLst>
-                                    <p:set>
-                                      <p:cBhvr>
-                                        <p:cTn id="64" dur="1" fill="hold">
-                                          <p:stCondLst>
-                                            <p:cond delay="0"/>
-                                          </p:stCondLst>
-                                        </p:cTn>
-                                        <p:tgtEl>
-                                          <p:spTgt spid="16"/>
-                                        </p:tgtEl>
-                                        <p:attrNameLst>
-                                          <p:attrName>style.visibility</p:attrName>
-                                        </p:attrNameLst>
-                                      </p:cBhvr>
-                                      <p:to>
-                                        <p:strVal val="visible"/>
-                                      </p:to>
-                                    </p:set>
-                                  </p:childTnLst>
-                                </p:cTn>
-                              </p:par>
-                            </p:childTnLst>
-                          </p:cTn>
-                        </p:par>
-                      </p:childTnLst>
-                    </p:cTn>
-                  </p:par>
-                </p:childTnLst>
-              </p:cTn>
-              <p:prevCondLst>
-                <p:cond evt="onPrev" delay="0">
-                  <p:tgtEl>
-                    <p:sldTgt/>
-                  </p:tgtEl>
-                </p:cond>
-              </p:prevCondLst>
-              <p:nextCondLst>
-                <p:cond evt="onNext" delay="0">
-                  <p:tgtEl>
-                    <p:sldTgt/>
-                  </p:tgtEl>
-                </p:cond>
-              </p:nextCondLst>
-            </p:seq>
-          </p:childTnLst>
-        </p:cTn>
-      </p:par>
-    </p:tnLst>
-    <p:bldLst>
-      <p:bldP spid="8" grpId="0" animBg="1"/>
-      <p:bldP spid="12" grpId="0" animBg="1"/>
-      <p:bldP spid="12" grpId="1" animBg="1"/>
-      <p:bldP spid="13" grpId="0" animBg="1"/>
-      <p:bldP spid="14" grpId="0" animBg="1"/>
-      <p:bldP spid="3" grpId="0" animBg="1"/>
-      <p:bldP spid="15" grpId="0" animBg="1"/>
-      <p:bldP spid="18" grpId="0" animBg="1"/>
-      <p:bldP spid="16" grpId="0" animBg="1"/>
-    </p:bldLst>
-  </p:timing>
-</p:sld>
-</file>
-
-<file path=ppt/slides/slide8.xml><?xml version="1.0" encoding="utf-8"?>
-<p:sld xmlns:a="http://schemas.openxmlformats.org/drawingml/2006/main" xmlns:r="http://schemas.openxmlformats.org/officeDocument/2006/relationships" xmlns:p="http://schemas.openxmlformats.org/presentationml/2006/main">
-  <p:cSld>
-    <p:spTree>
-      <p:nvGrpSpPr>
-        <p:cNvPr id="1" name=""/>
-        <p:cNvGrpSpPr/>
-        <p:nvPr/>
-      </p:nvGrpSpPr>
-      <p:grpSpPr>
-        <a:xfrm>
-          <a:off x="0" y="0"/>
-          <a:ext cx="0" cy="0"/>
-          <a:chOff x="0" y="0"/>
-          <a:chExt cx="0" cy="0"/>
-        </a:xfrm>
-      </p:grpSpPr>
-      <p:sp>
-        <p:nvSpPr>
-          <p:cNvPr id="2" name="Rectangle: Diagonal Corners Rounded 1">
-            <a:extLst>
-              <a:ext uri="{FF2B5EF4-FFF2-40B4-BE49-F238E27FC236}">
-                <a16:creationId xmlns:a16="http://schemas.microsoft.com/office/drawing/2014/main" id="{8ACE7D91-BCB6-4657-B829-8C177DC02530}"/>
-              </a:ext>
-            </a:extLst>
-          </p:cNvPr>
-          <p:cNvSpPr/>
-          <p:nvPr/>
-        </p:nvSpPr>
-        <p:spPr>
-          <a:xfrm>
-            <a:off x="1709530" y="658392"/>
-            <a:ext cx="7148223" cy="5829872"/>
-          </a:xfrm>
-          <a:prstGeom prst="round2DiagRect">
-            <a:avLst/>
-          </a:prstGeom>
-        </p:spPr>
-        <p:style>
-          <a:lnRef idx="0">
-            <a:schemeClr val="accent3"/>
-          </a:lnRef>
-          <a:fillRef idx="3">
-            <a:schemeClr val="accent3"/>
-          </a:fillRef>
-          <a:effectRef idx="3">
-            <a:schemeClr val="accent3"/>
-          </a:effectRef>
-          <a:fontRef idx="minor">
-            <a:schemeClr val="lt1"/>
-          </a:fontRef>
-        </p:style>
-        <p:txBody>
-          <a:bodyPr rtlCol="0" anchor="ctr"/>
-          <a:lstStyle/>
-          <a:p>
-            <a:pPr algn="ctr"/>
-            <a:endParaRPr lang="en-US"/>
-          </a:p>
-        </p:txBody>
-      </p:sp>
-      <p:sp>
-        <p:nvSpPr>
-          <p:cNvPr id="8" name="Rectangle: Top Corners Rounded 7">
-            <a:extLst>
-              <a:ext uri="{FF2B5EF4-FFF2-40B4-BE49-F238E27FC236}">
-                <a16:creationId xmlns:a16="http://schemas.microsoft.com/office/drawing/2014/main" id="{ABBFE5DA-7F3C-4A74-A505-0494BB43A11E}"/>
-              </a:ext>
-            </a:extLst>
-          </p:cNvPr>
-          <p:cNvSpPr/>
-          <p:nvPr/>
-        </p:nvSpPr>
-        <p:spPr>
-          <a:xfrm>
-            <a:off x="3925776" y="883224"/>
-            <a:ext cx="4340448" cy="583037"/>
-          </a:xfrm>
-          <a:prstGeom prst="round2SameRect">
-            <a:avLst/>
-          </a:prstGeom>
-          <a:solidFill>
-            <a:schemeClr val="accent1">
-              <a:lumMod val="50000"/>
-            </a:schemeClr>
-          </a:solidFill>
-        </p:spPr>
-        <p:style>
-          <a:lnRef idx="2">
-            <a:schemeClr val="accent6">
-              <a:shade val="50000"/>
-            </a:schemeClr>
-          </a:lnRef>
-          <a:fillRef idx="1">
-            <a:schemeClr val="accent6"/>
-          </a:fillRef>
-          <a:effectRef idx="0">
-            <a:schemeClr val="accent6"/>
-          </a:effectRef>
-          <a:fontRef idx="minor">
-            <a:schemeClr val="lt1"/>
-          </a:fontRef>
-        </p:style>
-        <p:txBody>
-          <a:bodyPr rtlCol="0" anchor="ctr"/>
-          <a:lstStyle/>
-          <a:p>
-            <a:pPr algn="ctr"/>
-            <a:r>
-              <a:rPr lang="en-US" sz="3600" b="1" dirty="0">
-                <a:solidFill>
-                  <a:schemeClr val="bg1"/>
-                </a:solidFill>
-              </a:rPr>
-              <a:t>POD</a:t>
-            </a:r>
-          </a:p>
-        </p:txBody>
-      </p:sp>
-      <p:sp>
-        <p:nvSpPr>
-          <p:cNvPr id="12" name="Rectangle 11">
-            <a:extLst>
-              <a:ext uri="{FF2B5EF4-FFF2-40B4-BE49-F238E27FC236}">
-                <a16:creationId xmlns:a16="http://schemas.microsoft.com/office/drawing/2014/main" id="{FA4FF112-B096-46AE-87D8-63AD94B39A25}"/>
-              </a:ext>
-            </a:extLst>
-          </p:cNvPr>
-          <p:cNvSpPr/>
-          <p:nvPr/>
-        </p:nvSpPr>
-        <p:spPr>
-          <a:xfrm>
-            <a:off x="3925776" y="1454426"/>
-            <a:ext cx="4340448" cy="4222806"/>
-          </a:xfrm>
-          <a:prstGeom prst="rect">
-            <a:avLst/>
-          </a:prstGeom>
-          <a:solidFill>
-            <a:srgbClr val="00B0F0"/>
-          </a:solidFill>
-        </p:spPr>
-        <p:style>
-          <a:lnRef idx="2">
-            <a:schemeClr val="accent6">
-              <a:shade val="50000"/>
-            </a:schemeClr>
-          </a:lnRef>
-          <a:fillRef idx="1">
-            <a:schemeClr val="accent6"/>
-          </a:fillRef>
-          <a:effectRef idx="0">
-            <a:schemeClr val="accent6"/>
-          </a:effectRef>
-          <a:fontRef idx="minor">
-            <a:schemeClr val="lt1"/>
-          </a:fontRef>
-        </p:style>
-        <p:txBody>
-          <a:bodyPr rtlCol="0" anchor="ctr"/>
-          <a:lstStyle/>
-          <a:p>
-            <a:pPr algn="ctr"/>
-            <a:endParaRPr lang="en-US" sz="1400" dirty="0">
-              <a:solidFill>
-                <a:schemeClr val="bg1"/>
-              </a:solidFill>
-            </a:endParaRPr>
-          </a:p>
-        </p:txBody>
-      </p:sp>
-      <p:sp>
-        <p:nvSpPr>
-          <p:cNvPr id="13" name="Rectangle: Diagonal Corners Snipped 12">
-            <a:extLst>
-              <a:ext uri="{FF2B5EF4-FFF2-40B4-BE49-F238E27FC236}">
-                <a16:creationId xmlns:a16="http://schemas.microsoft.com/office/drawing/2014/main" id="{B331BFEF-7990-4362-A973-44EC5C4353BB}"/>
-              </a:ext>
-            </a:extLst>
-          </p:cNvPr>
-          <p:cNvSpPr/>
-          <p:nvPr/>
-        </p:nvSpPr>
-        <p:spPr>
-          <a:xfrm>
-            <a:off x="5967213" y="1718807"/>
-            <a:ext cx="2263471" cy="2050111"/>
-          </a:xfrm>
-          <a:prstGeom prst="snip2DiagRect">
-            <a:avLst/>
-          </a:prstGeom>
-        </p:spPr>
-        <p:style>
-          <a:lnRef idx="2">
-            <a:schemeClr val="accent1">
-              <a:shade val="50000"/>
-            </a:schemeClr>
-          </a:lnRef>
-          <a:fillRef idx="1">
-            <a:schemeClr val="accent1"/>
-          </a:fillRef>
-          <a:effectRef idx="0">
-            <a:schemeClr val="accent1"/>
-          </a:effectRef>
-          <a:fontRef idx="minor">
-            <a:schemeClr val="lt1"/>
-          </a:fontRef>
-        </p:style>
-        <p:txBody>
-          <a:bodyPr rtlCol="0" anchor="ctr"/>
-          <a:lstStyle/>
-          <a:p>
-            <a:pPr algn="ctr"/>
-            <a:endParaRPr lang="en-US"/>
-          </a:p>
-        </p:txBody>
-      </p:sp>
-      <p:sp>
-        <p:nvSpPr>
-          <p:cNvPr id="14" name="Rectangle: Diagonal Corners Snipped 13">
-            <a:extLst>
-              <a:ext uri="{FF2B5EF4-FFF2-40B4-BE49-F238E27FC236}">
-                <a16:creationId xmlns:a16="http://schemas.microsoft.com/office/drawing/2014/main" id="{4D758210-DF13-49D5-93CB-31DB0E6BDF25}"/>
-              </a:ext>
-            </a:extLst>
-          </p:cNvPr>
-          <p:cNvSpPr/>
-          <p:nvPr/>
-        </p:nvSpPr>
-        <p:spPr>
-          <a:xfrm>
-            <a:off x="3992880" y="3578087"/>
-            <a:ext cx="2263471" cy="2050111"/>
-          </a:xfrm>
-          <a:prstGeom prst="snip2DiagRect">
-            <a:avLst/>
-          </a:prstGeom>
-        </p:spPr>
-        <p:style>
-          <a:lnRef idx="2">
-            <a:schemeClr val="accent1">
-              <a:shade val="50000"/>
-            </a:schemeClr>
-          </a:lnRef>
-          <a:fillRef idx="1">
-            <a:schemeClr val="accent1"/>
-          </a:fillRef>
-          <a:effectRef idx="0">
-            <a:schemeClr val="accent1"/>
-          </a:effectRef>
-          <a:fontRef idx="minor">
-            <a:schemeClr val="lt1"/>
-          </a:fontRef>
-        </p:style>
-        <p:txBody>
-          <a:bodyPr rtlCol="0" anchor="ctr"/>
-          <a:lstStyle/>
-          <a:p>
-            <a:pPr algn="ctr"/>
-            <a:endParaRPr lang="en-US"/>
-          </a:p>
-        </p:txBody>
-      </p:sp>
-      <p:sp>
-        <p:nvSpPr>
-          <p:cNvPr id="3" name="Rectangle: Top Corners One Rounded and One Snipped 2">
-            <a:extLst>
-              <a:ext uri="{FF2B5EF4-FFF2-40B4-BE49-F238E27FC236}">
-                <a16:creationId xmlns:a16="http://schemas.microsoft.com/office/drawing/2014/main" id="{1BB7BB81-4952-4952-AE3C-88207C93558A}"/>
-              </a:ext>
-            </a:extLst>
-          </p:cNvPr>
-          <p:cNvSpPr/>
-          <p:nvPr/>
-        </p:nvSpPr>
-        <p:spPr>
-          <a:xfrm>
-            <a:off x="3992880" y="3335241"/>
-            <a:ext cx="1938793" cy="230588"/>
-          </a:xfrm>
-          <a:prstGeom prst="snipRoundRect">
-            <a:avLst/>
-          </a:prstGeom>
-        </p:spPr>
-        <p:style>
-          <a:lnRef idx="2">
-            <a:schemeClr val="accent1">
-              <a:shade val="50000"/>
-            </a:schemeClr>
-          </a:lnRef>
-          <a:fillRef idx="1">
-            <a:schemeClr val="accent1"/>
-          </a:fillRef>
-          <a:effectRef idx="0">
-            <a:schemeClr val="accent1"/>
-          </a:effectRef>
-          <a:fontRef idx="minor">
-            <a:schemeClr val="lt1"/>
-          </a:fontRef>
-        </p:style>
-        <p:txBody>
-          <a:bodyPr rtlCol="0" anchor="ctr"/>
-          <a:lstStyle/>
-          <a:p>
-            <a:pPr algn="ctr"/>
-            <a:r>
-              <a:rPr lang="en-US" dirty="0"/>
-              <a:t>CONTAINER 1</a:t>
-            </a:r>
-          </a:p>
-        </p:txBody>
-      </p:sp>
-      <p:sp>
-        <p:nvSpPr>
-          <p:cNvPr id="15" name="Rectangle: Top Corners One Rounded and One Snipped 14">
-            <a:extLst>
-              <a:ext uri="{FF2B5EF4-FFF2-40B4-BE49-F238E27FC236}">
-                <a16:creationId xmlns:a16="http://schemas.microsoft.com/office/drawing/2014/main" id="{D36B4E1F-B730-4C1D-815D-0745660D9322}"/>
-              </a:ext>
-            </a:extLst>
-          </p:cNvPr>
-          <p:cNvSpPr/>
-          <p:nvPr/>
-        </p:nvSpPr>
-        <p:spPr>
-          <a:xfrm>
-            <a:off x="5967213" y="1477240"/>
-            <a:ext cx="1938793" cy="230588"/>
-          </a:xfrm>
-          <a:prstGeom prst="snipRoundRect">
-            <a:avLst/>
-          </a:prstGeom>
-        </p:spPr>
-        <p:style>
-          <a:lnRef idx="2">
-            <a:schemeClr val="accent1">
-              <a:shade val="50000"/>
-            </a:schemeClr>
-          </a:lnRef>
-          <a:fillRef idx="1">
-            <a:schemeClr val="accent1"/>
-          </a:fillRef>
-          <a:effectRef idx="0">
-            <a:schemeClr val="accent1"/>
-          </a:effectRef>
-          <a:fontRef idx="minor">
-            <a:schemeClr val="lt1"/>
-          </a:fontRef>
-        </p:style>
-        <p:txBody>
-          <a:bodyPr rtlCol="0" anchor="ctr"/>
-          <a:lstStyle/>
-          <a:p>
-            <a:pPr algn="ctr"/>
-            <a:r>
-              <a:rPr lang="en-US" dirty="0"/>
-              <a:t>CONTAINER 2</a:t>
-            </a:r>
-          </a:p>
-        </p:txBody>
-      </p:sp>
-      <p:pic>
-        <p:nvPicPr>
-          <p:cNvPr id="5" name="Graphic 4" descr="Box">
-            <a:extLst>
-              <a:ext uri="{FF2B5EF4-FFF2-40B4-BE49-F238E27FC236}">
-                <a16:creationId xmlns:a16="http://schemas.microsoft.com/office/drawing/2014/main" id="{87D4E5C8-3E7D-4C7D-9470-627004EA5D7F}"/>
-              </a:ext>
-            </a:extLst>
-          </p:cNvPr>
-          <p:cNvPicPr>
-            <a:picLocks noChangeAspect="1"/>
-          </p:cNvPicPr>
-          <p:nvPr/>
-        </p:nvPicPr>
-        <p:blipFill>
-          <a:blip r:embed="rId2">
-            <a:extLst>
-              <a:ext uri="{28A0092B-C50C-407E-A947-70E740481C1C}">
-                <a14:useLocalDpi xmlns:a14="http://schemas.microsoft.com/office/drawing/2010/main" val="0"/>
-              </a:ext>
-              <a:ext uri="{96DAC541-7B7A-43D3-8B79-37D633B846F1}">
-                <asvg:svgBlip xmlns:asvg="http://schemas.microsoft.com/office/drawing/2016/SVG/main" r:embed="rId3"/>
-              </a:ext>
-            </a:extLst>
-          </a:blip>
-          <a:stretch>
-            <a:fillRect/>
-          </a:stretch>
-        </p:blipFill>
-        <p:spPr>
-          <a:xfrm>
-            <a:off x="4489295" y="1678040"/>
-            <a:ext cx="914400" cy="914400"/>
-          </a:xfrm>
-          <a:prstGeom prst="rect">
-            <a:avLst/>
-          </a:prstGeom>
-        </p:spPr>
-      </p:pic>
-      <p:sp>
-        <p:nvSpPr>
-          <p:cNvPr id="17" name="TextBox 16">
-            <a:extLst>
-              <a:ext uri="{FF2B5EF4-FFF2-40B4-BE49-F238E27FC236}">
-                <a16:creationId xmlns:a16="http://schemas.microsoft.com/office/drawing/2014/main" id="{C2354000-1F02-43BC-8605-7A6892079997}"/>
-              </a:ext>
-            </a:extLst>
-          </p:cNvPr>
-          <p:cNvSpPr txBox="1"/>
-          <p:nvPr/>
-        </p:nvSpPr>
-        <p:spPr>
-          <a:xfrm>
-            <a:off x="3339548" y="135172"/>
-            <a:ext cx="5518205" cy="523220"/>
-          </a:xfrm>
-          <a:prstGeom prst="rect">
-            <a:avLst/>
-          </a:prstGeom>
-          <a:solidFill>
-            <a:srgbClr val="92D050"/>
-          </a:solidFill>
-        </p:spPr>
-        <p:txBody>
-          <a:bodyPr wrap="square" rtlCol="0">
-            <a:spAutoFit/>
-          </a:bodyPr>
-          <a:lstStyle/>
-          <a:p>
-            <a:pPr algn="ctr"/>
-            <a:r>
-              <a:rPr lang="en-US" sz="2800" b="1" dirty="0">
-                <a:solidFill>
-                  <a:schemeClr val="accent5">
-                    <a:lumMod val="75000"/>
-                  </a:schemeClr>
-                </a:solidFill>
-                <a:latin typeface="Dungeon" panose="040D0607070702040804" pitchFamily="82" charset="0"/>
-              </a:rPr>
-              <a:t>Volumes</a:t>
-            </a:r>
-            <a:r>
-              <a:rPr lang="en-US" sz="2800" b="1" dirty="0">
-                <a:latin typeface="Dungeon" panose="040D0607070702040804" pitchFamily="82" charset="0"/>
-              </a:rPr>
-              <a:t> | local</a:t>
-            </a:r>
-          </a:p>
-        </p:txBody>
-      </p:sp>
-      <p:sp>
-        <p:nvSpPr>
-          <p:cNvPr id="18" name="Arrow: Curved Left 17">
-            <a:extLst>
-              <a:ext uri="{FF2B5EF4-FFF2-40B4-BE49-F238E27FC236}">
-                <a16:creationId xmlns:a16="http://schemas.microsoft.com/office/drawing/2014/main" id="{0EE9AD67-7E38-4DC5-AD5F-74EF50B0F567}"/>
-              </a:ext>
-            </a:extLst>
-          </p:cNvPr>
-          <p:cNvSpPr/>
-          <p:nvPr/>
-        </p:nvSpPr>
-        <p:spPr>
-          <a:xfrm rot="4032918">
-            <a:off x="5496195" y="1830824"/>
-            <a:ext cx="1033082" cy="1500523"/>
-          </a:xfrm>
-          <a:prstGeom prst="curvedLeftArrow">
-            <a:avLst/>
-          </a:prstGeom>
-          <a:solidFill>
-            <a:schemeClr val="accent6">
-              <a:lumMod val="60000"/>
-              <a:lumOff val="40000"/>
-            </a:schemeClr>
-          </a:solidFill>
-        </p:spPr>
-        <p:style>
-          <a:lnRef idx="2">
-            <a:schemeClr val="accent1">
-              <a:shade val="50000"/>
-            </a:schemeClr>
-          </a:lnRef>
-          <a:fillRef idx="1">
-            <a:schemeClr val="accent1"/>
-          </a:fillRef>
-          <a:effectRef idx="0">
-            <a:schemeClr val="accent1"/>
-          </a:effectRef>
-          <a:fontRef idx="minor">
-            <a:schemeClr val="lt1"/>
-          </a:fontRef>
-        </p:style>
-        <p:txBody>
-          <a:bodyPr rtlCol="0" anchor="ctr"/>
-          <a:lstStyle/>
-          <a:p>
-            <a:pPr algn="ctr"/>
-            <a:endParaRPr lang="en-US">
-              <a:solidFill>
-                <a:schemeClr val="tx1"/>
-              </a:solidFill>
-            </a:endParaRPr>
-          </a:p>
-        </p:txBody>
-      </p:sp>
-      <p:sp>
-        <p:nvSpPr>
-          <p:cNvPr id="16" name="Arrow: Curved Left 15">
-            <a:extLst>
-              <a:ext uri="{FF2B5EF4-FFF2-40B4-BE49-F238E27FC236}">
-                <a16:creationId xmlns:a16="http://schemas.microsoft.com/office/drawing/2014/main" id="{A5903B2D-97E4-40C6-B32F-B9301F152520}"/>
-              </a:ext>
-            </a:extLst>
-          </p:cNvPr>
-          <p:cNvSpPr/>
-          <p:nvPr/>
-        </p:nvSpPr>
-        <p:spPr>
-          <a:xfrm rot="10412755">
-            <a:off x="3691036" y="2342309"/>
-            <a:ext cx="1033082" cy="1500523"/>
-          </a:xfrm>
-          <a:prstGeom prst="curvedLeftArrow">
-            <a:avLst/>
-          </a:prstGeom>
-          <a:solidFill>
-            <a:schemeClr val="accent6">
-              <a:lumMod val="60000"/>
-              <a:lumOff val="40000"/>
-            </a:schemeClr>
-          </a:solidFill>
-        </p:spPr>
-        <p:style>
-          <a:lnRef idx="2">
-            <a:schemeClr val="accent1">
-              <a:shade val="50000"/>
-            </a:schemeClr>
-          </a:lnRef>
-          <a:fillRef idx="1">
-            <a:schemeClr val="accent1"/>
-          </a:fillRef>
-          <a:effectRef idx="0">
-            <a:schemeClr val="accent1"/>
-          </a:effectRef>
-          <a:fontRef idx="minor">
-            <a:schemeClr val="lt1"/>
-          </a:fontRef>
-        </p:style>
-        <p:txBody>
-          <a:bodyPr rtlCol="0" anchor="ctr"/>
-          <a:lstStyle/>
-          <a:p>
-            <a:pPr algn="ctr"/>
-            <a:endParaRPr lang="en-US">
-              <a:solidFill>
-                <a:schemeClr val="tx1"/>
-              </a:solidFill>
-            </a:endParaRPr>
-          </a:p>
-        </p:txBody>
-      </p:sp>
-      <p:sp>
-        <p:nvSpPr>
-          <p:cNvPr id="4" name="TextBox 3">
-            <a:extLst>
-              <a:ext uri="{FF2B5EF4-FFF2-40B4-BE49-F238E27FC236}">
-                <a16:creationId xmlns:a16="http://schemas.microsoft.com/office/drawing/2014/main" id="{AFE9EA88-8FE1-459D-8933-4C09C5A57B18}"/>
-              </a:ext>
-            </a:extLst>
-          </p:cNvPr>
-          <p:cNvSpPr txBox="1"/>
-          <p:nvPr/>
-        </p:nvSpPr>
-        <p:spPr>
-          <a:xfrm>
-            <a:off x="900240" y="1892411"/>
-            <a:ext cx="1015663" cy="2710732"/>
-          </a:xfrm>
-          <a:prstGeom prst="rect">
-            <a:avLst/>
-          </a:prstGeom>
-          <a:noFill/>
-        </p:spPr>
-        <p:txBody>
-          <a:bodyPr vert="vert270" wrap="square" rtlCol="0">
-            <a:spAutoFit/>
-          </a:bodyPr>
-          <a:lstStyle/>
-          <a:p>
-            <a:r>
-              <a:rPr lang="en-US" sz="5400" dirty="0">
-                <a:latin typeface="Dungeon" panose="040D0607070702040804" pitchFamily="82" charset="0"/>
-              </a:rPr>
-              <a:t>Node</a:t>
-            </a:r>
-          </a:p>
-        </p:txBody>
-      </p:sp>
-      <p:sp>
-        <p:nvSpPr>
-          <p:cNvPr id="6" name="Arrow: Striped Right 5">
-            <a:extLst>
-              <a:ext uri="{FF2B5EF4-FFF2-40B4-BE49-F238E27FC236}">
-                <a16:creationId xmlns:a16="http://schemas.microsoft.com/office/drawing/2014/main" id="{F482BFC0-3B85-4DEC-9A02-4DD4C5BA5B65}"/>
-              </a:ext>
-            </a:extLst>
-          </p:cNvPr>
-          <p:cNvSpPr/>
-          <p:nvPr/>
-        </p:nvSpPr>
-        <p:spPr>
-          <a:xfrm>
-            <a:off x="2953468" y="1962847"/>
-            <a:ext cx="1647786" cy="253041"/>
-          </a:xfrm>
-          <a:prstGeom prst="stripedRightArrow">
-            <a:avLst/>
-          </a:prstGeom>
-        </p:spPr>
-        <p:style>
-          <a:lnRef idx="2">
-            <a:schemeClr val="accent1">
-              <a:shade val="50000"/>
-            </a:schemeClr>
-          </a:lnRef>
-          <a:fillRef idx="1">
-            <a:schemeClr val="accent1"/>
-          </a:fillRef>
-          <a:effectRef idx="0">
-            <a:schemeClr val="accent1"/>
-          </a:effectRef>
-          <a:fontRef idx="minor">
-            <a:schemeClr val="lt1"/>
-          </a:fontRef>
-        </p:style>
-        <p:txBody>
-          <a:bodyPr rtlCol="0" anchor="ctr"/>
-          <a:lstStyle/>
-          <a:p>
-            <a:pPr algn="ctr"/>
-            <a:endParaRPr lang="en-US"/>
-          </a:p>
-        </p:txBody>
-      </p:sp>
-      <p:grpSp>
-        <p:nvGrpSpPr>
-          <p:cNvPr id="7" name="Graphic 18" descr="Box">
-            <a:extLst>
-              <a:ext uri="{FF2B5EF4-FFF2-40B4-BE49-F238E27FC236}">
-                <a16:creationId xmlns:a16="http://schemas.microsoft.com/office/drawing/2014/main" id="{F9CE0DDA-9A76-411F-8C99-7EECE4F1CF47}"/>
-              </a:ext>
-            </a:extLst>
-          </p:cNvPr>
-          <p:cNvGrpSpPr/>
-          <p:nvPr/>
-        </p:nvGrpSpPr>
-        <p:grpSpPr>
-          <a:xfrm>
-            <a:off x="2259561" y="1718807"/>
-            <a:ext cx="628650" cy="750570"/>
-            <a:chOff x="2841067" y="1748600"/>
-            <a:chExt cx="628650" cy="750570"/>
-          </a:xfrm>
-          <a:solidFill>
-            <a:srgbClr val="C00000"/>
-          </a:solidFill>
-        </p:grpSpPr>
-        <p:sp>
-          <p:nvSpPr>
-            <p:cNvPr id="9" name="Freeform: Shape 8">
-              <a:extLst>
-                <a:ext uri="{FF2B5EF4-FFF2-40B4-BE49-F238E27FC236}">
-                  <a16:creationId xmlns:a16="http://schemas.microsoft.com/office/drawing/2014/main" id="{D4D171A7-D107-4E41-AFA2-30EFBAD80995}"/>
-                </a:ext>
-              </a:extLst>
-            </p:cNvPr>
-            <p:cNvSpPr/>
-            <p:nvPr/>
-          </p:nvSpPr>
-          <p:spPr>
-            <a:xfrm>
-              <a:off x="2841067" y="1852422"/>
-              <a:ext cx="457200" cy="277177"/>
-            </a:xfrm>
-            <a:custGeom>
-              <a:avLst/>
-              <a:gdLst>
-                <a:gd name="connsiteX0" fmla="*/ 142875 w 457200"/>
-                <a:gd name="connsiteY0" fmla="*/ 0 h 277177"/>
-                <a:gd name="connsiteX1" fmla="*/ 0 w 457200"/>
-                <a:gd name="connsiteY1" fmla="*/ 86678 h 277177"/>
-                <a:gd name="connsiteX2" fmla="*/ 314325 w 457200"/>
-                <a:gd name="connsiteY2" fmla="*/ 277178 h 277177"/>
-                <a:gd name="connsiteX3" fmla="*/ 457200 w 457200"/>
-                <a:gd name="connsiteY3" fmla="*/ 190500 h 277177"/>
-              </a:gdLst>
-              <a:ahLst/>
-              <a:cxnLst>
-                <a:cxn ang="0">
-                  <a:pos x="connsiteX0" y="connsiteY0"/>
-                </a:cxn>
-                <a:cxn ang="0">
-                  <a:pos x="connsiteX1" y="connsiteY1"/>
-                </a:cxn>
-                <a:cxn ang="0">
-                  <a:pos x="connsiteX2" y="connsiteY2"/>
-                </a:cxn>
-                <a:cxn ang="0">
-                  <a:pos x="connsiteX3" y="connsiteY3"/>
-                </a:cxn>
-              </a:cxnLst>
-              <a:rect l="l" t="t" r="r" b="b"/>
-              <a:pathLst>
-                <a:path w="457200" h="277177">
-                  <a:moveTo>
-                    <a:pt x="142875" y="0"/>
-                  </a:moveTo>
-                  <a:lnTo>
-                    <a:pt x="0" y="86678"/>
-                  </a:lnTo>
-                  <a:lnTo>
-                    <a:pt x="314325" y="277178"/>
-                  </a:lnTo>
-                  <a:lnTo>
-                    <a:pt x="457200" y="190500"/>
-                  </a:lnTo>
-                  <a:close/>
-                </a:path>
-              </a:pathLst>
-            </a:custGeom>
-            <a:grpFill/>
-            <a:ln w="9525" cap="flat">
-              <a:noFill/>
-              <a:prstDash val="solid"/>
-              <a:miter/>
-            </a:ln>
-          </p:spPr>
-          <p:txBody>
-            <a:bodyPr rtlCol="0" anchor="ctr"/>
-            <a:lstStyle/>
-            <a:p>
-              <a:endParaRPr lang="en-US"/>
-            </a:p>
-          </p:txBody>
-        </p:sp>
-        <p:sp>
-          <p:nvSpPr>
-            <p:cNvPr id="10" name="Freeform: Shape 9">
-              <a:extLst>
-                <a:ext uri="{FF2B5EF4-FFF2-40B4-BE49-F238E27FC236}">
-                  <a16:creationId xmlns:a16="http://schemas.microsoft.com/office/drawing/2014/main" id="{263CE1FA-FEAF-4E5F-AE89-E697D9921792}"/>
-                </a:ext>
-              </a:extLst>
-            </p:cNvPr>
-            <p:cNvSpPr/>
-            <p:nvPr/>
-          </p:nvSpPr>
-          <p:spPr>
-            <a:xfrm>
-              <a:off x="3020136" y="1748600"/>
-              <a:ext cx="449580" cy="272415"/>
-            </a:xfrm>
-            <a:custGeom>
-              <a:avLst/>
-              <a:gdLst>
-                <a:gd name="connsiteX0" fmla="*/ 449580 w 449580"/>
-                <a:gd name="connsiteY0" fmla="*/ 190500 h 272415"/>
-                <a:gd name="connsiteX1" fmla="*/ 135255 w 449580"/>
-                <a:gd name="connsiteY1" fmla="*/ 0 h 272415"/>
-                <a:gd name="connsiteX2" fmla="*/ 0 w 449580"/>
-                <a:gd name="connsiteY2" fmla="*/ 81915 h 272415"/>
-                <a:gd name="connsiteX3" fmla="*/ 314325 w 449580"/>
-                <a:gd name="connsiteY3" fmla="*/ 272415 h 272415"/>
-              </a:gdLst>
-              <a:ahLst/>
-              <a:cxnLst>
-                <a:cxn ang="0">
-                  <a:pos x="connsiteX0" y="connsiteY0"/>
-                </a:cxn>
-                <a:cxn ang="0">
-                  <a:pos x="connsiteX1" y="connsiteY1"/>
-                </a:cxn>
-                <a:cxn ang="0">
-                  <a:pos x="connsiteX2" y="connsiteY2"/>
-                </a:cxn>
-                <a:cxn ang="0">
-                  <a:pos x="connsiteX3" y="connsiteY3"/>
-                </a:cxn>
-              </a:cxnLst>
-              <a:rect l="l" t="t" r="r" b="b"/>
-              <a:pathLst>
-                <a:path w="449580" h="272415">
-                  <a:moveTo>
-                    <a:pt x="449580" y="190500"/>
-                  </a:moveTo>
-                  <a:lnTo>
-                    <a:pt x="135255" y="0"/>
-                  </a:lnTo>
-                  <a:lnTo>
-                    <a:pt x="0" y="81915"/>
-                  </a:lnTo>
-                  <a:lnTo>
-                    <a:pt x="314325" y="272415"/>
-                  </a:lnTo>
-                  <a:close/>
-                </a:path>
-              </a:pathLst>
-            </a:custGeom>
-            <a:grpFill/>
-            <a:ln w="9525" cap="flat">
-              <a:noFill/>
-              <a:prstDash val="solid"/>
-              <a:miter/>
-            </a:ln>
-          </p:spPr>
-          <p:txBody>
-            <a:bodyPr rtlCol="0" anchor="ctr"/>
-            <a:lstStyle/>
-            <a:p>
-              <a:endParaRPr lang="en-US"/>
-            </a:p>
-          </p:txBody>
-        </p:sp>
-        <p:sp>
-          <p:nvSpPr>
-            <p:cNvPr id="11" name="Freeform: Shape 10">
-              <a:extLst>
-                <a:ext uri="{FF2B5EF4-FFF2-40B4-BE49-F238E27FC236}">
-                  <a16:creationId xmlns:a16="http://schemas.microsoft.com/office/drawing/2014/main" id="{42AD52C2-8CFE-4E6A-AD96-C093AC0AF71D}"/>
-                </a:ext>
-              </a:extLst>
-            </p:cNvPr>
-            <p:cNvSpPr/>
-            <p:nvPr/>
-          </p:nvSpPr>
-          <p:spPr>
-            <a:xfrm>
-              <a:off x="2841067" y="1983867"/>
-              <a:ext cx="295275" cy="515302"/>
-            </a:xfrm>
-            <a:custGeom>
-              <a:avLst/>
-              <a:gdLst>
-                <a:gd name="connsiteX0" fmla="*/ 0 w 295275"/>
-                <a:gd name="connsiteY0" fmla="*/ 31432 h 515302"/>
-                <a:gd name="connsiteX1" fmla="*/ 0 w 295275"/>
-                <a:gd name="connsiteY1" fmla="*/ 336233 h 515302"/>
-                <a:gd name="connsiteX2" fmla="*/ 295275 w 295275"/>
-                <a:gd name="connsiteY2" fmla="*/ 515303 h 515302"/>
-                <a:gd name="connsiteX3" fmla="*/ 295275 w 295275"/>
-                <a:gd name="connsiteY3" fmla="*/ 179070 h 515302"/>
-                <a:gd name="connsiteX4" fmla="*/ 0 w 295275"/>
-                <a:gd name="connsiteY4" fmla="*/ 0 h 515302"/>
-              </a:gdLst>
-              <a:ahLst/>
-              <a:cxnLst>
-                <a:cxn ang="0">
-                  <a:pos x="connsiteX0" y="connsiteY0"/>
-                </a:cxn>
-                <a:cxn ang="0">
-                  <a:pos x="connsiteX1" y="connsiteY1"/>
-                </a:cxn>
-                <a:cxn ang="0">
-                  <a:pos x="connsiteX2" y="connsiteY2"/>
-                </a:cxn>
-                <a:cxn ang="0">
-                  <a:pos x="connsiteX3" y="connsiteY3"/>
-                </a:cxn>
-                <a:cxn ang="0">
-                  <a:pos x="connsiteX4" y="connsiteY4"/>
-                </a:cxn>
-              </a:cxnLst>
-              <a:rect l="l" t="t" r="r" b="b"/>
-              <a:pathLst>
-                <a:path w="295275" h="515302">
-                  <a:moveTo>
-                    <a:pt x="0" y="31432"/>
-                  </a:moveTo>
-                  <a:lnTo>
-                    <a:pt x="0" y="336233"/>
-                  </a:lnTo>
-                  <a:lnTo>
-                    <a:pt x="295275" y="515303"/>
-                  </a:lnTo>
-                  <a:lnTo>
-                    <a:pt x="295275" y="179070"/>
-                  </a:lnTo>
-                  <a:lnTo>
-                    <a:pt x="0" y="0"/>
-                  </a:lnTo>
-                  <a:close/>
-                </a:path>
-              </a:pathLst>
-            </a:custGeom>
-            <a:grpFill/>
-            <a:ln w="9525" cap="flat">
-              <a:noFill/>
-              <a:prstDash val="solid"/>
-              <a:miter/>
-            </a:ln>
-          </p:spPr>
-          <p:txBody>
-            <a:bodyPr rtlCol="0" anchor="ctr"/>
-            <a:lstStyle/>
-            <a:p>
-              <a:endParaRPr lang="en-US"/>
-            </a:p>
-          </p:txBody>
-        </p:sp>
-        <p:sp>
-          <p:nvSpPr>
-            <p:cNvPr id="20" name="Freeform: Shape 19">
-              <a:extLst>
-                <a:ext uri="{FF2B5EF4-FFF2-40B4-BE49-F238E27FC236}">
-                  <a16:creationId xmlns:a16="http://schemas.microsoft.com/office/drawing/2014/main" id="{AEC795D2-05E4-4803-99F7-8F1244762F13}"/>
-                </a:ext>
-              </a:extLst>
-            </p:cNvPr>
-            <p:cNvSpPr/>
-            <p:nvPr/>
-          </p:nvSpPr>
-          <p:spPr>
-            <a:xfrm>
-              <a:off x="3174442" y="1983867"/>
-              <a:ext cx="295275" cy="515302"/>
-            </a:xfrm>
-            <a:custGeom>
-              <a:avLst/>
-              <a:gdLst>
-                <a:gd name="connsiteX0" fmla="*/ 104775 w 295275"/>
-                <a:gd name="connsiteY0" fmla="*/ 231458 h 515302"/>
-                <a:gd name="connsiteX1" fmla="*/ 38100 w 295275"/>
-                <a:gd name="connsiteY1" fmla="*/ 269558 h 515302"/>
-                <a:gd name="connsiteX2" fmla="*/ 38100 w 295275"/>
-                <a:gd name="connsiteY2" fmla="*/ 202883 h 515302"/>
-                <a:gd name="connsiteX3" fmla="*/ 104775 w 295275"/>
-                <a:gd name="connsiteY3" fmla="*/ 164783 h 515302"/>
-                <a:gd name="connsiteX4" fmla="*/ 104775 w 295275"/>
-                <a:gd name="connsiteY4" fmla="*/ 231458 h 515302"/>
-                <a:gd name="connsiteX5" fmla="*/ 0 w 295275"/>
-                <a:gd name="connsiteY5" fmla="*/ 179070 h 515302"/>
-                <a:gd name="connsiteX6" fmla="*/ 0 w 295275"/>
-                <a:gd name="connsiteY6" fmla="*/ 515303 h 515302"/>
-                <a:gd name="connsiteX7" fmla="*/ 295275 w 295275"/>
-                <a:gd name="connsiteY7" fmla="*/ 336233 h 515302"/>
-                <a:gd name="connsiteX8" fmla="*/ 295275 w 295275"/>
-                <a:gd name="connsiteY8" fmla="*/ 0 h 515302"/>
-                <a:gd name="connsiteX9" fmla="*/ 0 w 295275"/>
-                <a:gd name="connsiteY9" fmla="*/ 179070 h 515302"/>
-              </a:gdLst>
-              <a:ahLst/>
-              <a:cxnLst>
-                <a:cxn ang="0">
-                  <a:pos x="connsiteX0" y="connsiteY0"/>
-                </a:cxn>
-                <a:cxn ang="0">
-                  <a:pos x="connsiteX1" y="connsiteY1"/>
-                </a:cxn>
-                <a:cxn ang="0">
-                  <a:pos x="connsiteX2" y="connsiteY2"/>
-                </a:cxn>
-                <a:cxn ang="0">
-                  <a:pos x="connsiteX3" y="connsiteY3"/>
-                </a:cxn>
-                <a:cxn ang="0">
-                  <a:pos x="connsiteX4" y="connsiteY4"/>
-                </a:cxn>
-                <a:cxn ang="0">
-                  <a:pos x="connsiteX5" y="connsiteY5"/>
-                </a:cxn>
-                <a:cxn ang="0">
-                  <a:pos x="connsiteX6" y="connsiteY6"/>
-                </a:cxn>
-                <a:cxn ang="0">
-                  <a:pos x="connsiteX7" y="connsiteY7"/>
-                </a:cxn>
-                <a:cxn ang="0">
-                  <a:pos x="connsiteX8" y="connsiteY8"/>
-                </a:cxn>
-                <a:cxn ang="0">
-                  <a:pos x="connsiteX9" y="connsiteY9"/>
-                </a:cxn>
-              </a:cxnLst>
-              <a:rect l="l" t="t" r="r" b="b"/>
-              <a:pathLst>
-                <a:path w="295275" h="515302">
-                  <a:moveTo>
-                    <a:pt x="104775" y="231458"/>
-                  </a:moveTo>
-                  <a:lnTo>
-                    <a:pt x="38100" y="269558"/>
-                  </a:lnTo>
-                  <a:lnTo>
-                    <a:pt x="38100" y="202883"/>
-                  </a:lnTo>
-                  <a:lnTo>
-                    <a:pt x="104775" y="164783"/>
-                  </a:lnTo>
-                  <a:lnTo>
-                    <a:pt x="104775" y="231458"/>
-                  </a:lnTo>
-                  <a:close/>
-                  <a:moveTo>
-                    <a:pt x="0" y="179070"/>
-                  </a:moveTo>
-                  <a:lnTo>
-                    <a:pt x="0" y="515303"/>
-                  </a:lnTo>
-                  <a:lnTo>
-                    <a:pt x="295275" y="336233"/>
-                  </a:lnTo>
-                  <a:lnTo>
-                    <a:pt x="295275" y="0"/>
-                  </a:lnTo>
-                  <a:lnTo>
-                    <a:pt x="0" y="179070"/>
-                  </a:lnTo>
-                  <a:close/>
-                </a:path>
-              </a:pathLst>
-            </a:custGeom>
-            <a:grpFill/>
-            <a:ln w="9525" cap="flat">
-              <a:noFill/>
-              <a:prstDash val="solid"/>
-              <a:miter/>
-            </a:ln>
-          </p:spPr>
-          <p:txBody>
-            <a:bodyPr rtlCol="0" anchor="ctr"/>
-            <a:lstStyle/>
-            <a:p>
-              <a:endParaRPr lang="en-US"/>
-            </a:p>
-          </p:txBody>
-        </p:sp>
-      </p:grpSp>
-      <p:sp>
-        <p:nvSpPr>
-          <p:cNvPr id="23" name="TextBox 22">
-            <a:extLst>
-              <a:ext uri="{FF2B5EF4-FFF2-40B4-BE49-F238E27FC236}">
-                <a16:creationId xmlns:a16="http://schemas.microsoft.com/office/drawing/2014/main" id="{72AB0CA2-16F0-4317-B84E-CD5E3CA25FEF}"/>
-              </a:ext>
-            </a:extLst>
-          </p:cNvPr>
-          <p:cNvSpPr txBox="1"/>
-          <p:nvPr/>
-        </p:nvSpPr>
-        <p:spPr>
-          <a:xfrm rot="18632507" flipH="1">
-            <a:off x="1851302" y="2062511"/>
-            <a:ext cx="2842432" cy="954107"/>
-          </a:xfrm>
-          <a:prstGeom prst="rect">
-            <a:avLst/>
-          </a:prstGeom>
-          <a:noFill/>
-        </p:spPr>
-        <p:txBody>
-          <a:bodyPr wrap="square" rtlCol="0">
-            <a:spAutoFit/>
-          </a:bodyPr>
-          <a:lstStyle/>
-          <a:p>
-            <a:r>
-              <a:rPr lang="en-US" sz="2800" b="1" dirty="0">
-                <a:solidFill>
-                  <a:schemeClr val="accent4">
-                    <a:lumMod val="20000"/>
-                    <a:lumOff val="80000"/>
-                  </a:schemeClr>
-                </a:solidFill>
-                <a:highlight>
-                  <a:srgbClr val="808080"/>
-                </a:highlight>
-                <a:latin typeface="Dungeon" panose="040D0607070702040804" pitchFamily="82" charset="0"/>
-              </a:rPr>
-              <a:t>Persistent Volumes(PVs)</a:t>
-            </a:r>
-          </a:p>
-        </p:txBody>
-      </p:sp>
-    </p:spTree>
-    <p:extLst>
-      <p:ext uri="{BB962C8B-B14F-4D97-AF65-F5344CB8AC3E}">
-        <p14:creationId xmlns:p14="http://schemas.microsoft.com/office/powerpoint/2010/main" val="2290543761"/>
-      </p:ext>
-    </p:extLst>
-  </p:cSld>
-  <p:clrMapOvr>
-    <a:masterClrMapping/>
-  </p:clrMapOvr>
-  <mc:AlternateContent xmlns:mc="http://schemas.openxmlformats.org/markup-compatibility/2006" xmlns:p159="http://schemas.microsoft.com/office/powerpoint/2015/09/main">
-    <mc:Choice Requires="p159">
-      <p:transition xmlns:p14="http://schemas.microsoft.com/office/powerpoint/2010/main" spd="slow" p14:dur="2000">
-        <p159:morph option="byObject"/>
-      </p:transition>
-    </mc:Choice>
-    <mc:Fallback xmlns="">
-      <p:transition spd="slow">
-        <p:fade/>
-      </p:transition>
-    </mc:Fallback>
-  </mc:AlternateContent>
-  <p:timing>
-    <p:tnLst>
-      <p:par>
-        <p:cTn id="1" dur="indefinite" restart="never" nodeType="tmRoot">
-          <p:childTnLst>
-            <p:seq concurrent="1" nextAc="seek">
-              <p:cTn id="2" dur="indefinite" nodeType="mainSeq">
-                <p:childTnLst>
-                  <p:par>
-                    <p:cTn id="3" fill="hold">
-                      <p:stCondLst>
-                        <p:cond delay="indefinite"/>
-                        <p:cond evt="onBegin" delay="0">
-                          <p:tn val="2"/>
-                        </p:cond>
-                      </p:stCondLst>
-                      <p:childTnLst>
-                        <p:par>
-                          <p:cTn id="4" fill="hold">
-                            <p:stCondLst>
-                              <p:cond delay="0"/>
-                            </p:stCondLst>
-                            <p:childTnLst>
-                              <p:par>
-                                <p:cTn id="5" presetID="42" presetClass="entr" presetSubtype="0" fill="hold" grpId="0" nodeType="afterEffect">
-                                  <p:stCondLst>
-                                    <p:cond delay="0"/>
-                                  </p:stCondLst>
-                                  <p:childTnLst>
-                                    <p:set>
-                                      <p:cBhvr>
-                                        <p:cTn id="6" dur="1" fill="hold">
-                                          <p:stCondLst>
-                                            <p:cond delay="0"/>
-                                          </p:stCondLst>
-                                        </p:cTn>
-                                        <p:tgtEl>
-                                          <p:spTgt spid="8"/>
-                                        </p:tgtEl>
-                                        <p:attrNameLst>
-                                          <p:attrName>style.visibility</p:attrName>
-                                        </p:attrNameLst>
-                                      </p:cBhvr>
-                                      <p:to>
-                                        <p:strVal val="visible"/>
-                                      </p:to>
-                                    </p:set>
-                                    <p:animEffect transition="in" filter="fade">
-                                      <p:cBhvr>
-                                        <p:cTn id="7" dur="1000"/>
-                                        <p:tgtEl>
-                                          <p:spTgt spid="8"/>
-                                        </p:tgtEl>
-                                      </p:cBhvr>
-                                    </p:animEffect>
-                                    <p:anim calcmode="lin" valueType="num">
-                                      <p:cBhvr>
-                                        <p:cTn id="8" dur="1000" fill="hold"/>
-                                        <p:tgtEl>
-                                          <p:spTgt spid="8"/>
-                                        </p:tgtEl>
-                                        <p:attrNameLst>
-                                          <p:attrName>ppt_x</p:attrName>
-                                        </p:attrNameLst>
-                                      </p:cBhvr>
-                                      <p:tavLst>
-                                        <p:tav tm="0">
-                                          <p:val>
-                                            <p:strVal val="#ppt_x"/>
-                                          </p:val>
-                                        </p:tav>
-                                        <p:tav tm="100000">
-                                          <p:val>
-                                            <p:strVal val="#ppt_x"/>
-                                          </p:val>
-                                        </p:tav>
-                                      </p:tavLst>
-                                    </p:anim>
-                                    <p:anim calcmode="lin" valueType="num">
-                                      <p:cBhvr>
-                                        <p:cTn id="9" dur="1000" fill="hold"/>
-                                        <p:tgtEl>
-                                          <p:spTgt spid="8"/>
-                                        </p:tgtEl>
-                                        <p:attrNameLst>
-                                          <p:attrName>ppt_y</p:attrName>
-                                        </p:attrNameLst>
-                                      </p:cBhvr>
-                                      <p:tavLst>
-                                        <p:tav tm="0">
-                                          <p:val>
-                                            <p:strVal val="#ppt_y+.1"/>
-                                          </p:val>
-                                        </p:tav>
-                                        <p:tav tm="100000">
-                                          <p:val>
-                                            <p:strVal val="#ppt_y"/>
-                                          </p:val>
-                                        </p:tav>
-                                      </p:tavLst>
-                                    </p:anim>
-                                  </p:childTnLst>
-                                </p:cTn>
-                              </p:par>
-                            </p:childTnLst>
-                          </p:cTn>
-                        </p:par>
-                        <p:par>
-                          <p:cTn id="10" fill="hold">
-                            <p:stCondLst>
-                              <p:cond delay="1000"/>
-                            </p:stCondLst>
-                            <p:childTnLst>
-                              <p:par>
-                                <p:cTn id="11" presetID="42" presetClass="entr" presetSubtype="0" fill="hold" grpId="0" nodeType="afterEffect">
-                                  <p:stCondLst>
-                                    <p:cond delay="0"/>
-                                  </p:stCondLst>
-                                  <p:childTnLst>
-                                    <p:set>
-                                      <p:cBhvr>
-                                        <p:cTn id="12" dur="1" fill="hold">
-                                          <p:stCondLst>
-                                            <p:cond delay="0"/>
-                                          </p:stCondLst>
-                                        </p:cTn>
-                                        <p:tgtEl>
-                                          <p:spTgt spid="12"/>
-                                        </p:tgtEl>
-                                        <p:attrNameLst>
-                                          <p:attrName>style.visibility</p:attrName>
-                                        </p:attrNameLst>
-                                      </p:cBhvr>
-                                      <p:to>
-                                        <p:strVal val="visible"/>
-                                      </p:to>
-                                    </p:set>
-                                    <p:animEffect transition="in" filter="fade">
-                                      <p:cBhvr>
-                                        <p:cTn id="13" dur="1000"/>
-                                        <p:tgtEl>
-                                          <p:spTgt spid="12"/>
-                                        </p:tgtEl>
-                                      </p:cBhvr>
-                                    </p:animEffect>
-                                    <p:anim calcmode="lin" valueType="num">
-                                      <p:cBhvr>
-                                        <p:cTn id="14" dur="1000" fill="hold"/>
-                                        <p:tgtEl>
-                                          <p:spTgt spid="12"/>
-                                        </p:tgtEl>
-                                        <p:attrNameLst>
-                                          <p:attrName>ppt_x</p:attrName>
-                                        </p:attrNameLst>
-                                      </p:cBhvr>
-                                      <p:tavLst>
-                                        <p:tav tm="0">
-                                          <p:val>
-                                            <p:strVal val="#ppt_x"/>
-                                          </p:val>
-                                        </p:tav>
-                                        <p:tav tm="100000">
-                                          <p:val>
-                                            <p:strVal val="#ppt_x"/>
-                                          </p:val>
-                                        </p:tav>
-                                      </p:tavLst>
-                                    </p:anim>
-                                    <p:anim calcmode="lin" valueType="num">
-                                      <p:cBhvr>
-                                        <p:cTn id="15" dur="1000" fill="hold"/>
-                                        <p:tgtEl>
-                                          <p:spTgt spid="12"/>
-                                        </p:tgtEl>
-                                        <p:attrNameLst>
-                                          <p:attrName>ppt_y</p:attrName>
-                                        </p:attrNameLst>
-                                      </p:cBhvr>
-                                      <p:tavLst>
-                                        <p:tav tm="0">
-                                          <p:val>
-                                            <p:strVal val="#ppt_y+.1"/>
-                                          </p:val>
-                                        </p:tav>
-                                        <p:tav tm="100000">
-                                          <p:val>
-                                            <p:strVal val="#ppt_y"/>
-                                          </p:val>
-                                        </p:tav>
-                                      </p:tavLst>
-                                    </p:anim>
-                                  </p:childTnLst>
-                                </p:cTn>
-                              </p:par>
-                            </p:childTnLst>
-                          </p:cTn>
-                        </p:par>
-                        <p:par>
-                          <p:cTn id="16" fill="hold">
-                            <p:stCondLst>
-                              <p:cond delay="2000"/>
-                            </p:stCondLst>
-                            <p:childTnLst>
-                              <p:par>
-                                <p:cTn id="17" presetID="2" presetClass="entr" presetSubtype="12" fill="hold" grpId="0" nodeType="afterEffect">
-                                  <p:stCondLst>
-                                    <p:cond delay="0"/>
-                                  </p:stCondLst>
-                                  <p:childTnLst>
-                                    <p:set>
-                                      <p:cBhvr>
-                                        <p:cTn id="18" dur="1" fill="hold">
-                                          <p:stCondLst>
-                                            <p:cond delay="0"/>
-                                          </p:stCondLst>
-                                        </p:cTn>
-                                        <p:tgtEl>
-                                          <p:spTgt spid="14"/>
-                                        </p:tgtEl>
-                                        <p:attrNameLst>
-                                          <p:attrName>style.visibility</p:attrName>
-                                        </p:attrNameLst>
-                                      </p:cBhvr>
-                                      <p:to>
-                                        <p:strVal val="visible"/>
-                                      </p:to>
-                                    </p:set>
-                                    <p:anim calcmode="lin" valueType="num">
-                                      <p:cBhvr additive="base">
-                                        <p:cTn id="19" dur="500" fill="hold"/>
-                                        <p:tgtEl>
-                                          <p:spTgt spid="14"/>
-                                        </p:tgtEl>
-                                        <p:attrNameLst>
-                                          <p:attrName>ppt_x</p:attrName>
-                                        </p:attrNameLst>
-                                      </p:cBhvr>
-                                      <p:tavLst>
-                                        <p:tav tm="0">
-                                          <p:val>
-                                            <p:strVal val="0-#ppt_w/2"/>
-                                          </p:val>
-                                        </p:tav>
-                                        <p:tav tm="100000">
-                                          <p:val>
-                                            <p:strVal val="#ppt_x"/>
-                                          </p:val>
-                                        </p:tav>
-                                      </p:tavLst>
-                                    </p:anim>
-                                    <p:anim calcmode="lin" valueType="num">
-                                      <p:cBhvr additive="base">
-                                        <p:cTn id="20" dur="500" fill="hold"/>
-                                        <p:tgtEl>
-                                          <p:spTgt spid="14"/>
-                                        </p:tgtEl>
-                                        <p:attrNameLst>
-                                          <p:attrName>ppt_y</p:attrName>
-                                        </p:attrNameLst>
-                                      </p:cBhvr>
-                                      <p:tavLst>
-                                        <p:tav tm="0">
-                                          <p:val>
-                                            <p:strVal val="1+#ppt_h/2"/>
-                                          </p:val>
-                                        </p:tav>
-                                        <p:tav tm="100000">
-                                          <p:val>
-                                            <p:strVal val="#ppt_y"/>
-                                          </p:val>
-                                        </p:tav>
-                                      </p:tavLst>
-                                    </p:anim>
-                                  </p:childTnLst>
-                                </p:cTn>
-                              </p:par>
-                            </p:childTnLst>
-                          </p:cTn>
-                        </p:par>
-                        <p:par>
-                          <p:cTn id="21" fill="hold">
-                            <p:stCondLst>
-                              <p:cond delay="2500"/>
-                            </p:stCondLst>
-                            <p:childTnLst>
-                              <p:par>
-                                <p:cTn id="22" presetID="2" presetClass="entr" presetSubtype="12" fill="hold" grpId="0" nodeType="afterEffect">
-                                  <p:stCondLst>
-                                    <p:cond delay="0"/>
-                                  </p:stCondLst>
-                                  <p:childTnLst>
-                                    <p:set>
-                                      <p:cBhvr>
-                                        <p:cTn id="23" dur="1" fill="hold">
-                                          <p:stCondLst>
-                                            <p:cond delay="0"/>
-                                          </p:stCondLst>
-                                        </p:cTn>
-                                        <p:tgtEl>
-                                          <p:spTgt spid="3"/>
-                                        </p:tgtEl>
-                                        <p:attrNameLst>
-                                          <p:attrName>style.visibility</p:attrName>
-                                        </p:attrNameLst>
-                                      </p:cBhvr>
-                                      <p:to>
-                                        <p:strVal val="visible"/>
-                                      </p:to>
-                                    </p:set>
-                                    <p:anim calcmode="lin" valueType="num">
-                                      <p:cBhvr additive="base">
-                                        <p:cTn id="24" dur="500" fill="hold"/>
-                                        <p:tgtEl>
-                                          <p:spTgt spid="3"/>
-                                        </p:tgtEl>
-                                        <p:attrNameLst>
-                                          <p:attrName>ppt_x</p:attrName>
-                                        </p:attrNameLst>
-                                      </p:cBhvr>
-                                      <p:tavLst>
-                                        <p:tav tm="0">
-                                          <p:val>
-                                            <p:strVal val="0-#ppt_w/2"/>
-                                          </p:val>
-                                        </p:tav>
-                                        <p:tav tm="100000">
-                                          <p:val>
-                                            <p:strVal val="#ppt_x"/>
-                                          </p:val>
-                                        </p:tav>
-                                      </p:tavLst>
-                                    </p:anim>
-                                    <p:anim calcmode="lin" valueType="num">
-                                      <p:cBhvr additive="base">
-                                        <p:cTn id="25" dur="500" fill="hold"/>
-                                        <p:tgtEl>
-                                          <p:spTgt spid="3"/>
-                                        </p:tgtEl>
-                                        <p:attrNameLst>
-                                          <p:attrName>ppt_y</p:attrName>
-                                        </p:attrNameLst>
-                                      </p:cBhvr>
-                                      <p:tavLst>
-                                        <p:tav tm="0">
-                                          <p:val>
-                                            <p:strVal val="1+#ppt_h/2"/>
-                                          </p:val>
-                                        </p:tav>
-                                        <p:tav tm="100000">
-                                          <p:val>
-                                            <p:strVal val="#ppt_y"/>
-                                          </p:val>
-                                        </p:tav>
-                                      </p:tavLst>
-                                    </p:anim>
-                                  </p:childTnLst>
-                                </p:cTn>
-                              </p:par>
-                            </p:childTnLst>
-                          </p:cTn>
-                        </p:par>
-                        <p:par>
-                          <p:cTn id="26" fill="hold">
-                            <p:stCondLst>
-                              <p:cond delay="3000"/>
-                            </p:stCondLst>
-                            <p:childTnLst>
-                              <p:par>
-                                <p:cTn id="27" presetID="2" presetClass="entr" presetSubtype="3" fill="hold" grpId="0" nodeType="afterEffect">
-                                  <p:stCondLst>
-                                    <p:cond delay="0"/>
-                                  </p:stCondLst>
-                                  <p:childTnLst>
-                                    <p:set>
-                                      <p:cBhvr>
-                                        <p:cTn id="28" dur="1" fill="hold">
-                                          <p:stCondLst>
-                                            <p:cond delay="0"/>
-                                          </p:stCondLst>
-                                        </p:cTn>
-                                        <p:tgtEl>
-                                          <p:spTgt spid="13"/>
-                                        </p:tgtEl>
-                                        <p:attrNameLst>
-                                          <p:attrName>style.visibility</p:attrName>
-                                        </p:attrNameLst>
-                                      </p:cBhvr>
-                                      <p:to>
-                                        <p:strVal val="visible"/>
-                                      </p:to>
-                                    </p:set>
-                                    <p:anim calcmode="lin" valueType="num">
-                                      <p:cBhvr additive="base">
-                                        <p:cTn id="29" dur="500" fill="hold"/>
-                                        <p:tgtEl>
-                                          <p:spTgt spid="13"/>
-                                        </p:tgtEl>
-                                        <p:attrNameLst>
-                                          <p:attrName>ppt_x</p:attrName>
-                                        </p:attrNameLst>
-                                      </p:cBhvr>
-                                      <p:tavLst>
-                                        <p:tav tm="0">
-                                          <p:val>
-                                            <p:strVal val="1+#ppt_w/2"/>
-                                          </p:val>
-                                        </p:tav>
-                                        <p:tav tm="100000">
-                                          <p:val>
-                                            <p:strVal val="#ppt_x"/>
-                                          </p:val>
-                                        </p:tav>
-                                      </p:tavLst>
-                                    </p:anim>
-                                    <p:anim calcmode="lin" valueType="num">
-                                      <p:cBhvr additive="base">
-                                        <p:cTn id="30" dur="500" fill="hold"/>
-                                        <p:tgtEl>
-                                          <p:spTgt spid="13"/>
-                                        </p:tgtEl>
-                                        <p:attrNameLst>
-                                          <p:attrName>ppt_y</p:attrName>
-                                        </p:attrNameLst>
-                                      </p:cBhvr>
-                                      <p:tavLst>
-                                        <p:tav tm="0">
-                                          <p:val>
-                                            <p:strVal val="0-#ppt_h/2"/>
-                                          </p:val>
-                                        </p:tav>
-                                        <p:tav tm="100000">
-                                          <p:val>
-                                            <p:strVal val="#ppt_y"/>
-                                          </p:val>
-                                        </p:tav>
-                                      </p:tavLst>
-                                    </p:anim>
-                                  </p:childTnLst>
-                                </p:cTn>
-                              </p:par>
-                            </p:childTnLst>
-                          </p:cTn>
-                        </p:par>
-                        <p:par>
-                          <p:cTn id="31" fill="hold">
-                            <p:stCondLst>
-                              <p:cond delay="3500"/>
-                            </p:stCondLst>
-                            <p:childTnLst>
-                              <p:par>
-                                <p:cTn id="32" presetID="2" presetClass="entr" presetSubtype="3" fill="hold" grpId="0" nodeType="afterEffect">
-                                  <p:stCondLst>
-                                    <p:cond delay="0"/>
-                                  </p:stCondLst>
-                                  <p:childTnLst>
-                                    <p:set>
-                                      <p:cBhvr>
-                                        <p:cTn id="33" dur="1" fill="hold">
-                                          <p:stCondLst>
-                                            <p:cond delay="0"/>
-                                          </p:stCondLst>
-                                        </p:cTn>
-                                        <p:tgtEl>
-                                          <p:spTgt spid="15"/>
-                                        </p:tgtEl>
-                                        <p:attrNameLst>
-                                          <p:attrName>style.visibility</p:attrName>
-                                        </p:attrNameLst>
-                                      </p:cBhvr>
-                                      <p:to>
-                                        <p:strVal val="visible"/>
-                                      </p:to>
-                                    </p:set>
-                                    <p:anim calcmode="lin" valueType="num">
-                                      <p:cBhvr additive="base">
-                                        <p:cTn id="34" dur="500" fill="hold"/>
-                                        <p:tgtEl>
-                                          <p:spTgt spid="15"/>
-                                        </p:tgtEl>
-                                        <p:attrNameLst>
-                                          <p:attrName>ppt_x</p:attrName>
-                                        </p:attrNameLst>
-                                      </p:cBhvr>
-                                      <p:tavLst>
-                                        <p:tav tm="0">
-                                          <p:val>
-                                            <p:strVal val="1+#ppt_w/2"/>
-                                          </p:val>
-                                        </p:tav>
-                                        <p:tav tm="100000">
-                                          <p:val>
-                                            <p:strVal val="#ppt_x"/>
-                                          </p:val>
-                                        </p:tav>
-                                      </p:tavLst>
-                                    </p:anim>
-                                    <p:anim calcmode="lin" valueType="num">
-                                      <p:cBhvr additive="base">
-                                        <p:cTn id="35" dur="500" fill="hold"/>
-                                        <p:tgtEl>
-                                          <p:spTgt spid="15"/>
-                                        </p:tgtEl>
-                                        <p:attrNameLst>
-                                          <p:attrName>ppt_y</p:attrName>
-                                        </p:attrNameLst>
-                                      </p:cBhvr>
-                                      <p:tavLst>
-                                        <p:tav tm="0">
-                                          <p:val>
-                                            <p:strVal val="0-#ppt_h/2"/>
-                                          </p:val>
-                                        </p:tav>
-                                        <p:tav tm="100000">
-                                          <p:val>
-                                            <p:strVal val="#ppt_y"/>
-                                          </p:val>
-                                        </p:tav>
-                                      </p:tavLst>
-                                    </p:anim>
-                                  </p:childTnLst>
-                                </p:cTn>
-                              </p:par>
-                            </p:childTnLst>
-                          </p:cTn>
-                        </p:par>
-                      </p:childTnLst>
-                    </p:cTn>
-                  </p:par>
-                  <p:par>
-                    <p:cTn id="36" fill="hold">
-                      <p:stCondLst>
-                        <p:cond delay="indefinite"/>
-                      </p:stCondLst>
-                      <p:childTnLst>
-                        <p:par>
-                          <p:cTn id="37" fill="hold">
-                            <p:stCondLst>
-                              <p:cond delay="0"/>
-                            </p:stCondLst>
-                            <p:childTnLst>
-                              <p:par>
-                                <p:cTn id="38" presetID="31" presetClass="entr" presetSubtype="0" fill="hold" nodeType="clickEffect">
-                                  <p:stCondLst>
-                                    <p:cond delay="0"/>
-                                  </p:stCondLst>
-                                  <p:childTnLst>
-                                    <p:set>
-                                      <p:cBhvr>
-                                        <p:cTn id="39" dur="1" fill="hold">
-                                          <p:stCondLst>
-                                            <p:cond delay="0"/>
-                                          </p:stCondLst>
-                                        </p:cTn>
-                                        <p:tgtEl>
-                                          <p:spTgt spid="5"/>
-                                        </p:tgtEl>
-                                        <p:attrNameLst>
-                                          <p:attrName>style.visibility</p:attrName>
-                                        </p:attrNameLst>
-                                      </p:cBhvr>
-                                      <p:to>
-                                        <p:strVal val="visible"/>
-                                      </p:to>
-                                    </p:set>
-                                    <p:anim calcmode="lin" valueType="num">
-                                      <p:cBhvr>
-                                        <p:cTn id="40" dur="1000" fill="hold"/>
-                                        <p:tgtEl>
-                                          <p:spTgt spid="5"/>
-                                        </p:tgtEl>
-                                        <p:attrNameLst>
-                                          <p:attrName>ppt_w</p:attrName>
-                                        </p:attrNameLst>
-                                      </p:cBhvr>
-                                      <p:tavLst>
-                                        <p:tav tm="0">
-                                          <p:val>
-                                            <p:fltVal val="0"/>
-                                          </p:val>
-                                        </p:tav>
-                                        <p:tav tm="100000">
-                                          <p:val>
-                                            <p:strVal val="#ppt_w"/>
-                                          </p:val>
-                                        </p:tav>
-                                      </p:tavLst>
-                                    </p:anim>
-                                    <p:anim calcmode="lin" valueType="num">
-                                      <p:cBhvr>
-                                        <p:cTn id="41" dur="1000" fill="hold"/>
-                                        <p:tgtEl>
-                                          <p:spTgt spid="5"/>
-                                        </p:tgtEl>
-                                        <p:attrNameLst>
-                                          <p:attrName>ppt_h</p:attrName>
-                                        </p:attrNameLst>
-                                      </p:cBhvr>
-                                      <p:tavLst>
-                                        <p:tav tm="0">
-                                          <p:val>
-                                            <p:fltVal val="0"/>
-                                          </p:val>
-                                        </p:tav>
-                                        <p:tav tm="100000">
-                                          <p:val>
-                                            <p:strVal val="#ppt_h"/>
-                                          </p:val>
-                                        </p:tav>
-                                      </p:tavLst>
-                                    </p:anim>
-                                    <p:anim calcmode="lin" valueType="num">
-                                      <p:cBhvr>
-                                        <p:cTn id="42" dur="1000" fill="hold"/>
-                                        <p:tgtEl>
-                                          <p:spTgt spid="5"/>
-                                        </p:tgtEl>
-                                        <p:attrNameLst>
-                                          <p:attrName>style.rotation</p:attrName>
-                                        </p:attrNameLst>
-                                      </p:cBhvr>
-                                      <p:tavLst>
-                                        <p:tav tm="0">
-                                          <p:val>
-                                            <p:fltVal val="90"/>
-                                          </p:val>
-                                        </p:tav>
-                                        <p:tav tm="100000">
-                                          <p:val>
-                                            <p:fltVal val="0"/>
-                                          </p:val>
-                                        </p:tav>
-                                      </p:tavLst>
-                                    </p:anim>
-                                    <p:animEffect transition="in" filter="fade">
-                                      <p:cBhvr>
-                                        <p:cTn id="43" dur="1000"/>
-                                        <p:tgtEl>
-                                          <p:spTgt spid="5"/>
-                                        </p:tgtEl>
-                                      </p:cBhvr>
-                                    </p:animEffect>
-                                  </p:childTnLst>
-                                </p:cTn>
-                              </p:par>
-                            </p:childTnLst>
-                          </p:cTn>
-                        </p:par>
-                      </p:childTnLst>
-                    </p:cTn>
-                  </p:par>
-                  <p:par>
-                    <p:cTn id="44" fill="hold">
-                      <p:stCondLst>
-                        <p:cond delay="indefinite"/>
-                      </p:stCondLst>
-                      <p:childTnLst>
-                        <p:par>
-                          <p:cTn id="45" fill="hold">
-                            <p:stCondLst>
-                              <p:cond delay="0"/>
-                            </p:stCondLst>
-                            <p:childTnLst>
-                              <p:par>
-                                <p:cTn id="46" presetID="1" presetClass="entr" presetSubtype="0" fill="hold" grpId="0" nodeType="clickEffect">
-                                  <p:stCondLst>
-                                    <p:cond delay="0"/>
-                                  </p:stCondLst>
-                                  <p:childTnLst>
-                                    <p:set>
-                                      <p:cBhvr>
-                                        <p:cTn id="47" dur="1" fill="hold">
-                                          <p:stCondLst>
-                                            <p:cond delay="0"/>
-                                          </p:stCondLst>
-                                        </p:cTn>
-                                        <p:tgtEl>
-                                          <p:spTgt spid="18"/>
-                                        </p:tgtEl>
-                                        <p:attrNameLst>
-                                          <p:attrName>style.visibility</p:attrName>
-                                        </p:attrNameLst>
-                                      </p:cBhvr>
-                                      <p:to>
-                                        <p:strVal val="visible"/>
-                                      </p:to>
-                                    </p:set>
-                                  </p:childTnLst>
-                                </p:cTn>
-                              </p:par>
-                            </p:childTnLst>
-                          </p:cTn>
-                        </p:par>
-                      </p:childTnLst>
-                    </p:cTn>
-                  </p:par>
-                  <p:par>
-                    <p:cTn id="48" fill="hold">
-                      <p:stCondLst>
-                        <p:cond delay="indefinite"/>
-                      </p:stCondLst>
-                      <p:childTnLst>
-                        <p:par>
-                          <p:cTn id="49" fill="hold">
-                            <p:stCondLst>
-                              <p:cond delay="0"/>
-                            </p:stCondLst>
-                            <p:childTnLst>
-                              <p:par>
-                                <p:cTn id="50" presetID="1" presetClass="entr" presetSubtype="0" fill="hold" grpId="0" nodeType="clickEffect">
-                                  <p:stCondLst>
-                                    <p:cond delay="0"/>
-                                  </p:stCondLst>
-                                  <p:childTnLst>
-                                    <p:set>
-                                      <p:cBhvr>
-                                        <p:cTn id="51" dur="1" fill="hold">
-                                          <p:stCondLst>
-                                            <p:cond delay="0"/>
-                                          </p:stCondLst>
-                                        </p:cTn>
-                                        <p:tgtEl>
-                                          <p:spTgt spid="16"/>
-                                        </p:tgtEl>
-                                        <p:attrNameLst>
-                                          <p:attrName>style.visibility</p:attrName>
-                                        </p:attrNameLst>
-                                      </p:cBhvr>
-                                      <p:to>
-                                        <p:strVal val="visible"/>
-                                      </p:to>
-                                    </p:set>
-                                  </p:childTnLst>
-                                </p:cTn>
-                              </p:par>
-                            </p:childTnLst>
-                          </p:cTn>
-                        </p:par>
-                      </p:childTnLst>
-                    </p:cTn>
-                  </p:par>
-                </p:childTnLst>
-              </p:cTn>
-              <p:prevCondLst>
-                <p:cond evt="onPrev" delay="0">
-                  <p:tgtEl>
-                    <p:sldTgt/>
-                  </p:tgtEl>
-                </p:cond>
-              </p:prevCondLst>
-              <p:nextCondLst>
-                <p:cond evt="onNext" delay="0">
-                  <p:tgtEl>
-                    <p:sldTgt/>
-                  </p:tgtEl>
-                </p:cond>
-              </p:nextCondLst>
-            </p:seq>
-          </p:childTnLst>
-        </p:cTn>
-      </p:par>
-    </p:tnLst>
-    <p:bldLst>
-      <p:bldP spid="8" grpId="0" animBg="1"/>
-      <p:bldP spid="12" grpId="0" animBg="1"/>
-      <p:bldP spid="13" grpId="0" animBg="1"/>
-      <p:bldP spid="14" grpId="0" animBg="1"/>
-      <p:bldP spid="3" grpId="0" animBg="1"/>
-      <p:bldP spid="15" grpId="0" animBg="1"/>
-      <p:bldP spid="18" grpId="0" animBg="1"/>
-      <p:bldP spid="16" grpId="0" animBg="1"/>
-    </p:bldLst>
-  </p:timing>
-</p:sld>
-</file>
-
 <file path=ppt/theme/theme1.xml><?xml version="1.0" encoding="utf-8"?>
 <a:theme xmlns:a="http://schemas.openxmlformats.org/drawingml/2006/main" name="Office Theme">
   <a:themeElements>
